--- a/Thesis Documents/Presentation (WithNotes).pptx
+++ b/Thesis Documents/Presentation (WithNotes).pptx
@@ -3,23 +3,24 @@
 <p:presentation xmlns:a="http://schemas.openxmlformats.org/drawingml/2006/main" xmlns:r="http://schemas.openxmlformats.org/officeDocument/2006/relationships" xmlns:p="http://schemas.openxmlformats.org/presentationml/2006/main" saveSubsetFonts="1">
   <p:sldMasterIdLst>
     <p:sldMasterId id="2147483648" r:id="rId1"/>
+    <p:sldMasterId id="2147483660" r:id="rId2"/>
   </p:sldMasterIdLst>
   <p:notesMasterIdLst>
-    <p:notesMasterId r:id="rId14"/>
+    <p:notesMasterId r:id="rId15"/>
   </p:notesMasterIdLst>
   <p:sldIdLst>
-    <p:sldId id="256" r:id="rId2"/>
-    <p:sldId id="257" r:id="rId3"/>
-    <p:sldId id="265" r:id="rId4"/>
-    <p:sldId id="258" r:id="rId5"/>
-    <p:sldId id="261" r:id="rId6"/>
-    <p:sldId id="263" r:id="rId7"/>
-    <p:sldId id="264" r:id="rId8"/>
-    <p:sldId id="267" r:id="rId9"/>
+    <p:sldId id="256" r:id="rId3"/>
+    <p:sldId id="257" r:id="rId4"/>
+    <p:sldId id="265" r:id="rId5"/>
+    <p:sldId id="258" r:id="rId6"/>
+    <p:sldId id="261" r:id="rId7"/>
+    <p:sldId id="263" r:id="rId8"/>
+    <p:sldId id="264" r:id="rId9"/>
     <p:sldId id="266" r:id="rId10"/>
-    <p:sldId id="260" r:id="rId11"/>
-    <p:sldId id="262" r:id="rId12"/>
-    <p:sldId id="259" r:id="rId13"/>
+    <p:sldId id="267" r:id="rId11"/>
+    <p:sldId id="260" r:id="rId12"/>
+    <p:sldId id="262" r:id="rId13"/>
+    <p:sldId id="259" r:id="rId14"/>
   </p:sldIdLst>
   <p:sldSz cx="9144000" cy="6858000" type="screen4x3"/>
   <p:notesSz cx="6858000" cy="9144000"/>
@@ -203,7 +204,7 @@
           <a:p>
             <a:fld id="{6E4B7B2B-ADB6-43F2-A0EB-D32BC852C35C}" type="datetimeFigureOut">
               <a:rPr lang="en-US" smtClean="0"/>
-              <a:t>13-May-14</a:t>
+              <a:t>16-May-14</a:t>
             </a:fld>
             <a:endParaRPr lang="en-US"/>
           </a:p>
@@ -621,38 +622,137 @@
           <a:p>
             <a:r>
               <a:rPr lang="el-GR" dirty="0" smtClean="0"/>
-              <a:t>Αυτό είναι</a:t>
-            </a:r>
-            <a:r>
-              <a:rPr lang="el-GR" baseline="0" dirty="0" smtClean="0"/>
-              <a:t> ένα δείγμα ενός αρχείου εξόδου του </a:t>
-            </a:r>
-            <a:r>
-              <a:rPr lang="en-US" baseline="0" dirty="0" smtClean="0"/>
+              <a:t>Εφόσον ο χρήστης επεξεργαστεί τα δεδομένα που θέλει με το γραφικό περιβάλλον, μπορεί να εκτελέσει την </a:t>
+            </a:r>
+            <a:r>
+              <a:rPr lang="el-GR" b="1" dirty="0" smtClean="0"/>
+              <a:t>προσομοίωση</a:t>
+            </a:r>
+            <a:r>
+              <a:rPr lang="el-GR" dirty="0" smtClean="0"/>
+              <a:t> (καλείται το πρόγραμμα </a:t>
+            </a:r>
+            <a:r>
+              <a:rPr lang="el-GR" b="1" dirty="0" smtClean="0"/>
               <a:t>bark</a:t>
             </a:r>
             <a:r>
-              <a:rPr lang="el-GR" baseline="0" dirty="0" smtClean="0"/>
+              <a:rPr lang="el-GR" dirty="0" smtClean="0"/>
+              <a:t>) για να </a:t>
+            </a:r>
+            <a:r>
+              <a:rPr lang="el-GR" b="1" dirty="0" smtClean="0"/>
+              <a:t>δει</a:t>
+            </a:r>
+            <a:r>
+              <a:rPr lang="el-GR" dirty="0" smtClean="0"/>
+              <a:t> τα </a:t>
+            </a:r>
+            <a:r>
+              <a:rPr lang="el-GR" b="1" dirty="0" smtClean="0"/>
+              <a:t>αποτελέσματα</a:t>
+            </a:r>
+            <a:r>
+              <a:rPr lang="el-GR" dirty="0" smtClean="0"/>
+              <a:t>.</a:t>
+            </a:r>
+          </a:p>
+          <a:p>
+            <a:endParaRPr lang="el-GR" dirty="0" smtClean="0"/>
+          </a:p>
+          <a:p>
+            <a:r>
+              <a:rPr lang="el-GR" dirty="0" smtClean="0"/>
+              <a:t>Αυτό είναι ένα </a:t>
+            </a:r>
+            <a:r>
+              <a:rPr lang="el-GR" b="1" dirty="0" smtClean="0"/>
+              <a:t>δείγμα</a:t>
+            </a:r>
+            <a:r>
+              <a:rPr lang="el-GR" dirty="0" smtClean="0"/>
+              <a:t> ενός αρχείου </a:t>
+            </a:r>
+            <a:r>
+              <a:rPr lang="el-GR" b="1" dirty="0" smtClean="0"/>
+              <a:t>εξόδου</a:t>
+            </a:r>
+            <a:r>
+              <a:rPr lang="el-GR" dirty="0" smtClean="0"/>
+              <a:t> του </a:t>
+            </a:r>
+            <a:r>
+              <a:rPr lang="el-GR" b="1" dirty="0" smtClean="0"/>
+              <a:t>bark</a:t>
+            </a:r>
+            <a:r>
+              <a:rPr lang="el-GR" dirty="0" smtClean="0"/>
               <a:t> (έχει περισσότερες στήλες και γραμμές) και έχει τη μορφή που βλέπετε</a:t>
             </a:r>
           </a:p>
           <a:p>
-            <a:endParaRPr lang="el-GR" baseline="0" dirty="0" smtClean="0"/>
-          </a:p>
-          <a:p>
-            <a:r>
-              <a:rPr lang="el-GR" baseline="0" dirty="0" smtClean="0"/>
-              <a:t>Η πρώτη γραμμή έχει τους τίτλους των δεδομένων και οι υπόλοιπες έχουν τα δεδομένα χωρισμένα με </a:t>
-            </a:r>
-            <a:r>
-              <a:rPr lang="en-US" baseline="0" dirty="0" smtClean="0"/>
+            <a:r>
+              <a:rPr lang="el-GR" dirty="0" smtClean="0"/>
+              <a:t>Η </a:t>
+            </a:r>
+            <a:r>
+              <a:rPr lang="el-GR" b="1" dirty="0" smtClean="0"/>
+              <a:t>πρώτη γραμμή</a:t>
+            </a:r>
+            <a:r>
+              <a:rPr lang="el-GR" dirty="0" smtClean="0"/>
+              <a:t> έχει τους </a:t>
+            </a:r>
+            <a:r>
+              <a:rPr lang="el-GR" b="1" dirty="0" smtClean="0"/>
+              <a:t>τίτλους</a:t>
+            </a:r>
+            <a:r>
+              <a:rPr lang="el-GR" dirty="0" smtClean="0"/>
+              <a:t> των δεδομένων και οι </a:t>
+            </a:r>
+            <a:r>
+              <a:rPr lang="el-GR" b="1" dirty="0" smtClean="0"/>
+              <a:t>υπόλοιπες</a:t>
+            </a:r>
+            <a:r>
+              <a:rPr lang="el-GR" dirty="0" smtClean="0"/>
+              <a:t> έχουν τα </a:t>
+            </a:r>
+            <a:r>
+              <a:rPr lang="el-GR" b="1" dirty="0" smtClean="0"/>
+              <a:t>δεδομένα</a:t>
+            </a:r>
+            <a:r>
+              <a:rPr lang="el-GR" dirty="0" smtClean="0"/>
+              <a:t> χωρισμένα με </a:t>
+            </a:r>
+            <a:r>
+              <a:rPr lang="el-GR" b="1" dirty="0" smtClean="0"/>
               <a:t>tabs</a:t>
             </a:r>
             <a:r>
-              <a:rPr lang="el-GR" baseline="0" dirty="0" smtClean="0"/>
+              <a:rPr lang="el-GR" dirty="0" smtClean="0"/>
               <a:t> ανά στήλη.</a:t>
             </a:r>
-            <a:endParaRPr lang="en-US" dirty="0"/>
+          </a:p>
+          <a:p>
+            <a:endParaRPr lang="el-GR" dirty="0" smtClean="0"/>
+          </a:p>
+          <a:p>
+            <a:r>
+              <a:rPr lang="el-GR" dirty="0" smtClean="0"/>
+              <a:t>Επειδή κάποιος δύσκολα βγάζει συμπεράσματα από ένα τέτοιο αρχείο, δημιουργούμε και ένα </a:t>
+            </a:r>
+            <a:r>
+              <a:rPr lang="el-GR" b="1" dirty="0" smtClean="0"/>
+              <a:t>σχήμα</a:t>
+            </a:r>
+            <a:r>
+              <a:rPr lang="el-GR" dirty="0" smtClean="0"/>
+              <a:t>...</a:t>
+            </a:r>
+            <a:endParaRPr lang="el-GR" dirty="0"/>
           </a:p>
         </p:txBody>
       </p:sp>
@@ -737,91 +837,158 @@
           <a:lstStyle/>
           <a:p>
             <a:r>
-              <a:rPr lang="el-GR" dirty="0" smtClean="0"/>
-              <a:t>Αυτό είναι ο σκοπός του 2</a:t>
-            </a:r>
-            <a:r>
-              <a:rPr lang="el-GR" baseline="30000" dirty="0" smtClean="0"/>
-              <a:t>ου</a:t>
-            </a:r>
-            <a:r>
-              <a:rPr lang="el-GR" dirty="0" smtClean="0"/>
-              <a:t> μέρους της πτυχιακή, η γραφική αναπαράσταση</a:t>
-            </a:r>
-            <a:r>
-              <a:rPr lang="el-GR" baseline="0" dirty="0" smtClean="0"/>
-              <a:t> των δεδομένων εξόδου.</a:t>
-            </a:r>
-          </a:p>
-          <a:p>
-            <a:pPr marL="0" marR="0" indent="0" algn="l" defTabSz="914400" rtl="0" eaLnBrk="1" fontAlgn="auto" latinLnBrk="0" hangingPunct="1">
+              <a:rPr lang="el-GR" sz="1200" dirty="0" smtClean="0"/>
+              <a:t>Αυτό είναι ο σκοπός του</a:t>
+            </a:r>
+            <a:r>
+              <a:rPr lang="el-GR" sz="1200" b="1" dirty="0" smtClean="0"/>
+              <a:t> 2ου μέρους</a:t>
+            </a:r>
+            <a:r>
+              <a:rPr lang="el-GR" sz="1200" dirty="0" smtClean="0"/>
+              <a:t> της πτυχιακής, η </a:t>
+            </a:r>
+            <a:r>
+              <a:rPr lang="el-GR" sz="1200" b="1" dirty="0" smtClean="0"/>
+              <a:t>γραφική αναπαράσταση των δεδομένων εξόδου</a:t>
+            </a:r>
+            <a:r>
+              <a:rPr lang="el-GR" sz="1200" dirty="0" smtClean="0"/>
+              <a:t>.</a:t>
+            </a:r>
+            <a:endParaRPr lang="el-GR" dirty="0" smtClean="0"/>
+          </a:p>
+          <a:p>
+            <a:pPr>
               <a:lnSpc>
                 <a:spcPct val="100000"/>
               </a:lnSpc>
-              <a:spcBef>
-                <a:spcPts val="0"/>
-              </a:spcBef>
-              <a:spcAft>
-                <a:spcPts val="0"/>
-              </a:spcAft>
-              <a:buClrTx/>
-              <a:buSzTx/>
-              <a:buFontTx/>
-              <a:buNone/>
-              <a:tabLst/>
-              <a:defRPr/>
             </a:pPr>
-            <a:endParaRPr lang="el-GR" baseline="0" dirty="0" smtClean="0"/>
-          </a:p>
-          <a:p>
-            <a:pPr marL="0" marR="0" indent="0" algn="l" defTabSz="914400" rtl="0" eaLnBrk="1" fontAlgn="auto" latinLnBrk="0" hangingPunct="1">
+            <a:endParaRPr lang="el-GR" dirty="0" smtClean="0"/>
+          </a:p>
+          <a:p>
+            <a:pPr>
               <a:lnSpc>
                 <a:spcPct val="100000"/>
               </a:lnSpc>
-              <a:spcBef>
-                <a:spcPts val="0"/>
-              </a:spcBef>
-              <a:spcAft>
-                <a:spcPts val="0"/>
-              </a:spcAft>
-              <a:buClrTx/>
-              <a:buSzTx/>
-              <a:buFontTx/>
-              <a:buNone/>
-              <a:tabLst/>
-              <a:defRPr/>
             </a:pPr>
             <a:r>
-              <a:rPr lang="el-GR" baseline="0" dirty="0" smtClean="0"/>
-              <a:t>Γίνεται ανάγνωση του αρχείου που είδαμε πριν για να πάρουμε τα δεδομένα και να τα αποθηκεύσουμε σε μια μορφή που μπορεί να χρησιμοποιηθεί.</a:t>
-            </a:r>
-            <a:endParaRPr lang="en-US" dirty="0" smtClean="0"/>
-          </a:p>
-          <a:p>
-            <a:endParaRPr lang="el-GR" baseline="0" dirty="0" smtClean="0"/>
-          </a:p>
-          <a:p>
-            <a:r>
-              <a:rPr lang="el-GR" baseline="0" dirty="0" smtClean="0"/>
+              <a:rPr lang="el-GR" sz="1200" dirty="0" smtClean="0"/>
+              <a:t>Γίνεται </a:t>
+            </a:r>
+            <a:r>
+              <a:rPr lang="el-GR" sz="1200" b="1" dirty="0" smtClean="0"/>
+              <a:t>ανάγνωση</a:t>
+            </a:r>
+            <a:r>
+              <a:rPr lang="el-GR" sz="1200" dirty="0" smtClean="0"/>
+              <a:t> του αρχείου που είδαμε πριν για να πάρουμε τα </a:t>
+            </a:r>
+            <a:r>
+              <a:rPr lang="el-GR" sz="1200" b="1" dirty="0" smtClean="0"/>
+              <a:t>δεδομένα</a:t>
+            </a:r>
+            <a:r>
+              <a:rPr lang="el-GR" sz="1200" dirty="0" smtClean="0"/>
+              <a:t> και να τα </a:t>
+            </a:r>
+            <a:r>
+              <a:rPr lang="el-GR" sz="1200" b="1" dirty="0" smtClean="0"/>
+              <a:t>αποθηκεύσουμε</a:t>
+            </a:r>
+            <a:r>
+              <a:rPr lang="el-GR" sz="1200" dirty="0" smtClean="0"/>
+              <a:t> σε μια μορφή που </a:t>
+            </a:r>
+            <a:r>
+              <a:rPr lang="el-GR" sz="1200" b="1" dirty="0" smtClean="0"/>
+              <a:t>μπορεί να χρησιμοποιηθεί</a:t>
+            </a:r>
+            <a:r>
+              <a:rPr lang="el-GR" sz="1200" dirty="0" smtClean="0"/>
+              <a:t>.</a:t>
+            </a:r>
+            <a:endParaRPr lang="el-GR" dirty="0" smtClean="0"/>
+          </a:p>
+          <a:p>
+            <a:pPr>
+              <a:lnSpc>
+                <a:spcPct val="100000"/>
+              </a:lnSpc>
+            </a:pPr>
+            <a:endParaRPr lang="el-GR" dirty="0" smtClean="0"/>
+          </a:p>
+          <a:p>
+            <a:pPr>
+              <a:lnSpc>
+                <a:spcPct val="100000"/>
+              </a:lnSpc>
+            </a:pPr>
+            <a:r>
+              <a:rPr lang="el-GR" sz="1200" dirty="0" smtClean="0"/>
               <a:t>Χρησιμοποιήθηκε έτοιμη βιβλιοθήκη </a:t>
             </a:r>
             <a:r>
-              <a:rPr lang="en-US" baseline="0" dirty="0" err="1" smtClean="0"/>
+              <a:rPr lang="el-GR" sz="1200" b="1" dirty="0" smtClean="0"/>
               <a:t>ZedGraph</a:t>
             </a:r>
             <a:r>
-              <a:rPr lang="el-GR" baseline="0" dirty="0" smtClean="0"/>
+              <a:rPr lang="el-GR" sz="1200" dirty="0" smtClean="0"/>
               <a:t> για την δημιουργία των γραφημάτων.</a:t>
             </a:r>
-          </a:p>
-          <a:p>
-            <a:endParaRPr lang="el-GR" baseline="0" dirty="0" smtClean="0"/>
-          </a:p>
-          <a:p>
-            <a:r>
-              <a:rPr lang="el-GR" baseline="0" dirty="0" smtClean="0"/>
-              <a:t>Τώρα μπορεί ο φοιτητής να βγάλει συμπεράσματα για τα υλικά που μπορεί να χρησιμοποιήσει στον τοίχο και για την βέλτιστη λύση με τα δεδομένα εισόδου που δόθηκαν.</a:t>
-            </a:r>
+            <a:endParaRPr lang="el-GR" dirty="0" smtClean="0"/>
+          </a:p>
+          <a:p>
+            <a:pPr>
+              <a:lnSpc>
+                <a:spcPct val="100000"/>
+              </a:lnSpc>
+            </a:pPr>
+            <a:endParaRPr lang="el-GR" dirty="0" smtClean="0"/>
+          </a:p>
+          <a:p>
+            <a:pPr>
+              <a:lnSpc>
+                <a:spcPct val="100000"/>
+              </a:lnSpc>
+            </a:pPr>
+            <a:r>
+              <a:rPr lang="el-GR" sz="1200" dirty="0" smtClean="0"/>
+              <a:t>Τώρα μπορεί ο φοιτητής να βγάλει συμπεράσματα για τα </a:t>
+            </a:r>
+            <a:r>
+              <a:rPr lang="el-GR" sz="1200" b="1" dirty="0" smtClean="0"/>
+              <a:t>υλικά</a:t>
+            </a:r>
+            <a:r>
+              <a:rPr lang="el-GR" sz="1200" dirty="0" smtClean="0"/>
+              <a:t> που μπορεί να χρησιμοποιήσει στον </a:t>
+            </a:r>
+            <a:r>
+              <a:rPr lang="el-GR" sz="1200" b="1" dirty="0" smtClean="0"/>
+              <a:t>τοίχο</a:t>
+            </a:r>
+            <a:r>
+              <a:rPr lang="el-GR" sz="1200" dirty="0" smtClean="0"/>
+              <a:t> και για την </a:t>
+            </a:r>
+            <a:r>
+              <a:rPr lang="el-GR" sz="1200" b="1" dirty="0" smtClean="0"/>
+              <a:t>βέλτιστη λύση</a:t>
+            </a:r>
+            <a:r>
+              <a:rPr lang="el-GR" sz="1200" dirty="0" smtClean="0"/>
+              <a:t> με τα δεδομένα </a:t>
+            </a:r>
+            <a:r>
+              <a:rPr lang="el-GR" sz="1200" b="1" dirty="0" smtClean="0"/>
+              <a:t>εισόδου</a:t>
+            </a:r>
+            <a:r>
+              <a:rPr lang="el-GR" sz="1200" dirty="0" smtClean="0"/>
+              <a:t> που δόθηκαν.</a:t>
+            </a:r>
+            <a:endParaRPr lang="el-GR" dirty="0"/>
           </a:p>
         </p:txBody>
       </p:sp>
@@ -905,6 +1072,14 @@
           <a:bodyPr/>
           <a:lstStyle/>
           <a:p>
+            <a:r>
+              <a:rPr lang="el-GR" dirty="0" smtClean="0"/>
+              <a:t>Αυτά που</a:t>
+            </a:r>
+            <a:r>
+              <a:rPr lang="el-GR" baseline="0" dirty="0" smtClean="0"/>
+              <a:t> είδαμε, τώρα στην πράξη...</a:t>
+            </a:r>
             <a:endParaRPr lang="en-US" dirty="0"/>
           </a:p>
         </p:txBody>
@@ -1038,11 +1213,7 @@
           <a:p>
             <a:r>
               <a:rPr lang="el-GR" baseline="0" dirty="0" smtClean="0"/>
-              <a:t>     </a:t>
-            </a:r>
-            <a:r>
-              <a:rPr lang="el-GR" baseline="0" dirty="0" smtClean="0"/>
-              <a:t>   όπου το κάθε στρώμα είναι ένα διαφορετικό υλικό.</a:t>
+              <a:t>        όπου το κάθε στρώμα είναι ένα διαφορετικό υλικό.</a:t>
             </a:r>
           </a:p>
           <a:p>
@@ -1253,7 +1424,7 @@
             </a:pPr>
             <a:r>
               <a:rPr lang="el-GR" baseline="0" dirty="0" smtClean="0"/>
-              <a:t>Μετά από έρευνες αποδείχθηκε ότι ένα ποσοστό άνω του </a:t>
+              <a:t>Μετά από έρευνες αποδείχθηκε ότι ένα ποσοστό πάνω από </a:t>
             </a:r>
             <a:r>
               <a:rPr lang="el-GR" b="1" baseline="0" dirty="0" smtClean="0"/>
@@ -2556,10 +2727,202 @@
           <a:lstStyle/>
           <a:p>
             <a:r>
-              <a:rPr lang="el-GR" dirty="0" smtClean="0"/>
-              <a:t>Πρόβλημα - Δυναμικότητα</a:t>
-            </a:r>
-            <a:endParaRPr lang="en-US" dirty="0"/>
+              <a:rPr lang="el-GR" sz="1200" dirty="0" smtClean="0"/>
+              <a:t>~ Το μεγαλύτερο πρόβλημα που είχα με την πτυχιακή ήταν να πετύχω την </a:t>
+            </a:r>
+            <a:r>
+              <a:rPr lang="el-GR" sz="1200" b="1" dirty="0" smtClean="0"/>
+              <a:t>δυναμικότητα</a:t>
+            </a:r>
+            <a:r>
+              <a:rPr lang="el-GR" sz="1200" dirty="0" smtClean="0"/>
+              <a:t> που χρειαζόταν.</a:t>
+            </a:r>
+            <a:endParaRPr lang="el-GR" dirty="0" smtClean="0"/>
+          </a:p>
+          <a:p>
+            <a:endParaRPr lang="el-GR" dirty="0" smtClean="0"/>
+          </a:p>
+          <a:p>
+            <a:r>
+              <a:rPr lang="el-GR" sz="1200" dirty="0" smtClean="0"/>
+              <a:t>Γιαυτό </a:t>
+            </a:r>
+            <a:r>
+              <a:rPr lang="el-GR" sz="1200" b="1" dirty="0" smtClean="0"/>
+              <a:t>χρειάστηκε</a:t>
+            </a:r>
+            <a:r>
+              <a:rPr lang="el-GR" sz="1200" dirty="0" smtClean="0"/>
+              <a:t> εκτός άλλων να φτιάξω ένα αρχείο </a:t>
+            </a:r>
+            <a:r>
+              <a:rPr lang="el-GR" sz="1200" b="1" dirty="0" smtClean="0"/>
+              <a:t>σχήματος</a:t>
+            </a:r>
+            <a:r>
+              <a:rPr lang="el-GR" sz="1200" dirty="0" smtClean="0"/>
+              <a:t> για τα XML και αυτό που βλέπουμε είναι ένα </a:t>
+            </a:r>
+            <a:r>
+              <a:rPr lang="el-GR" sz="1200" b="1" dirty="0" smtClean="0"/>
+              <a:t>δείγμα</a:t>
+            </a:r>
+            <a:r>
+              <a:rPr lang="el-GR" sz="1200" dirty="0" smtClean="0"/>
+              <a:t> του αρχείου XSD.</a:t>
+            </a:r>
+            <a:endParaRPr lang="el-GR" dirty="0" smtClean="0"/>
+          </a:p>
+          <a:p>
+            <a:r>
+              <a:rPr lang="el-GR" sz="1200" dirty="0" smtClean="0"/>
+              <a:t>Ολόκληρο το σχήμα είναι σπασμένο σε </a:t>
+            </a:r>
+            <a:r>
+              <a:rPr lang="el-GR" sz="1200" b="1" dirty="0" smtClean="0"/>
+              <a:t>5 αρχεία</a:t>
+            </a:r>
+            <a:r>
+              <a:rPr lang="el-GR" sz="1200" dirty="0" smtClean="0"/>
+              <a:t> (όπως φαίνεται από τα </a:t>
+            </a:r>
+            <a:r>
+              <a:rPr lang="el-GR" sz="1200" b="1" dirty="0" smtClean="0"/>
+              <a:t>includes</a:t>
+            </a:r>
+            <a:r>
+              <a:rPr lang="el-GR" sz="1200" dirty="0" smtClean="0"/>
+              <a:t> πάνω) για λόγους </a:t>
+            </a:r>
+            <a:r>
+              <a:rPr lang="el-GR" sz="1200" b="1" dirty="0" smtClean="0"/>
+              <a:t>απλοποίησης</a:t>
+            </a:r>
+            <a:r>
+              <a:rPr lang="el-GR" sz="1200" dirty="0" smtClean="0"/>
+              <a:t>.</a:t>
+            </a:r>
+            <a:endParaRPr lang="el-GR" dirty="0" smtClean="0"/>
+          </a:p>
+          <a:p>
+            <a:endParaRPr lang="el-GR" dirty="0" smtClean="0"/>
+          </a:p>
+          <a:p>
+            <a:r>
+              <a:rPr lang="el-GR" sz="1200" dirty="0" smtClean="0"/>
+              <a:t>Το σχήμα αυτό </a:t>
+            </a:r>
+            <a:r>
+              <a:rPr lang="el-GR" sz="1200" u="sng" dirty="0" smtClean="0"/>
+              <a:t>περιγράφει</a:t>
+            </a:r>
+            <a:r>
+              <a:rPr lang="el-GR" sz="1200" b="1" dirty="0" smtClean="0"/>
+              <a:t> τί δομή</a:t>
+            </a:r>
+            <a:r>
+              <a:rPr lang="el-GR" sz="1200" dirty="0" smtClean="0"/>
+              <a:t> θα έχουν τα αρχεία XML και ποιά είναι τα </a:t>
+            </a:r>
+            <a:r>
+              <a:rPr lang="el-GR" sz="1200" b="1" dirty="0" smtClean="0"/>
+              <a:t>επιτρεπτά περιεχόμενα</a:t>
+            </a:r>
+            <a:r>
+              <a:rPr lang="el-GR" sz="1200" dirty="0" smtClean="0"/>
+              <a:t> των στοιχείων.</a:t>
+            </a:r>
+            <a:endParaRPr lang="el-GR" dirty="0" smtClean="0"/>
+          </a:p>
+          <a:p>
+            <a:r>
+              <a:rPr lang="el-GR" sz="1200" dirty="0" smtClean="0"/>
+              <a:t>Τα </a:t>
+            </a:r>
+            <a:r>
+              <a:rPr lang="el-GR" sz="1200" b="1" dirty="0" smtClean="0"/>
+              <a:t>types</a:t>
+            </a:r>
+            <a:r>
+              <a:rPr lang="el-GR" sz="1200" dirty="0" smtClean="0"/>
+              <a:t> που έχουν τα </a:t>
+            </a:r>
+            <a:r>
+              <a:rPr lang="el-GR" sz="1200" u="sng" dirty="0" smtClean="0"/>
+              <a:t>στοιχεία</a:t>
+            </a:r>
+            <a:r>
+              <a:rPr lang="el-GR" sz="1200" dirty="0" smtClean="0"/>
+              <a:t> ορίζονται στα </a:t>
+            </a:r>
+            <a:r>
+              <a:rPr lang="el-GR" sz="1200" u="sng" dirty="0" smtClean="0"/>
+              <a:t>άλλα αρχεία</a:t>
+            </a:r>
+            <a:r>
+              <a:rPr lang="el-GR" sz="1200" dirty="0" smtClean="0"/>
+              <a:t>, στο συγκεκριμένο φαίνεται κυρίως η </a:t>
+            </a:r>
+            <a:r>
+              <a:rPr lang="el-GR" sz="1200" b="1" dirty="0" smtClean="0"/>
+              <a:t>δομή</a:t>
+            </a:r>
+            <a:r>
+              <a:rPr lang="el-GR" sz="1200" dirty="0" smtClean="0"/>
+              <a:t>.</a:t>
+            </a:r>
+            <a:endParaRPr lang="el-GR" dirty="0" smtClean="0"/>
+          </a:p>
+          <a:p>
+            <a:endParaRPr lang="el-GR" dirty="0" smtClean="0"/>
+          </a:p>
+          <a:p>
+            <a:r>
+              <a:rPr lang="el-GR" sz="1200" dirty="0" smtClean="0"/>
+              <a:t>~ </a:t>
+            </a:r>
+            <a:r>
+              <a:rPr lang="el-GR" sz="1200" b="1" dirty="0" smtClean="0"/>
+              <a:t>Δεν θα αναλύσω</a:t>
+            </a:r>
+            <a:r>
+              <a:rPr lang="el-GR" sz="1200" dirty="0" smtClean="0"/>
+              <a:t> αυτό το κομμάτι για να μην σας κουράσω με πολύ κώδικα, απλά να αναφέρω ότι μπορεί να μπει </a:t>
+            </a:r>
+            <a:r>
+              <a:rPr lang="el-GR" sz="1200" b="1" dirty="0" smtClean="0"/>
+              <a:t>βοηθητικό</a:t>
+            </a:r>
+            <a:r>
+              <a:rPr lang="el-GR" sz="1200" dirty="0" smtClean="0"/>
+              <a:t> </a:t>
+            </a:r>
+            <a:r>
+              <a:rPr lang="el-GR" sz="1200" b="1" dirty="0" smtClean="0"/>
+              <a:t>κείμενο</a:t>
+            </a:r>
+            <a:r>
+              <a:rPr lang="el-GR" sz="1200" dirty="0" smtClean="0"/>
+              <a:t> στα στοιχεία το οποίο εμφανίζεται στο </a:t>
+            </a:r>
+            <a:r>
+              <a:rPr lang="el-GR" sz="1200" b="1" dirty="0" smtClean="0"/>
+              <a:t>γραφικό περιβάλλον</a:t>
+            </a:r>
+            <a:r>
+              <a:rPr lang="el-GR" sz="1200" dirty="0" smtClean="0"/>
+              <a:t> με </a:t>
+            </a:r>
+            <a:r>
+              <a:rPr lang="el-GR" sz="1200" u="sng" dirty="0" smtClean="0"/>
+              <a:t>hover</a:t>
+            </a:r>
+            <a:r>
+              <a:rPr lang="el-GR" sz="1200" dirty="0" smtClean="0"/>
+              <a:t> σε κάθε στοιχείο.</a:t>
+            </a:r>
+            <a:endParaRPr lang="el-GR" dirty="0"/>
           </a:p>
         </p:txBody>
       </p:sp>
@@ -2644,43 +3007,187 @@
           <a:lstStyle/>
           <a:p>
             <a:r>
-              <a:rPr lang="el-GR" dirty="0" smtClean="0"/>
-              <a:t>Διαδικασία επεξεργασίας δεδομένων</a:t>
-            </a:r>
-          </a:p>
-          <a:p>
-            <a:r>
-              <a:rPr lang="el-GR" dirty="0" smtClean="0"/>
-              <a:t>Πίνακας</a:t>
-            </a:r>
-            <a:r>
-              <a:rPr lang="el-GR" baseline="0" dirty="0" smtClean="0"/>
+              <a:rPr lang="el-GR" sz="1200" dirty="0" smtClean="0"/>
+              <a:t>Εδώ βλέπουμε ένα στοιχείο </a:t>
+            </a:r>
+            <a:r>
+              <a:rPr lang="el-GR" sz="1200" b="1" dirty="0" smtClean="0"/>
+              <a:t>Variable</a:t>
+            </a:r>
+            <a:r>
+              <a:rPr lang="el-GR" sz="1200" dirty="0" smtClean="0"/>
+              <a:t> (</a:t>
+            </a:r>
+            <a:r>
+              <a:rPr lang="el-GR" sz="1200" u="sng" dirty="0" smtClean="0"/>
+              <a:t>δηλαδή μεταβλητής τιμής</a:t>
+            </a:r>
+            <a:r>
+              <a:rPr lang="el-GR" sz="1200" dirty="0" smtClean="0"/>
+              <a:t>) το οποίο αναπαριστάται με </a:t>
+            </a:r>
+            <a:r>
+              <a:rPr lang="el-GR" sz="1200" b="1" dirty="0" smtClean="0"/>
+              <a:t>δισδιάστατο πίνακα τιμών</a:t>
+            </a:r>
+            <a:r>
+              <a:rPr lang="el-GR" sz="1200" dirty="0" smtClean="0"/>
+              <a:t>.</a:t>
+            </a:r>
+            <a:endParaRPr lang="el-GR" dirty="0" smtClean="0"/>
+          </a:p>
+          <a:p>
+            <a:r>
+              <a:rPr lang="el-GR" sz="1200" b="1" dirty="0" smtClean="0"/>
+              <a:t>Αντιθέτως</a:t>
+            </a:r>
+            <a:r>
+              <a:rPr lang="el-GR" sz="1200" dirty="0" smtClean="0"/>
+              <a:t> με τα στοιχεία σταθερής τιμής (Constant) τα variables έχουν </a:t>
+            </a:r>
+            <a:r>
+              <a:rPr lang="el-GR" sz="1200" b="1" dirty="0" smtClean="0"/>
+              <a:t>δυο μονάδες μέτρησης</a:t>
+            </a:r>
+            <a:r>
+              <a:rPr lang="el-GR" sz="1200" dirty="0" smtClean="0"/>
+              <a:t> όπου η πρώτη συνήθως είναι ο </a:t>
+            </a:r>
+            <a:r>
+              <a:rPr lang="el-GR" sz="1200" u="sng" dirty="0" smtClean="0"/>
+              <a:t>χρόνος</a:t>
+            </a:r>
+            <a:r>
+              <a:rPr lang="el-GR" sz="1200" dirty="0" smtClean="0"/>
+              <a:t> (</a:t>
+            </a:r>
+            <a:r>
+              <a:rPr lang="el-GR" sz="1200" u="sng" dirty="0" smtClean="0"/>
+              <a:t>δηλαδή μεταβάλλεται η τιμή στο χρόνο</a:t>
+            </a:r>
+            <a:r>
+              <a:rPr lang="el-GR" sz="1200" dirty="0" smtClean="0"/>
+              <a:t>).</a:t>
+            </a:r>
+            <a:endParaRPr lang="el-GR" dirty="0" smtClean="0"/>
+          </a:p>
+          <a:p>
+            <a:endParaRPr lang="el-GR" dirty="0" smtClean="0"/>
+          </a:p>
+          <a:p>
+            <a:r>
+              <a:rPr lang="el-GR" sz="1200" dirty="0" smtClean="0"/>
+              <a:t>Η πρώτη επιλογή είναι η </a:t>
+            </a:r>
+            <a:r>
+              <a:rPr lang="el-GR" sz="1200" b="1" dirty="0" smtClean="0"/>
+              <a:t>αλλαγή</a:t>
+            </a:r>
+            <a:r>
+              <a:rPr lang="el-GR" sz="1200" dirty="0" smtClean="0"/>
               <a:t> </a:t>
             </a:r>
             <a:r>
-              <a:rPr lang="en-US" baseline="0" dirty="0" smtClean="0"/>
-              <a:t>Variable</a:t>
-            </a:r>
-            <a:endParaRPr lang="el-GR" baseline="0" dirty="0" smtClean="0"/>
-          </a:p>
-          <a:p>
-            <a:r>
-              <a:rPr lang="el-GR" baseline="0" dirty="0" smtClean="0"/>
-              <a:t>Αλλαγή τύπου</a:t>
-            </a:r>
-          </a:p>
-          <a:p>
-            <a:r>
-              <a:rPr lang="el-GR" baseline="0" dirty="0" smtClean="0"/>
-              <a:t>Έλεγχος σωστής τιμής</a:t>
-            </a:r>
-          </a:p>
-          <a:p>
-            <a:r>
-              <a:rPr lang="el-GR" baseline="0" dirty="0" smtClean="0"/>
-              <a:t>Έλεγχος σωστής συμπλήρωσης</a:t>
-            </a:r>
-            <a:endParaRPr lang="en-US" dirty="0"/>
+              <a:rPr lang="el-GR" sz="1200" b="1" dirty="0" smtClean="0"/>
+              <a:t>τύπου</a:t>
+            </a:r>
+            <a:r>
+              <a:rPr lang="el-GR" sz="1200" dirty="0" smtClean="0"/>
+              <a:t>, από variable σε constant και αντίστροφα. Οι επιτρεπτοί τύποι ορίζονται σε ένα από τα αρχεία XSD.</a:t>
+            </a:r>
+            <a:endParaRPr lang="el-GR" dirty="0" smtClean="0"/>
+          </a:p>
+          <a:p>
+            <a:endParaRPr lang="el-GR" dirty="0" smtClean="0"/>
+          </a:p>
+          <a:p>
+            <a:r>
+              <a:rPr lang="el-GR" sz="1200" dirty="0" smtClean="0"/>
+              <a:t>Στο στοιχείο ελέγχου variable φαίνεται πως ο χρήστης έκανε κάποια </a:t>
+            </a:r>
+            <a:r>
+              <a:rPr lang="el-GR" sz="1200" b="1" dirty="0" smtClean="0"/>
+              <a:t>λάθη</a:t>
+            </a:r>
+            <a:r>
+              <a:rPr lang="el-GR" sz="1200" dirty="0" smtClean="0"/>
+              <a:t>, όπως το ότι άφησε το πρώτο κουτάκι </a:t>
+            </a:r>
+            <a:r>
+              <a:rPr lang="el-GR" sz="1200" b="1" dirty="0" smtClean="0"/>
+              <a:t>άδειο</a:t>
+            </a:r>
+            <a:r>
+              <a:rPr lang="el-GR" sz="1200" dirty="0" smtClean="0"/>
+              <a:t> ή έβαλε </a:t>
+            </a:r>
+            <a:r>
+              <a:rPr lang="el-GR" sz="1200" b="1" dirty="0" smtClean="0"/>
+              <a:t>γράμματα</a:t>
+            </a:r>
+            <a:r>
+              <a:rPr lang="el-GR" sz="1200" dirty="0" smtClean="0"/>
+              <a:t> στα άλλα δυο κουτάκια τα οποία περιμένουν </a:t>
+            </a:r>
+            <a:r>
+              <a:rPr lang="el-GR" sz="1200" b="1" dirty="0" smtClean="0"/>
+              <a:t>αριθμό</a:t>
+            </a:r>
+            <a:r>
+              <a:rPr lang="el-GR" sz="1200" dirty="0" smtClean="0"/>
+              <a:t>. Υπάρχει έ</a:t>
+            </a:r>
+            <a:r>
+              <a:rPr lang="el-GR" sz="1200" b="1" dirty="0" smtClean="0"/>
+              <a:t>λεγχος έγκυρης τιμής</a:t>
+            </a:r>
+            <a:r>
+              <a:rPr lang="el-GR" sz="1200" dirty="0" smtClean="0"/>
+              <a:t> σε κάθε στοιχείο και το ποιά τιμή θεωρείται έγκυρη ορίζεται στο XSD.</a:t>
+            </a:r>
+            <a:endParaRPr lang="el-GR" dirty="0" smtClean="0"/>
+          </a:p>
+          <a:p>
+            <a:endParaRPr lang="el-GR" dirty="0" smtClean="0"/>
+          </a:p>
+          <a:p>
+            <a:r>
+              <a:rPr lang="el-GR" sz="1200" dirty="0" smtClean="0"/>
+              <a:t>Γενικά όλοι οι </a:t>
+            </a:r>
+            <a:r>
+              <a:rPr lang="el-GR" sz="1200" b="1" dirty="0" smtClean="0"/>
+              <a:t>περιορισμοί</a:t>
+            </a:r>
+            <a:r>
+              <a:rPr lang="el-GR" sz="1200" dirty="0" smtClean="0"/>
+              <a:t> που θέλουμε να υπάρχουν, βρίσκονται στα αρχεία </a:t>
+            </a:r>
+            <a:r>
+              <a:rPr lang="el-GR" sz="1200" b="1" dirty="0" smtClean="0"/>
+              <a:t>XSD</a:t>
+            </a:r>
+            <a:r>
+              <a:rPr lang="el-GR" sz="1200" dirty="0" smtClean="0"/>
+              <a:t> για να μπορεί κάποιος να τα αλλάξει χωρίς να χρειαστεί να δημιουργηθεί καινούργιο </a:t>
+            </a:r>
+            <a:r>
+              <a:rPr lang="el-GR" sz="1200" b="1" dirty="0" smtClean="0"/>
+              <a:t>Project-Γραφικό Περιβάλλον</a:t>
+            </a:r>
+            <a:r>
+              <a:rPr lang="el-GR" sz="1200" dirty="0" smtClean="0"/>
+              <a:t>. (Η </a:t>
+            </a:r>
+            <a:r>
+              <a:rPr lang="el-GR" sz="1200" b="1" dirty="0" smtClean="0"/>
+              <a:t>δυναμικότητα</a:t>
+            </a:r>
+            <a:r>
+              <a:rPr lang="el-GR" sz="1200" dirty="0" smtClean="0"/>
+              <a:t> που λέγαμε)</a:t>
+            </a:r>
+            <a:endParaRPr lang="el-GR" dirty="0"/>
           </a:p>
         </p:txBody>
       </p:sp>
@@ -2765,37 +3272,53 @@
           <a:lstStyle/>
           <a:p>
             <a:r>
-              <a:rPr lang="en-US" dirty="0" smtClean="0"/>
-              <a:t>Control Reference –</a:t>
+              <a:rPr lang="el-GR" b="1" i="1" dirty="0" smtClean="0"/>
+              <a:t>[Γρήγορη προσπέραση, χωρίς ανάλυση]</a:t>
             </a:r>
             <a:endParaRPr lang="el-GR" dirty="0" smtClean="0"/>
           </a:p>
           <a:p>
-            <a:r>
-              <a:rPr lang="en-US" dirty="0" smtClean="0"/>
-              <a:t> </a:t>
-            </a:r>
+            <a:endParaRPr lang="el-GR" dirty="0" smtClean="0"/>
+          </a:p>
+          <a:p>
             <a:r>
               <a:rPr lang="el-GR" dirty="0" smtClean="0"/>
-              <a:t>Αναφορά σε ήδη</a:t>
-            </a:r>
-            <a:r>
-              <a:rPr lang="el-GR" baseline="0" dirty="0" smtClean="0"/>
-              <a:t> υπάρχον στοιχείο</a:t>
-            </a:r>
-          </a:p>
-          <a:p>
-            <a:r>
-              <a:rPr lang="el-GR" baseline="0" dirty="0" smtClean="0"/>
-              <a:t> περιπλοκότητα</a:t>
-            </a:r>
-          </a:p>
-          <a:p>
-            <a:r>
-              <a:rPr lang="el-GR" baseline="0" dirty="0" smtClean="0"/>
-              <a:t> ανανέωση κατα τη δημιουργία νέου στοιχείου, μετονομασία και διαγραφή.</a:t>
-            </a:r>
-            <a:endParaRPr lang="en-US" dirty="0"/>
+              <a:t>Επειδή το variable μπορεί να πάρει μεγάλο </a:t>
+            </a:r>
+            <a:r>
+              <a:rPr lang="el-GR" b="1" dirty="0" smtClean="0"/>
+              <a:t>όγκο δεδομένων</a:t>
+            </a:r>
+            <a:r>
+              <a:rPr lang="el-GR" dirty="0" smtClean="0"/>
+              <a:t> (μια άσκηση είχε δυο πίνακες από </a:t>
+            </a:r>
+            <a:r>
+              <a:rPr lang="el-GR" b="1" dirty="0" smtClean="0"/>
+              <a:t>5000</a:t>
+            </a:r>
+            <a:r>
+              <a:rPr lang="el-GR" dirty="0" smtClean="0"/>
+              <a:t> γραμμές ο κάθε πίνακας) το έκανα συμβατό με αρχεία τύπου Excel.</a:t>
+            </a:r>
+          </a:p>
+          <a:p>
+            <a:endParaRPr lang="el-GR" dirty="0" smtClean="0"/>
+          </a:p>
+          <a:p>
+            <a:r>
+              <a:rPr lang="el-GR" dirty="0" smtClean="0"/>
+              <a:t>Μπορεί κάποιος να </a:t>
+            </a:r>
+            <a:r>
+              <a:rPr lang="el-GR" b="1" dirty="0" smtClean="0"/>
+              <a:t>αντιγράψει</a:t>
+            </a:r>
+            <a:r>
+              <a:rPr lang="el-GR" dirty="0" smtClean="0"/>
+              <a:t> τα δεδομένα από και προς το Excel.</a:t>
+            </a:r>
+            <a:endParaRPr lang="el-GR" dirty="0"/>
           </a:p>
         </p:txBody>
       </p:sp>
@@ -2825,7 +3348,7 @@
     </p:spTree>
     <p:extLst>
       <p:ext uri="{BB962C8B-B14F-4D97-AF65-F5344CB8AC3E}">
-        <p14:creationId xmlns:p14="http://schemas.microsoft.com/office/powerpoint/2010/main" val="4018886468"/>
+        <p14:creationId xmlns:p14="http://schemas.microsoft.com/office/powerpoint/2010/main" val="1453341206"/>
       </p:ext>
     </p:extLst>
   </p:cSld>
@@ -2880,28 +3403,225 @@
           <a:lstStyle/>
           <a:p>
             <a:r>
-              <a:rPr lang="el-GR" dirty="0" smtClean="0"/>
-              <a:t>Γρήγορη</a:t>
-            </a:r>
-            <a:r>
-              <a:rPr lang="el-GR" baseline="0" dirty="0" smtClean="0"/>
-              <a:t> προσπέραση, χωρίς ανάλυση</a:t>
-            </a:r>
-          </a:p>
-          <a:p>
-            <a:r>
-              <a:rPr lang="el-GR" baseline="0" dirty="0" smtClean="0"/>
-              <a:t>Συμβατό με </a:t>
-            </a:r>
-            <a:r>
-              <a:rPr lang="en-US" baseline="0" dirty="0" smtClean="0"/>
-              <a:t>Excel</a:t>
-            </a:r>
-            <a:r>
-              <a:rPr lang="el-GR" baseline="0" dirty="0" smtClean="0"/>
-              <a:t> για μεγάλο όγκο δεδομένων.</a:t>
-            </a:r>
-            <a:endParaRPr lang="en-US" dirty="0"/>
+              <a:rPr lang="el-GR" sz="1200" dirty="0" smtClean="0"/>
+              <a:t>~ Το τελευταίο στοιχείο ελέγχου που θα δούμε είναι το </a:t>
+            </a:r>
+            <a:r>
+              <a:rPr lang="el-GR" sz="1200" b="1" dirty="0" smtClean="0"/>
+              <a:t>Reference</a:t>
+            </a:r>
+            <a:r>
+              <a:rPr lang="el-GR" sz="1200" dirty="0" smtClean="0"/>
+              <a:t>.</a:t>
+            </a:r>
+            <a:endParaRPr lang="el-GR" dirty="0" smtClean="0"/>
+          </a:p>
+          <a:p>
+            <a:endParaRPr lang="el-GR" dirty="0" smtClean="0"/>
+          </a:p>
+          <a:p>
+            <a:r>
+              <a:rPr lang="el-GR" sz="1200" dirty="0" smtClean="0"/>
+              <a:t>Αυτό είναι λίγο πιο </a:t>
+            </a:r>
+            <a:r>
+              <a:rPr lang="el-GR" sz="1200" b="1" dirty="0" smtClean="0"/>
+              <a:t>περίπλοκο</a:t>
+            </a:r>
+            <a:r>
+              <a:rPr lang="el-GR" sz="1200" dirty="0" smtClean="0"/>
+              <a:t> γιατί </a:t>
+            </a:r>
+            <a:r>
+              <a:rPr lang="el-GR" sz="1200" u="sng" dirty="0" smtClean="0"/>
+              <a:t>δεν έχει σταθερή τιμή</a:t>
+            </a:r>
+            <a:r>
+              <a:rPr lang="el-GR" sz="1200" dirty="0" smtClean="0"/>
+              <a:t>. Έχει μια </a:t>
+            </a:r>
+            <a:r>
+              <a:rPr lang="el-GR" sz="1200" b="1" dirty="0" smtClean="0"/>
+              <a:t>συμβολική</a:t>
+            </a:r>
+            <a:r>
+              <a:rPr lang="el-GR" sz="1200" dirty="0" smtClean="0"/>
+              <a:t> </a:t>
+            </a:r>
+            <a:r>
+              <a:rPr lang="el-GR" sz="1200" b="1" dirty="0" smtClean="0"/>
+              <a:t>τιμή</a:t>
+            </a:r>
+            <a:r>
+              <a:rPr lang="el-GR" sz="1200" dirty="0" smtClean="0"/>
+              <a:t> για να δείξει ότι </a:t>
+            </a:r>
+            <a:r>
+              <a:rPr lang="el-GR" sz="1200" b="1" dirty="0" smtClean="0"/>
+              <a:t>αναφέρεται</a:t>
+            </a:r>
+            <a:r>
+              <a:rPr lang="el-GR" sz="1200" dirty="0" smtClean="0"/>
+              <a:t> σε άλλο στοιχείο.</a:t>
+            </a:r>
+            <a:endParaRPr lang="el-GR" dirty="0" smtClean="0"/>
+          </a:p>
+          <a:p>
+            <a:r>
+              <a:rPr lang="el-GR" sz="1200" dirty="0" smtClean="0"/>
+              <a:t>Όπως βλέπουμε στο παράδειγμα χρησιμοποιείται για να δηλώσουμε ποιά </a:t>
+            </a:r>
+            <a:r>
+              <a:rPr lang="el-GR" sz="1200" b="1" dirty="0" smtClean="0"/>
+              <a:t>υλικά</a:t>
+            </a:r>
+            <a:r>
+              <a:rPr lang="el-GR" sz="1200" dirty="0" smtClean="0"/>
+              <a:t> (materials) υπάρχουν και μετά να πούμε ότι το </a:t>
+            </a:r>
+            <a:r>
+              <a:rPr lang="el-GR" sz="1200" b="1" dirty="0" smtClean="0"/>
+              <a:t>τάδε</a:t>
+            </a:r>
+            <a:r>
+              <a:rPr lang="el-GR" sz="1200" dirty="0" smtClean="0"/>
+              <a:t> </a:t>
+            </a:r>
+            <a:r>
+              <a:rPr lang="el-GR" sz="1200" b="1" dirty="0" smtClean="0"/>
+              <a:t>στρώμα</a:t>
+            </a:r>
+            <a:r>
+              <a:rPr lang="el-GR" sz="1200" dirty="0" smtClean="0"/>
+              <a:t> του τοιχώματος είναι </a:t>
+            </a:r>
+            <a:r>
+              <a:rPr lang="el-GR" sz="1200" b="1" dirty="0" smtClean="0"/>
+              <a:t>τέτοιο</a:t>
+            </a:r>
+            <a:r>
+              <a:rPr lang="el-GR" sz="1200" dirty="0" smtClean="0"/>
+              <a:t> </a:t>
+            </a:r>
+            <a:r>
+              <a:rPr lang="el-GR" sz="1200" b="1" dirty="0" smtClean="0"/>
+              <a:t>υλικό</a:t>
+            </a:r>
+            <a:r>
+              <a:rPr lang="el-GR" sz="1200" dirty="0" smtClean="0"/>
+              <a:t>. Με αυτό τον τρόπο δεν χρειάζεται να βάλουμε τις </a:t>
+            </a:r>
+            <a:r>
+              <a:rPr lang="el-GR" sz="1200" b="1" dirty="0" smtClean="0"/>
+              <a:t>ίδιες τιμές</a:t>
+            </a:r>
+            <a:r>
+              <a:rPr lang="el-GR" sz="1200" dirty="0" smtClean="0"/>
+              <a:t> στα στρώματα που χρησιμοποιούνε το </a:t>
+            </a:r>
+            <a:r>
+              <a:rPr lang="el-GR" sz="1200" b="1" dirty="0" smtClean="0"/>
+              <a:t>ίδιο υλικό</a:t>
+            </a:r>
+            <a:r>
+              <a:rPr lang="el-GR" sz="1200" dirty="0" smtClean="0"/>
+              <a:t>.</a:t>
+            </a:r>
+            <a:endParaRPr lang="el-GR" dirty="0" smtClean="0"/>
+          </a:p>
+          <a:p>
+            <a:endParaRPr lang="el-GR" dirty="0" smtClean="0"/>
+          </a:p>
+          <a:p>
+            <a:r>
+              <a:rPr lang="el-GR" sz="1200" dirty="0" smtClean="0"/>
+              <a:t>Είπα ότι είναι </a:t>
+            </a:r>
+            <a:r>
+              <a:rPr lang="el-GR" sz="1200" b="1" dirty="0" smtClean="0"/>
+              <a:t>πιο περίπλοκο γιατί</a:t>
+            </a:r>
+            <a:r>
+              <a:rPr lang="el-GR" sz="1200" dirty="0" smtClean="0"/>
+              <a:t>, αντιθέτως με τα άλλα στοιχεία, δημιουργείται </a:t>
+            </a:r>
+            <a:r>
+              <a:rPr lang="el-GR" sz="1200" b="1" dirty="0" smtClean="0"/>
+              <a:t>αφού φορτώσει το αρχείο</a:t>
+            </a:r>
+            <a:r>
+              <a:rPr lang="el-GR" sz="1200" dirty="0" smtClean="0"/>
+              <a:t> XML και οι πιθανές τιμές του </a:t>
+            </a:r>
+            <a:r>
+              <a:rPr lang="el-GR" sz="1200" b="1" dirty="0" smtClean="0"/>
+              <a:t>δεν ορίζονται στο XSD</a:t>
+            </a:r>
+            <a:r>
+              <a:rPr lang="el-GR" sz="1200" dirty="0" smtClean="0"/>
+              <a:t>, αλλά </a:t>
+            </a:r>
+            <a:r>
+              <a:rPr lang="el-GR" sz="1200" b="1" dirty="0" smtClean="0"/>
+              <a:t>αλλάζουν</a:t>
+            </a:r>
+            <a:r>
+              <a:rPr lang="el-GR" sz="1200" dirty="0" smtClean="0"/>
+              <a:t> την ώρα που ο χρήστης επεξεργάζεται τα δεδομένα.</a:t>
+            </a:r>
+            <a:endParaRPr lang="el-GR" dirty="0" smtClean="0"/>
+          </a:p>
+          <a:p>
+            <a:endParaRPr lang="el-GR" dirty="0" smtClean="0"/>
+          </a:p>
+          <a:p>
+            <a:r>
+              <a:rPr lang="el-GR" sz="1200" dirty="0" smtClean="0"/>
+              <a:t>Με λίγα λόγια, αν </a:t>
+            </a:r>
+            <a:r>
+              <a:rPr lang="el-GR" sz="1200" b="1" dirty="0" smtClean="0"/>
+              <a:t>προσθέσουμε</a:t>
+            </a:r>
+            <a:r>
+              <a:rPr lang="el-GR" sz="1200" dirty="0" smtClean="0"/>
+              <a:t> κιάλλο υλικό, τότε το Reference ανανεώνεται και έχει </a:t>
+            </a:r>
+            <a:r>
+              <a:rPr lang="el-GR" sz="1200" b="1" dirty="0" smtClean="0"/>
+              <a:t>4 πιθανές τιμές</a:t>
+            </a:r>
+            <a:r>
+              <a:rPr lang="el-GR" sz="1200" dirty="0" smtClean="0"/>
+              <a:t>. Κάτι αντίστοιχο γίνεται και με την </a:t>
+            </a:r>
+            <a:r>
+              <a:rPr lang="el-GR" sz="1200" b="1" dirty="0" smtClean="0"/>
+              <a:t>διαγραφή</a:t>
+            </a:r>
+            <a:r>
+              <a:rPr lang="el-GR" sz="1200" dirty="0" smtClean="0"/>
+              <a:t> και </a:t>
+            </a:r>
+            <a:r>
+              <a:rPr lang="el-GR" sz="1200" b="1" dirty="0" smtClean="0"/>
+              <a:t>μετονομασία</a:t>
+            </a:r>
+            <a:r>
+              <a:rPr lang="el-GR" sz="1200" dirty="0" smtClean="0"/>
+              <a:t>.</a:t>
+            </a:r>
+            <a:endParaRPr lang="el-GR" dirty="0" smtClean="0"/>
+          </a:p>
+          <a:p>
+            <a:endParaRPr lang="el-GR" dirty="0" smtClean="0"/>
+          </a:p>
+          <a:p>
+            <a:r>
+              <a:rPr lang="el-GR" sz="1200" dirty="0" smtClean="0"/>
+              <a:t>~ Αυτά ήταν τα controls και η χρήση τους...</a:t>
+            </a:r>
+            <a:endParaRPr lang="el-GR" dirty="0"/>
           </a:p>
         </p:txBody>
       </p:sp>
@@ -2931,7 +3651,7 @@
     </p:spTree>
     <p:extLst>
       <p:ext uri="{BB962C8B-B14F-4D97-AF65-F5344CB8AC3E}">
-        <p14:creationId xmlns:p14="http://schemas.microsoft.com/office/powerpoint/2010/main" val="1453341206"/>
+        <p14:creationId xmlns:p14="http://schemas.microsoft.com/office/powerpoint/2010/main" val="4018886468"/>
       </p:ext>
     </p:extLst>
   </p:cSld>
@@ -3123,7 +3843,7 @@
             <a:fld id="{1D8BD707-D9CF-40AE-B4C6-C98DA3205C09}" type="datetimeFigureOut">
               <a:rPr lang="en-US" smtClean="0"/>
               <a:pPr/>
-              <a:t>13-May-14</a:t>
+              <a:t>16-May-14</a:t>
             </a:fld>
             <a:endParaRPr lang="en-US"/>
           </a:p>
@@ -3177,6 +3897,9 @@
   <p:clrMapOvr>
     <a:masterClrMapping/>
   </p:clrMapOvr>
+  <p:transition>
+    <p:push dir="u"/>
+  </p:transition>
 </p:sldLayout>
 </file>
 
@@ -3290,7 +4013,7 @@
             <a:fld id="{1D8BD707-D9CF-40AE-B4C6-C98DA3205C09}" type="datetimeFigureOut">
               <a:rPr lang="en-US" smtClean="0"/>
               <a:pPr/>
-              <a:t>13-May-14</a:t>
+              <a:t>16-May-14</a:t>
             </a:fld>
             <a:endParaRPr lang="en-US"/>
           </a:p>
@@ -3344,6 +4067,9 @@
   <p:clrMapOvr>
     <a:masterClrMapping/>
   </p:clrMapOvr>
+  <p:transition>
+    <p:push dir="u"/>
+  </p:transition>
 </p:sldLayout>
 </file>
 
@@ -3467,7 +4193,7 @@
             <a:fld id="{1D8BD707-D9CF-40AE-B4C6-C98DA3205C09}" type="datetimeFigureOut">
               <a:rPr lang="en-US" smtClean="0"/>
               <a:pPr/>
-              <a:t>13-May-14</a:t>
+              <a:t>16-May-14</a:t>
             </a:fld>
             <a:endParaRPr lang="en-US"/>
           </a:p>
@@ -3521,6 +4247,2059 @@
   <p:clrMapOvr>
     <a:masterClrMapping/>
   </p:clrMapOvr>
+  <p:transition>
+    <p:push dir="u"/>
+  </p:transition>
+</p:sldLayout>
+</file>
+
+<file path=ppt/slideLayouts/slideLayout12.xml><?xml version="1.0" encoding="utf-8"?>
+<p:sldLayout xmlns:a="http://schemas.openxmlformats.org/drawingml/2006/main" xmlns:r="http://schemas.openxmlformats.org/officeDocument/2006/relationships" xmlns:p="http://schemas.openxmlformats.org/presentationml/2006/main" type="title" preserve="1">
+  <p:cSld name="Title Slide">
+    <p:spTree>
+      <p:nvGrpSpPr>
+        <p:cNvPr id="1" name=""/>
+        <p:cNvGrpSpPr/>
+        <p:nvPr/>
+      </p:nvGrpSpPr>
+      <p:grpSpPr>
+        <a:xfrm>
+          <a:off x="0" y="0"/>
+          <a:ext cx="0" cy="0"/>
+          <a:chOff x="0" y="0"/>
+          <a:chExt cx="0" cy="0"/>
+        </a:xfrm>
+      </p:grpSpPr>
+      <p:sp>
+        <p:nvSpPr>
+          <p:cNvPr id="2" name="Title 1"/>
+          <p:cNvSpPr>
+            <a:spLocks noGrp="1"/>
+          </p:cNvSpPr>
+          <p:nvPr>
+            <p:ph type="ctrTitle"/>
+          </p:nvPr>
+        </p:nvSpPr>
+        <p:spPr>
+          <a:xfrm>
+            <a:off x="685800" y="609601"/>
+            <a:ext cx="7772400" cy="4267200"/>
+          </a:xfrm>
+        </p:spPr>
+        <p:txBody>
+          <a:bodyPr anchor="b">
+            <a:noAutofit/>
+          </a:bodyPr>
+          <a:lstStyle>
+            <a:lvl1pPr>
+              <a:lnSpc>
+                <a:spcPct val="100000"/>
+              </a:lnSpc>
+              <a:defRPr sz="8000"/>
+            </a:lvl1pPr>
+          </a:lstStyle>
+          <a:p>
+            <a:r>
+              <a:rPr lang="en-US" smtClean="0"/>
+              <a:t>Click to edit Master title style</a:t>
+            </a:r>
+            <a:endParaRPr lang="en-US" dirty="0"/>
+          </a:p>
+        </p:txBody>
+      </p:sp>
+      <p:sp>
+        <p:nvSpPr>
+          <p:cNvPr id="3" name="Subtitle 2"/>
+          <p:cNvSpPr>
+            <a:spLocks noGrp="1"/>
+          </p:cNvSpPr>
+          <p:nvPr>
+            <p:ph type="subTitle" idx="1"/>
+          </p:nvPr>
+        </p:nvSpPr>
+        <p:spPr>
+          <a:xfrm>
+            <a:off x="1371600" y="4953000"/>
+            <a:ext cx="6400800" cy="1219200"/>
+          </a:xfrm>
+        </p:spPr>
+        <p:txBody>
+          <a:bodyPr>
+            <a:normAutofit/>
+          </a:bodyPr>
+          <a:lstStyle>
+            <a:lvl1pPr marL="0" indent="0" algn="ctr">
+              <a:buNone/>
+              <a:defRPr sz="2400">
+                <a:solidFill>
+                  <a:schemeClr val="tx1">
+                    <a:tint val="75000"/>
+                  </a:schemeClr>
+                </a:solidFill>
+              </a:defRPr>
+            </a:lvl1pPr>
+            <a:lvl2pPr marL="457200" indent="0" algn="ctr">
+              <a:buNone/>
+              <a:defRPr>
+                <a:solidFill>
+                  <a:schemeClr val="tx1">
+                    <a:tint val="75000"/>
+                  </a:schemeClr>
+                </a:solidFill>
+              </a:defRPr>
+            </a:lvl2pPr>
+            <a:lvl3pPr marL="914400" indent="0" algn="ctr">
+              <a:buNone/>
+              <a:defRPr>
+                <a:solidFill>
+                  <a:schemeClr val="tx1">
+                    <a:tint val="75000"/>
+                  </a:schemeClr>
+                </a:solidFill>
+              </a:defRPr>
+            </a:lvl3pPr>
+            <a:lvl4pPr marL="1371600" indent="0" algn="ctr">
+              <a:buNone/>
+              <a:defRPr>
+                <a:solidFill>
+                  <a:schemeClr val="tx1">
+                    <a:tint val="75000"/>
+                  </a:schemeClr>
+                </a:solidFill>
+              </a:defRPr>
+            </a:lvl4pPr>
+            <a:lvl5pPr marL="1828800" indent="0" algn="ctr">
+              <a:buNone/>
+              <a:defRPr>
+                <a:solidFill>
+                  <a:schemeClr val="tx1">
+                    <a:tint val="75000"/>
+                  </a:schemeClr>
+                </a:solidFill>
+              </a:defRPr>
+            </a:lvl5pPr>
+            <a:lvl6pPr marL="2286000" indent="0" algn="ctr">
+              <a:buNone/>
+              <a:defRPr>
+                <a:solidFill>
+                  <a:schemeClr val="tx1">
+                    <a:tint val="75000"/>
+                  </a:schemeClr>
+                </a:solidFill>
+              </a:defRPr>
+            </a:lvl6pPr>
+            <a:lvl7pPr marL="2743200" indent="0" algn="ctr">
+              <a:buNone/>
+              <a:defRPr>
+                <a:solidFill>
+                  <a:schemeClr val="tx1">
+                    <a:tint val="75000"/>
+                  </a:schemeClr>
+                </a:solidFill>
+              </a:defRPr>
+            </a:lvl7pPr>
+            <a:lvl8pPr marL="3200400" indent="0" algn="ctr">
+              <a:buNone/>
+              <a:defRPr>
+                <a:solidFill>
+                  <a:schemeClr val="tx1">
+                    <a:tint val="75000"/>
+                  </a:schemeClr>
+                </a:solidFill>
+              </a:defRPr>
+            </a:lvl8pPr>
+            <a:lvl9pPr marL="3657600" indent="0" algn="ctr">
+              <a:buNone/>
+              <a:defRPr>
+                <a:solidFill>
+                  <a:schemeClr val="tx1">
+                    <a:tint val="75000"/>
+                  </a:schemeClr>
+                </a:solidFill>
+              </a:defRPr>
+            </a:lvl9pPr>
+          </a:lstStyle>
+          <a:p>
+            <a:r>
+              <a:rPr lang="en-US" smtClean="0"/>
+              <a:t>Click to edit Master subtitle style</a:t>
+            </a:r>
+            <a:endParaRPr lang="en-US" dirty="0"/>
+          </a:p>
+        </p:txBody>
+      </p:sp>
+      <p:sp>
+        <p:nvSpPr>
+          <p:cNvPr id="7" name="Date Placeholder 6"/>
+          <p:cNvSpPr>
+            <a:spLocks noGrp="1"/>
+          </p:cNvSpPr>
+          <p:nvPr>
+            <p:ph type="dt" sz="half" idx="10"/>
+          </p:nvPr>
+        </p:nvSpPr>
+        <p:spPr/>
+        <p:txBody>
+          <a:bodyPr/>
+          <a:lstStyle/>
+          <a:p>
+            <a:fld id="{1D8BD707-D9CF-40AE-B4C6-C98DA3205C09}" type="datetimeFigureOut">
+              <a:rPr lang="en-US" smtClean="0"/>
+              <a:pPr/>
+              <a:t>16-May-14</a:t>
+            </a:fld>
+            <a:endParaRPr lang="en-US"/>
+          </a:p>
+        </p:txBody>
+      </p:sp>
+      <p:sp>
+        <p:nvSpPr>
+          <p:cNvPr id="8" name="Slide Number Placeholder 7"/>
+          <p:cNvSpPr>
+            <a:spLocks noGrp="1"/>
+          </p:cNvSpPr>
+          <p:nvPr>
+            <p:ph type="sldNum" sz="quarter" idx="11"/>
+          </p:nvPr>
+        </p:nvSpPr>
+        <p:spPr/>
+        <p:txBody>
+          <a:bodyPr/>
+          <a:lstStyle/>
+          <a:p>
+            <a:fld id="{B6F15528-21DE-4FAA-801E-634DDDAF4B2B}" type="slidenum">
+              <a:rPr lang="en-US" smtClean="0"/>
+              <a:pPr/>
+              <a:t>‹#›</a:t>
+            </a:fld>
+            <a:endParaRPr lang="en-US"/>
+          </a:p>
+        </p:txBody>
+      </p:sp>
+      <p:sp>
+        <p:nvSpPr>
+          <p:cNvPr id="9" name="Footer Placeholder 8"/>
+          <p:cNvSpPr>
+            <a:spLocks noGrp="1"/>
+          </p:cNvSpPr>
+          <p:nvPr>
+            <p:ph type="ftr" sz="quarter" idx="12"/>
+          </p:nvPr>
+        </p:nvSpPr>
+        <p:spPr/>
+        <p:txBody>
+          <a:bodyPr/>
+          <a:lstStyle/>
+          <a:p>
+            <a:endParaRPr lang="en-US"/>
+          </a:p>
+        </p:txBody>
+      </p:sp>
+    </p:spTree>
+  </p:cSld>
+  <p:clrMapOvr>
+    <a:masterClrMapping/>
+  </p:clrMapOvr>
+  <p:transition>
+    <p:push dir="u"/>
+  </p:transition>
+  <p:timing>
+    <p:tnLst>
+      <p:par>
+        <p:cTn id="1" dur="indefinite" restart="never" nodeType="tmRoot"/>
+      </p:par>
+    </p:tnLst>
+  </p:timing>
+</p:sldLayout>
+</file>
+
+<file path=ppt/slideLayouts/slideLayout13.xml><?xml version="1.0" encoding="utf-8"?>
+<p:sldLayout xmlns:a="http://schemas.openxmlformats.org/drawingml/2006/main" xmlns:r="http://schemas.openxmlformats.org/officeDocument/2006/relationships" xmlns:p="http://schemas.openxmlformats.org/presentationml/2006/main" type="obj" preserve="1">
+  <p:cSld name="Title and Content">
+    <p:spTree>
+      <p:nvGrpSpPr>
+        <p:cNvPr id="1" name=""/>
+        <p:cNvGrpSpPr/>
+        <p:nvPr/>
+      </p:nvGrpSpPr>
+      <p:grpSpPr>
+        <a:xfrm>
+          <a:off x="0" y="0"/>
+          <a:ext cx="0" cy="0"/>
+          <a:chOff x="0" y="0"/>
+          <a:chExt cx="0" cy="0"/>
+        </a:xfrm>
+      </p:grpSpPr>
+      <p:sp>
+        <p:nvSpPr>
+          <p:cNvPr id="2" name="Title 1"/>
+          <p:cNvSpPr>
+            <a:spLocks noGrp="1"/>
+          </p:cNvSpPr>
+          <p:nvPr>
+            <p:ph type="title"/>
+          </p:nvPr>
+        </p:nvSpPr>
+        <p:spPr/>
+        <p:txBody>
+          <a:bodyPr/>
+          <a:lstStyle/>
+          <a:p>
+            <a:r>
+              <a:rPr lang="en-US" smtClean="0"/>
+              <a:t>Click to edit Master title style</a:t>
+            </a:r>
+            <a:endParaRPr lang="en-US" dirty="0"/>
+          </a:p>
+        </p:txBody>
+      </p:sp>
+      <p:sp>
+        <p:nvSpPr>
+          <p:cNvPr id="3" name="Content Placeholder 2"/>
+          <p:cNvSpPr>
+            <a:spLocks noGrp="1"/>
+          </p:cNvSpPr>
+          <p:nvPr>
+            <p:ph idx="1"/>
+          </p:nvPr>
+        </p:nvSpPr>
+        <p:spPr/>
+        <p:txBody>
+          <a:bodyPr/>
+          <a:lstStyle>
+            <a:lvl5pPr>
+              <a:defRPr/>
+            </a:lvl5pPr>
+            <a:lvl6pPr>
+              <a:defRPr/>
+            </a:lvl6pPr>
+            <a:lvl7pPr>
+              <a:defRPr/>
+            </a:lvl7pPr>
+            <a:lvl8pPr>
+              <a:defRPr/>
+            </a:lvl8pPr>
+            <a:lvl9pPr>
+              <a:buFont typeface="Arial" pitchFamily="34" charset="0"/>
+              <a:buChar char="•"/>
+              <a:defRPr/>
+            </a:lvl9pPr>
+          </a:lstStyle>
+          <a:p>
+            <a:pPr lvl="0"/>
+            <a:r>
+              <a:rPr lang="en-US" smtClean="0"/>
+              <a:t>Click to edit Master text styles</a:t>
+            </a:r>
+          </a:p>
+          <a:p>
+            <a:pPr lvl="1"/>
+            <a:r>
+              <a:rPr lang="en-US" smtClean="0"/>
+              <a:t>Second level</a:t>
+            </a:r>
+          </a:p>
+          <a:p>
+            <a:pPr lvl="2"/>
+            <a:r>
+              <a:rPr lang="en-US" smtClean="0"/>
+              <a:t>Third level</a:t>
+            </a:r>
+          </a:p>
+          <a:p>
+            <a:pPr lvl="3"/>
+            <a:r>
+              <a:rPr lang="en-US" smtClean="0"/>
+              <a:t>Fourth level</a:t>
+            </a:r>
+          </a:p>
+          <a:p>
+            <a:pPr lvl="4"/>
+            <a:r>
+              <a:rPr lang="en-US" smtClean="0"/>
+              <a:t>Fifth level</a:t>
+            </a:r>
+            <a:endParaRPr lang="en-US" dirty="0" smtClean="0"/>
+          </a:p>
+        </p:txBody>
+      </p:sp>
+      <p:sp>
+        <p:nvSpPr>
+          <p:cNvPr id="4" name="Date Placeholder 3"/>
+          <p:cNvSpPr>
+            <a:spLocks noGrp="1"/>
+          </p:cNvSpPr>
+          <p:nvPr>
+            <p:ph type="dt" sz="half" idx="10"/>
+          </p:nvPr>
+        </p:nvSpPr>
+        <p:spPr/>
+        <p:txBody>
+          <a:bodyPr/>
+          <a:lstStyle/>
+          <a:p>
+            <a:fld id="{1D8BD707-D9CF-40AE-B4C6-C98DA3205C09}" type="datetimeFigureOut">
+              <a:rPr lang="en-US" smtClean="0"/>
+              <a:pPr/>
+              <a:t>16-May-14</a:t>
+            </a:fld>
+            <a:endParaRPr lang="en-US"/>
+          </a:p>
+        </p:txBody>
+      </p:sp>
+      <p:sp>
+        <p:nvSpPr>
+          <p:cNvPr id="5" name="Footer Placeholder 4"/>
+          <p:cNvSpPr>
+            <a:spLocks noGrp="1"/>
+          </p:cNvSpPr>
+          <p:nvPr>
+            <p:ph type="ftr" sz="quarter" idx="11"/>
+          </p:nvPr>
+        </p:nvSpPr>
+        <p:spPr/>
+        <p:txBody>
+          <a:bodyPr/>
+          <a:lstStyle/>
+          <a:p>
+            <a:endParaRPr lang="en-US"/>
+          </a:p>
+        </p:txBody>
+      </p:sp>
+      <p:sp>
+        <p:nvSpPr>
+          <p:cNvPr id="6" name="Slide Number Placeholder 5"/>
+          <p:cNvSpPr>
+            <a:spLocks noGrp="1"/>
+          </p:cNvSpPr>
+          <p:nvPr>
+            <p:ph type="sldNum" sz="quarter" idx="12"/>
+          </p:nvPr>
+        </p:nvSpPr>
+        <p:spPr/>
+        <p:txBody>
+          <a:bodyPr/>
+          <a:lstStyle/>
+          <a:p>
+            <a:fld id="{B6F15528-21DE-4FAA-801E-634DDDAF4B2B}" type="slidenum">
+              <a:rPr lang="en-US" smtClean="0"/>
+              <a:pPr/>
+              <a:t>‹#›</a:t>
+            </a:fld>
+            <a:endParaRPr lang="en-US"/>
+          </a:p>
+        </p:txBody>
+      </p:sp>
+    </p:spTree>
+  </p:cSld>
+  <p:clrMapOvr>
+    <a:masterClrMapping/>
+  </p:clrMapOvr>
+  <p:transition>
+    <p:push dir="u"/>
+  </p:transition>
+  <p:timing>
+    <p:tnLst>
+      <p:par>
+        <p:cTn id="1" dur="indefinite" restart="never" nodeType="tmRoot"/>
+      </p:par>
+    </p:tnLst>
+  </p:timing>
+</p:sldLayout>
+</file>
+
+<file path=ppt/slideLayouts/slideLayout14.xml><?xml version="1.0" encoding="utf-8"?>
+<p:sldLayout xmlns:a="http://schemas.openxmlformats.org/drawingml/2006/main" xmlns:r="http://schemas.openxmlformats.org/officeDocument/2006/relationships" xmlns:p="http://schemas.openxmlformats.org/presentationml/2006/main" type="secHead" preserve="1">
+  <p:cSld name="Section Header">
+    <p:spTree>
+      <p:nvGrpSpPr>
+        <p:cNvPr id="1" name=""/>
+        <p:cNvGrpSpPr/>
+        <p:nvPr/>
+      </p:nvGrpSpPr>
+      <p:grpSpPr>
+        <a:xfrm>
+          <a:off x="0" y="0"/>
+          <a:ext cx="0" cy="0"/>
+          <a:chOff x="0" y="0"/>
+          <a:chExt cx="0" cy="0"/>
+        </a:xfrm>
+      </p:grpSpPr>
+      <p:sp>
+        <p:nvSpPr>
+          <p:cNvPr id="2" name="Title 1"/>
+          <p:cNvSpPr>
+            <a:spLocks noGrp="1"/>
+          </p:cNvSpPr>
+          <p:nvPr>
+            <p:ph type="title"/>
+          </p:nvPr>
+        </p:nvSpPr>
+        <p:spPr>
+          <a:xfrm>
+            <a:off x="722313" y="1371600"/>
+            <a:ext cx="7772400" cy="2505075"/>
+          </a:xfrm>
+        </p:spPr>
+        <p:txBody>
+          <a:bodyPr anchor="b"/>
+          <a:lstStyle>
+            <a:lvl1pPr algn="ctr" defTabSz="914400" rtl="0" eaLnBrk="1" latinLnBrk="0" hangingPunct="1">
+              <a:lnSpc>
+                <a:spcPct val="100000"/>
+              </a:lnSpc>
+              <a:spcBef>
+                <a:spcPct val="0"/>
+              </a:spcBef>
+              <a:buNone/>
+              <a:defRPr lang="en-US" sz="4800" kern="1200" dirty="0" smtClean="0">
+                <a:solidFill>
+                  <a:schemeClr val="tx2"/>
+                </a:solidFill>
+                <a:effectLst>
+                  <a:outerShdw blurRad="63500" dist="38100" dir="5400000" algn="t" rotWithShape="0">
+                    <a:prstClr val="black">
+                      <a:alpha val="25000"/>
+                    </a:prstClr>
+                  </a:outerShdw>
+                </a:effectLst>
+                <a:latin typeface="+mn-lt"/>
+                <a:ea typeface="+mj-ea"/>
+                <a:cs typeface="+mj-cs"/>
+              </a:defRPr>
+            </a:lvl1pPr>
+          </a:lstStyle>
+          <a:p>
+            <a:r>
+              <a:rPr lang="en-US" smtClean="0"/>
+              <a:t>Click to edit Master title style</a:t>
+            </a:r>
+            <a:endParaRPr lang="en-US" dirty="0"/>
+          </a:p>
+        </p:txBody>
+      </p:sp>
+      <p:sp>
+        <p:nvSpPr>
+          <p:cNvPr id="3" name="Text Placeholder 2"/>
+          <p:cNvSpPr>
+            <a:spLocks noGrp="1"/>
+          </p:cNvSpPr>
+          <p:nvPr>
+            <p:ph type="body" idx="1"/>
+          </p:nvPr>
+        </p:nvSpPr>
+        <p:spPr>
+          <a:xfrm>
+            <a:off x="722313" y="4068763"/>
+            <a:ext cx="7772400" cy="1131887"/>
+          </a:xfrm>
+        </p:spPr>
+        <p:txBody>
+          <a:bodyPr anchor="t"/>
+          <a:lstStyle>
+            <a:lvl1pPr marL="0" indent="0" algn="ctr">
+              <a:buNone/>
+              <a:defRPr sz="2000">
+                <a:solidFill>
+                  <a:schemeClr val="tx1">
+                    <a:tint val="75000"/>
+                  </a:schemeClr>
+                </a:solidFill>
+              </a:defRPr>
+            </a:lvl1pPr>
+            <a:lvl2pPr marL="457200" indent="0">
+              <a:buNone/>
+              <a:defRPr sz="1800">
+                <a:solidFill>
+                  <a:schemeClr val="tx1">
+                    <a:tint val="75000"/>
+                  </a:schemeClr>
+                </a:solidFill>
+              </a:defRPr>
+            </a:lvl2pPr>
+            <a:lvl3pPr marL="914400" indent="0">
+              <a:buNone/>
+              <a:defRPr sz="1600">
+                <a:solidFill>
+                  <a:schemeClr val="tx1">
+                    <a:tint val="75000"/>
+                  </a:schemeClr>
+                </a:solidFill>
+              </a:defRPr>
+            </a:lvl3pPr>
+            <a:lvl4pPr marL="1371600" indent="0">
+              <a:buNone/>
+              <a:defRPr sz="1400">
+                <a:solidFill>
+                  <a:schemeClr val="tx1">
+                    <a:tint val="75000"/>
+                  </a:schemeClr>
+                </a:solidFill>
+              </a:defRPr>
+            </a:lvl4pPr>
+            <a:lvl5pPr marL="1828800" indent="0">
+              <a:buNone/>
+              <a:defRPr sz="1400">
+                <a:solidFill>
+                  <a:schemeClr val="tx1">
+                    <a:tint val="75000"/>
+                  </a:schemeClr>
+                </a:solidFill>
+              </a:defRPr>
+            </a:lvl5pPr>
+            <a:lvl6pPr marL="2286000" indent="0">
+              <a:buNone/>
+              <a:defRPr sz="1400">
+                <a:solidFill>
+                  <a:schemeClr val="tx1">
+                    <a:tint val="75000"/>
+                  </a:schemeClr>
+                </a:solidFill>
+              </a:defRPr>
+            </a:lvl6pPr>
+            <a:lvl7pPr marL="2743200" indent="0">
+              <a:buNone/>
+              <a:defRPr sz="1400">
+                <a:solidFill>
+                  <a:schemeClr val="tx1">
+                    <a:tint val="75000"/>
+                  </a:schemeClr>
+                </a:solidFill>
+              </a:defRPr>
+            </a:lvl7pPr>
+            <a:lvl8pPr marL="3200400" indent="0">
+              <a:buNone/>
+              <a:defRPr sz="1400">
+                <a:solidFill>
+                  <a:schemeClr val="tx1">
+                    <a:tint val="75000"/>
+                  </a:schemeClr>
+                </a:solidFill>
+              </a:defRPr>
+            </a:lvl8pPr>
+            <a:lvl9pPr marL="3657600" indent="0">
+              <a:buNone/>
+              <a:defRPr sz="1400">
+                <a:solidFill>
+                  <a:schemeClr val="tx1">
+                    <a:tint val="75000"/>
+                  </a:schemeClr>
+                </a:solidFill>
+              </a:defRPr>
+            </a:lvl9pPr>
+          </a:lstStyle>
+          <a:p>
+            <a:pPr lvl="0"/>
+            <a:r>
+              <a:rPr lang="en-US" smtClean="0"/>
+              <a:t>Click to edit Master text styles</a:t>
+            </a:r>
+          </a:p>
+        </p:txBody>
+      </p:sp>
+      <p:sp>
+        <p:nvSpPr>
+          <p:cNvPr id="4" name="Date Placeholder 3"/>
+          <p:cNvSpPr>
+            <a:spLocks noGrp="1"/>
+          </p:cNvSpPr>
+          <p:nvPr>
+            <p:ph type="dt" sz="half" idx="10"/>
+          </p:nvPr>
+        </p:nvSpPr>
+        <p:spPr/>
+        <p:txBody>
+          <a:bodyPr/>
+          <a:lstStyle/>
+          <a:p>
+            <a:fld id="{1D8BD707-D9CF-40AE-B4C6-C98DA3205C09}" type="datetimeFigureOut">
+              <a:rPr lang="en-US" smtClean="0"/>
+              <a:pPr/>
+              <a:t>16-May-14</a:t>
+            </a:fld>
+            <a:endParaRPr lang="en-US"/>
+          </a:p>
+        </p:txBody>
+      </p:sp>
+      <p:sp>
+        <p:nvSpPr>
+          <p:cNvPr id="5" name="Footer Placeholder 4"/>
+          <p:cNvSpPr>
+            <a:spLocks noGrp="1"/>
+          </p:cNvSpPr>
+          <p:nvPr>
+            <p:ph type="ftr" sz="quarter" idx="11"/>
+          </p:nvPr>
+        </p:nvSpPr>
+        <p:spPr/>
+        <p:txBody>
+          <a:bodyPr/>
+          <a:lstStyle/>
+          <a:p>
+            <a:endParaRPr lang="en-US"/>
+          </a:p>
+        </p:txBody>
+      </p:sp>
+      <p:sp>
+        <p:nvSpPr>
+          <p:cNvPr id="6" name="Slide Number Placeholder 5"/>
+          <p:cNvSpPr>
+            <a:spLocks noGrp="1"/>
+          </p:cNvSpPr>
+          <p:nvPr>
+            <p:ph type="sldNum" sz="quarter" idx="12"/>
+          </p:nvPr>
+        </p:nvSpPr>
+        <p:spPr/>
+        <p:txBody>
+          <a:bodyPr/>
+          <a:lstStyle/>
+          <a:p>
+            <a:fld id="{B6F15528-21DE-4FAA-801E-634DDDAF4B2B}" type="slidenum">
+              <a:rPr lang="en-US" smtClean="0"/>
+              <a:pPr/>
+              <a:t>‹#›</a:t>
+            </a:fld>
+            <a:endParaRPr lang="en-US"/>
+          </a:p>
+        </p:txBody>
+      </p:sp>
+      <p:sp>
+        <p:nvSpPr>
+          <p:cNvPr id="7" name="Oval 6"/>
+          <p:cNvSpPr/>
+          <p:nvPr/>
+        </p:nvSpPr>
+        <p:spPr>
+          <a:xfrm>
+            <a:off x="4495800" y="3924300"/>
+            <a:ext cx="84772" cy="84772"/>
+          </a:xfrm>
+          <a:prstGeom prst="ellipse">
+            <a:avLst/>
+          </a:prstGeom>
+          <a:solidFill>
+            <a:schemeClr val="tx1">
+              <a:lumMod val="50000"/>
+              <a:lumOff val="50000"/>
+            </a:schemeClr>
+          </a:solidFill>
+          <a:ln w="12700">
+            <a:noFill/>
+          </a:ln>
+          <a:effectLst/>
+        </p:spPr>
+        <p:style>
+          <a:lnRef idx="2">
+            <a:schemeClr val="accent1">
+              <a:shade val="50000"/>
+            </a:schemeClr>
+          </a:lnRef>
+          <a:fillRef idx="1">
+            <a:schemeClr val="accent1"/>
+          </a:fillRef>
+          <a:effectRef idx="0">
+            <a:schemeClr val="accent1"/>
+          </a:effectRef>
+          <a:fontRef idx="minor">
+            <a:schemeClr val="lt1"/>
+          </a:fontRef>
+        </p:style>
+        <p:txBody>
+          <a:bodyPr rtlCol="0" anchor="ctr"/>
+          <a:lstStyle/>
+          <a:p>
+            <a:pPr algn="ctr"/>
+            <a:endParaRPr lang="en-US"/>
+          </a:p>
+        </p:txBody>
+      </p:sp>
+      <p:sp>
+        <p:nvSpPr>
+          <p:cNvPr id="8" name="Oval 7"/>
+          <p:cNvSpPr/>
+          <p:nvPr/>
+        </p:nvSpPr>
+        <p:spPr>
+          <a:xfrm>
+            <a:off x="4695825" y="3924300"/>
+            <a:ext cx="84772" cy="84772"/>
+          </a:xfrm>
+          <a:prstGeom prst="ellipse">
+            <a:avLst/>
+          </a:prstGeom>
+          <a:solidFill>
+            <a:schemeClr val="tx1">
+              <a:lumMod val="50000"/>
+              <a:lumOff val="50000"/>
+            </a:schemeClr>
+          </a:solidFill>
+          <a:ln w="12700">
+            <a:noFill/>
+          </a:ln>
+          <a:effectLst/>
+        </p:spPr>
+        <p:style>
+          <a:lnRef idx="2">
+            <a:schemeClr val="accent1">
+              <a:shade val="50000"/>
+            </a:schemeClr>
+          </a:lnRef>
+          <a:fillRef idx="1">
+            <a:schemeClr val="accent1"/>
+          </a:fillRef>
+          <a:effectRef idx="0">
+            <a:schemeClr val="accent1"/>
+          </a:effectRef>
+          <a:fontRef idx="minor">
+            <a:schemeClr val="lt1"/>
+          </a:fontRef>
+        </p:style>
+        <p:txBody>
+          <a:bodyPr rtlCol="0" anchor="ctr"/>
+          <a:lstStyle/>
+          <a:p>
+            <a:pPr algn="ctr"/>
+            <a:endParaRPr lang="en-US"/>
+          </a:p>
+        </p:txBody>
+      </p:sp>
+      <p:sp>
+        <p:nvSpPr>
+          <p:cNvPr id="9" name="Oval 8"/>
+          <p:cNvSpPr/>
+          <p:nvPr/>
+        </p:nvSpPr>
+        <p:spPr>
+          <a:xfrm>
+            <a:off x="4296728" y="3924300"/>
+            <a:ext cx="84772" cy="84772"/>
+          </a:xfrm>
+          <a:prstGeom prst="ellipse">
+            <a:avLst/>
+          </a:prstGeom>
+          <a:solidFill>
+            <a:schemeClr val="tx1">
+              <a:lumMod val="50000"/>
+              <a:lumOff val="50000"/>
+            </a:schemeClr>
+          </a:solidFill>
+          <a:ln w="12700">
+            <a:noFill/>
+          </a:ln>
+          <a:effectLst/>
+        </p:spPr>
+        <p:style>
+          <a:lnRef idx="2">
+            <a:schemeClr val="accent1">
+              <a:shade val="50000"/>
+            </a:schemeClr>
+          </a:lnRef>
+          <a:fillRef idx="1">
+            <a:schemeClr val="accent1"/>
+          </a:fillRef>
+          <a:effectRef idx="0">
+            <a:schemeClr val="accent1"/>
+          </a:effectRef>
+          <a:fontRef idx="minor">
+            <a:schemeClr val="lt1"/>
+          </a:fontRef>
+        </p:style>
+        <p:txBody>
+          <a:bodyPr rtlCol="0" anchor="ctr"/>
+          <a:lstStyle/>
+          <a:p>
+            <a:pPr algn="ctr"/>
+            <a:endParaRPr lang="en-US"/>
+          </a:p>
+        </p:txBody>
+      </p:sp>
+    </p:spTree>
+  </p:cSld>
+  <p:clrMapOvr>
+    <a:masterClrMapping/>
+  </p:clrMapOvr>
+  <p:transition>
+    <p:push dir="u"/>
+  </p:transition>
+  <p:timing>
+    <p:tnLst>
+      <p:par>
+        <p:cTn id="1" dur="indefinite" restart="never" nodeType="tmRoot"/>
+      </p:par>
+    </p:tnLst>
+  </p:timing>
+</p:sldLayout>
+</file>
+
+<file path=ppt/slideLayouts/slideLayout15.xml><?xml version="1.0" encoding="utf-8"?>
+<p:sldLayout xmlns:a="http://schemas.openxmlformats.org/drawingml/2006/main" xmlns:r="http://schemas.openxmlformats.org/officeDocument/2006/relationships" xmlns:p="http://schemas.openxmlformats.org/presentationml/2006/main" type="twoObj" preserve="1">
+  <p:cSld name="Two Content">
+    <p:spTree>
+      <p:nvGrpSpPr>
+        <p:cNvPr id="1" name=""/>
+        <p:cNvGrpSpPr/>
+        <p:nvPr/>
+      </p:nvGrpSpPr>
+      <p:grpSpPr>
+        <a:xfrm>
+          <a:off x="0" y="0"/>
+          <a:ext cx="0" cy="0"/>
+          <a:chOff x="0" y="0"/>
+          <a:chExt cx="0" cy="0"/>
+        </a:xfrm>
+      </p:grpSpPr>
+      <p:sp>
+        <p:nvSpPr>
+          <p:cNvPr id="2" name="Title 1"/>
+          <p:cNvSpPr>
+            <a:spLocks noGrp="1"/>
+          </p:cNvSpPr>
+          <p:nvPr>
+            <p:ph type="title"/>
+          </p:nvPr>
+        </p:nvSpPr>
+        <p:spPr/>
+        <p:txBody>
+          <a:bodyPr/>
+          <a:lstStyle/>
+          <a:p>
+            <a:r>
+              <a:rPr lang="en-US" smtClean="0"/>
+              <a:t>Click to edit Master title style</a:t>
+            </a:r>
+            <a:endParaRPr lang="en-US"/>
+          </a:p>
+        </p:txBody>
+      </p:sp>
+      <p:sp>
+        <p:nvSpPr>
+          <p:cNvPr id="4" name="Content Placeholder 3"/>
+          <p:cNvSpPr>
+            <a:spLocks noGrp="1"/>
+          </p:cNvSpPr>
+          <p:nvPr>
+            <p:ph sz="half" idx="2"/>
+          </p:nvPr>
+        </p:nvSpPr>
+        <p:spPr>
+          <a:xfrm>
+            <a:off x="4648200" y="1600200"/>
+            <a:ext cx="4038600" cy="4525963"/>
+          </a:xfrm>
+        </p:spPr>
+        <p:txBody>
+          <a:bodyPr/>
+          <a:lstStyle>
+            <a:lvl1pPr>
+              <a:defRPr sz="2400"/>
+            </a:lvl1pPr>
+            <a:lvl2pPr>
+              <a:defRPr sz="1600"/>
+            </a:lvl2pPr>
+            <a:lvl3pPr>
+              <a:defRPr sz="1600"/>
+            </a:lvl3pPr>
+            <a:lvl4pPr>
+              <a:defRPr sz="1600"/>
+            </a:lvl4pPr>
+            <a:lvl5pPr>
+              <a:defRPr sz="1600"/>
+            </a:lvl5pPr>
+            <a:lvl6pPr>
+              <a:defRPr sz="1600"/>
+            </a:lvl6pPr>
+            <a:lvl7pPr>
+              <a:defRPr sz="1600"/>
+            </a:lvl7pPr>
+            <a:lvl8pPr>
+              <a:defRPr sz="1600"/>
+            </a:lvl8pPr>
+            <a:lvl9pPr>
+              <a:defRPr sz="1600"/>
+            </a:lvl9pPr>
+          </a:lstStyle>
+          <a:p>
+            <a:pPr lvl="0"/>
+            <a:r>
+              <a:rPr lang="en-US" smtClean="0"/>
+              <a:t>Click to edit Master text styles</a:t>
+            </a:r>
+          </a:p>
+          <a:p>
+            <a:pPr lvl="1"/>
+            <a:r>
+              <a:rPr lang="en-US" smtClean="0"/>
+              <a:t>Second level</a:t>
+            </a:r>
+          </a:p>
+          <a:p>
+            <a:pPr lvl="2"/>
+            <a:r>
+              <a:rPr lang="en-US" smtClean="0"/>
+              <a:t>Third level</a:t>
+            </a:r>
+          </a:p>
+          <a:p>
+            <a:pPr lvl="3"/>
+            <a:r>
+              <a:rPr lang="en-US" smtClean="0"/>
+              <a:t>Fourth level</a:t>
+            </a:r>
+          </a:p>
+          <a:p>
+            <a:pPr lvl="4"/>
+            <a:r>
+              <a:rPr lang="en-US" smtClean="0"/>
+              <a:t>Fifth level</a:t>
+            </a:r>
+            <a:endParaRPr lang="en-US" dirty="0" smtClean="0"/>
+          </a:p>
+        </p:txBody>
+      </p:sp>
+      <p:sp>
+        <p:nvSpPr>
+          <p:cNvPr id="5" name="Date Placeholder 4"/>
+          <p:cNvSpPr>
+            <a:spLocks noGrp="1"/>
+          </p:cNvSpPr>
+          <p:nvPr>
+            <p:ph type="dt" sz="half" idx="10"/>
+          </p:nvPr>
+        </p:nvSpPr>
+        <p:spPr/>
+        <p:txBody>
+          <a:bodyPr/>
+          <a:lstStyle/>
+          <a:p>
+            <a:fld id="{1D8BD707-D9CF-40AE-B4C6-C98DA3205C09}" type="datetimeFigureOut">
+              <a:rPr lang="en-US" smtClean="0"/>
+              <a:pPr/>
+              <a:t>16-May-14</a:t>
+            </a:fld>
+            <a:endParaRPr lang="en-US"/>
+          </a:p>
+        </p:txBody>
+      </p:sp>
+      <p:sp>
+        <p:nvSpPr>
+          <p:cNvPr id="6" name="Footer Placeholder 5"/>
+          <p:cNvSpPr>
+            <a:spLocks noGrp="1"/>
+          </p:cNvSpPr>
+          <p:nvPr>
+            <p:ph type="ftr" sz="quarter" idx="11"/>
+          </p:nvPr>
+        </p:nvSpPr>
+        <p:spPr/>
+        <p:txBody>
+          <a:bodyPr/>
+          <a:lstStyle/>
+          <a:p>
+            <a:endParaRPr lang="en-US"/>
+          </a:p>
+        </p:txBody>
+      </p:sp>
+      <p:sp>
+        <p:nvSpPr>
+          <p:cNvPr id="7" name="Slide Number Placeholder 6"/>
+          <p:cNvSpPr>
+            <a:spLocks noGrp="1"/>
+          </p:cNvSpPr>
+          <p:nvPr>
+            <p:ph type="sldNum" sz="quarter" idx="12"/>
+          </p:nvPr>
+        </p:nvSpPr>
+        <p:spPr/>
+        <p:txBody>
+          <a:bodyPr/>
+          <a:lstStyle/>
+          <a:p>
+            <a:fld id="{B6F15528-21DE-4FAA-801E-634DDDAF4B2B}" type="slidenum">
+              <a:rPr lang="en-US" smtClean="0"/>
+              <a:pPr/>
+              <a:t>‹#›</a:t>
+            </a:fld>
+            <a:endParaRPr lang="en-US"/>
+          </a:p>
+        </p:txBody>
+      </p:sp>
+      <p:sp>
+        <p:nvSpPr>
+          <p:cNvPr id="9" name="Content Placeholder 8"/>
+          <p:cNvSpPr>
+            <a:spLocks noGrp="1"/>
+          </p:cNvSpPr>
+          <p:nvPr>
+            <p:ph sz="quarter" idx="13"/>
+          </p:nvPr>
+        </p:nvSpPr>
+        <p:spPr>
+          <a:xfrm>
+            <a:off x="365760" y="1600200"/>
+            <a:ext cx="4041648" cy="4526280"/>
+          </a:xfrm>
+        </p:spPr>
+        <p:txBody>
+          <a:bodyPr/>
+          <a:lstStyle/>
+          <a:p>
+            <a:pPr lvl="0"/>
+            <a:r>
+              <a:rPr lang="en-US" smtClean="0"/>
+              <a:t>Click to edit Master text styles</a:t>
+            </a:r>
+          </a:p>
+          <a:p>
+            <a:pPr lvl="1"/>
+            <a:r>
+              <a:rPr lang="en-US" smtClean="0"/>
+              <a:t>Second level</a:t>
+            </a:r>
+          </a:p>
+          <a:p>
+            <a:pPr lvl="2"/>
+            <a:r>
+              <a:rPr lang="en-US" smtClean="0"/>
+              <a:t>Third level</a:t>
+            </a:r>
+          </a:p>
+          <a:p>
+            <a:pPr lvl="3"/>
+            <a:r>
+              <a:rPr lang="en-US" smtClean="0"/>
+              <a:t>Fourth level</a:t>
+            </a:r>
+          </a:p>
+          <a:p>
+            <a:pPr lvl="4"/>
+            <a:r>
+              <a:rPr lang="en-US" smtClean="0"/>
+              <a:t>Fifth level</a:t>
+            </a:r>
+            <a:endParaRPr lang="en-US"/>
+          </a:p>
+        </p:txBody>
+      </p:sp>
+    </p:spTree>
+  </p:cSld>
+  <p:clrMapOvr>
+    <a:masterClrMapping/>
+  </p:clrMapOvr>
+  <p:transition>
+    <p:push dir="u"/>
+  </p:transition>
+  <p:timing>
+    <p:tnLst>
+      <p:par>
+        <p:cTn id="1" dur="indefinite" restart="never" nodeType="tmRoot"/>
+      </p:par>
+    </p:tnLst>
+  </p:timing>
+</p:sldLayout>
+</file>
+
+<file path=ppt/slideLayouts/slideLayout16.xml><?xml version="1.0" encoding="utf-8"?>
+<p:sldLayout xmlns:a="http://schemas.openxmlformats.org/drawingml/2006/main" xmlns:r="http://schemas.openxmlformats.org/officeDocument/2006/relationships" xmlns:p="http://schemas.openxmlformats.org/presentationml/2006/main" type="twoTxTwoObj" preserve="1">
+  <p:cSld name="Comparison">
+    <p:spTree>
+      <p:nvGrpSpPr>
+        <p:cNvPr id="1" name=""/>
+        <p:cNvGrpSpPr/>
+        <p:nvPr/>
+      </p:nvGrpSpPr>
+      <p:grpSpPr>
+        <a:xfrm>
+          <a:off x="0" y="0"/>
+          <a:ext cx="0" cy="0"/>
+          <a:chOff x="0" y="0"/>
+          <a:chExt cx="0" cy="0"/>
+        </a:xfrm>
+      </p:grpSpPr>
+      <p:sp>
+        <p:nvSpPr>
+          <p:cNvPr id="2" name="Title 1"/>
+          <p:cNvSpPr>
+            <a:spLocks noGrp="1"/>
+          </p:cNvSpPr>
+          <p:nvPr>
+            <p:ph type="title"/>
+          </p:nvPr>
+        </p:nvSpPr>
+        <p:spPr/>
+        <p:txBody>
+          <a:bodyPr/>
+          <a:lstStyle>
+            <a:lvl1pPr>
+              <a:defRPr/>
+            </a:lvl1pPr>
+          </a:lstStyle>
+          <a:p>
+            <a:r>
+              <a:rPr lang="en-US" smtClean="0"/>
+              <a:t>Click to edit Master title style</a:t>
+            </a:r>
+            <a:endParaRPr lang="en-US"/>
+          </a:p>
+        </p:txBody>
+      </p:sp>
+      <p:sp>
+        <p:nvSpPr>
+          <p:cNvPr id="3" name="Text Placeholder 2"/>
+          <p:cNvSpPr>
+            <a:spLocks noGrp="1"/>
+          </p:cNvSpPr>
+          <p:nvPr>
+            <p:ph type="body" idx="1"/>
+          </p:nvPr>
+        </p:nvSpPr>
+        <p:spPr>
+          <a:xfrm>
+            <a:off x="457200" y="1600200"/>
+            <a:ext cx="4040188" cy="609600"/>
+          </a:xfrm>
+        </p:spPr>
+        <p:txBody>
+          <a:bodyPr anchor="b">
+            <a:noAutofit/>
+          </a:bodyPr>
+          <a:lstStyle>
+            <a:lvl1pPr marL="0" indent="0" algn="ctr">
+              <a:buNone/>
+              <a:defRPr sz="2400" b="0"/>
+            </a:lvl1pPr>
+            <a:lvl2pPr marL="457200" indent="0">
+              <a:buNone/>
+              <a:defRPr sz="2000" b="1"/>
+            </a:lvl2pPr>
+            <a:lvl3pPr marL="914400" indent="0">
+              <a:buNone/>
+              <a:defRPr sz="1800" b="1"/>
+            </a:lvl3pPr>
+            <a:lvl4pPr marL="1371600" indent="0">
+              <a:buNone/>
+              <a:defRPr sz="1600" b="1"/>
+            </a:lvl4pPr>
+            <a:lvl5pPr marL="1828800" indent="0">
+              <a:buNone/>
+              <a:defRPr sz="1600" b="1"/>
+            </a:lvl5pPr>
+            <a:lvl6pPr marL="2286000" indent="0">
+              <a:buNone/>
+              <a:defRPr sz="1600" b="1"/>
+            </a:lvl6pPr>
+            <a:lvl7pPr marL="2743200" indent="0">
+              <a:buNone/>
+              <a:defRPr sz="1600" b="1"/>
+            </a:lvl7pPr>
+            <a:lvl8pPr marL="3200400" indent="0">
+              <a:buNone/>
+              <a:defRPr sz="1600" b="1"/>
+            </a:lvl8pPr>
+            <a:lvl9pPr marL="3657600" indent="0">
+              <a:buNone/>
+              <a:defRPr sz="1600" b="1"/>
+            </a:lvl9pPr>
+          </a:lstStyle>
+          <a:p>
+            <a:pPr lvl="0"/>
+            <a:r>
+              <a:rPr lang="en-US" smtClean="0"/>
+              <a:t>Click to edit Master text styles</a:t>
+            </a:r>
+          </a:p>
+        </p:txBody>
+      </p:sp>
+      <p:sp>
+        <p:nvSpPr>
+          <p:cNvPr id="5" name="Text Placeholder 4"/>
+          <p:cNvSpPr>
+            <a:spLocks noGrp="1"/>
+          </p:cNvSpPr>
+          <p:nvPr>
+            <p:ph type="body" sz="quarter" idx="3"/>
+          </p:nvPr>
+        </p:nvSpPr>
+        <p:spPr>
+          <a:xfrm>
+            <a:off x="4648200" y="1600200"/>
+            <a:ext cx="4041775" cy="609600"/>
+          </a:xfrm>
+        </p:spPr>
+        <p:txBody>
+          <a:bodyPr anchor="b">
+            <a:noAutofit/>
+          </a:bodyPr>
+          <a:lstStyle>
+            <a:lvl1pPr marL="0" indent="0" algn="ctr">
+              <a:buNone/>
+              <a:defRPr sz="2400" b="0"/>
+            </a:lvl1pPr>
+            <a:lvl2pPr marL="457200" indent="0">
+              <a:buNone/>
+              <a:defRPr sz="2000" b="1"/>
+            </a:lvl2pPr>
+            <a:lvl3pPr marL="914400" indent="0">
+              <a:buNone/>
+              <a:defRPr sz="1800" b="1"/>
+            </a:lvl3pPr>
+            <a:lvl4pPr marL="1371600" indent="0">
+              <a:buNone/>
+              <a:defRPr sz="1600" b="1"/>
+            </a:lvl4pPr>
+            <a:lvl5pPr marL="1828800" indent="0">
+              <a:buNone/>
+              <a:defRPr sz="1600" b="1"/>
+            </a:lvl5pPr>
+            <a:lvl6pPr marL="2286000" indent="0">
+              <a:buNone/>
+              <a:defRPr sz="1600" b="1"/>
+            </a:lvl6pPr>
+            <a:lvl7pPr marL="2743200" indent="0">
+              <a:buNone/>
+              <a:defRPr sz="1600" b="1"/>
+            </a:lvl7pPr>
+            <a:lvl8pPr marL="3200400" indent="0">
+              <a:buNone/>
+              <a:defRPr sz="1600" b="1"/>
+            </a:lvl8pPr>
+            <a:lvl9pPr marL="3657600" indent="0">
+              <a:buNone/>
+              <a:defRPr sz="1600" b="1"/>
+            </a:lvl9pPr>
+          </a:lstStyle>
+          <a:p>
+            <a:pPr lvl="0"/>
+            <a:r>
+              <a:rPr lang="en-US" smtClean="0"/>
+              <a:t>Click to edit Master text styles</a:t>
+            </a:r>
+          </a:p>
+        </p:txBody>
+      </p:sp>
+      <p:sp>
+        <p:nvSpPr>
+          <p:cNvPr id="7" name="Date Placeholder 6"/>
+          <p:cNvSpPr>
+            <a:spLocks noGrp="1"/>
+          </p:cNvSpPr>
+          <p:nvPr>
+            <p:ph type="dt" sz="half" idx="10"/>
+          </p:nvPr>
+        </p:nvSpPr>
+        <p:spPr/>
+        <p:txBody>
+          <a:bodyPr/>
+          <a:lstStyle/>
+          <a:p>
+            <a:fld id="{1D8BD707-D9CF-40AE-B4C6-C98DA3205C09}" type="datetimeFigureOut">
+              <a:rPr lang="en-US" smtClean="0"/>
+              <a:pPr/>
+              <a:t>16-May-14</a:t>
+            </a:fld>
+            <a:endParaRPr lang="en-US"/>
+          </a:p>
+        </p:txBody>
+      </p:sp>
+      <p:sp>
+        <p:nvSpPr>
+          <p:cNvPr id="8" name="Footer Placeholder 7"/>
+          <p:cNvSpPr>
+            <a:spLocks noGrp="1"/>
+          </p:cNvSpPr>
+          <p:nvPr>
+            <p:ph type="ftr" sz="quarter" idx="11"/>
+          </p:nvPr>
+        </p:nvSpPr>
+        <p:spPr/>
+        <p:txBody>
+          <a:bodyPr/>
+          <a:lstStyle/>
+          <a:p>
+            <a:endParaRPr lang="en-US"/>
+          </a:p>
+        </p:txBody>
+      </p:sp>
+      <p:sp>
+        <p:nvSpPr>
+          <p:cNvPr id="9" name="Slide Number Placeholder 8"/>
+          <p:cNvSpPr>
+            <a:spLocks noGrp="1"/>
+          </p:cNvSpPr>
+          <p:nvPr>
+            <p:ph type="sldNum" sz="quarter" idx="12"/>
+          </p:nvPr>
+        </p:nvSpPr>
+        <p:spPr/>
+        <p:txBody>
+          <a:bodyPr/>
+          <a:lstStyle/>
+          <a:p>
+            <a:fld id="{B6F15528-21DE-4FAA-801E-634DDDAF4B2B}" type="slidenum">
+              <a:rPr lang="en-US" smtClean="0"/>
+              <a:pPr/>
+              <a:t>‹#›</a:t>
+            </a:fld>
+            <a:endParaRPr lang="en-US"/>
+          </a:p>
+        </p:txBody>
+      </p:sp>
+      <p:sp>
+        <p:nvSpPr>
+          <p:cNvPr id="11" name="Content Placeholder 10"/>
+          <p:cNvSpPr>
+            <a:spLocks noGrp="1"/>
+          </p:cNvSpPr>
+          <p:nvPr>
+            <p:ph sz="quarter" idx="13"/>
+          </p:nvPr>
+        </p:nvSpPr>
+        <p:spPr>
+          <a:xfrm>
+            <a:off x="457200" y="2212848"/>
+            <a:ext cx="4041648" cy="3913632"/>
+          </a:xfrm>
+        </p:spPr>
+        <p:txBody>
+          <a:bodyPr/>
+          <a:lstStyle/>
+          <a:p>
+            <a:pPr lvl="0"/>
+            <a:r>
+              <a:rPr lang="en-US" smtClean="0"/>
+              <a:t>Click to edit Master text styles</a:t>
+            </a:r>
+          </a:p>
+          <a:p>
+            <a:pPr lvl="1"/>
+            <a:r>
+              <a:rPr lang="en-US" smtClean="0"/>
+              <a:t>Second level</a:t>
+            </a:r>
+          </a:p>
+          <a:p>
+            <a:pPr lvl="2"/>
+            <a:r>
+              <a:rPr lang="en-US" smtClean="0"/>
+              <a:t>Third level</a:t>
+            </a:r>
+          </a:p>
+          <a:p>
+            <a:pPr lvl="3"/>
+            <a:r>
+              <a:rPr lang="en-US" smtClean="0"/>
+              <a:t>Fourth level</a:t>
+            </a:r>
+          </a:p>
+          <a:p>
+            <a:pPr lvl="4"/>
+            <a:r>
+              <a:rPr lang="en-US" smtClean="0"/>
+              <a:t>Fifth level</a:t>
+            </a:r>
+            <a:endParaRPr lang="en-US" dirty="0"/>
+          </a:p>
+        </p:txBody>
+      </p:sp>
+      <p:sp>
+        <p:nvSpPr>
+          <p:cNvPr id="13" name="Content Placeholder 12"/>
+          <p:cNvSpPr>
+            <a:spLocks noGrp="1"/>
+          </p:cNvSpPr>
+          <p:nvPr>
+            <p:ph sz="quarter" idx="14"/>
+          </p:nvPr>
+        </p:nvSpPr>
+        <p:spPr>
+          <a:xfrm>
+            <a:off x="4672584" y="2212848"/>
+            <a:ext cx="4041648" cy="3913187"/>
+          </a:xfrm>
+        </p:spPr>
+        <p:txBody>
+          <a:bodyPr/>
+          <a:lstStyle/>
+          <a:p>
+            <a:pPr lvl="0"/>
+            <a:r>
+              <a:rPr lang="en-US" smtClean="0"/>
+              <a:t>Click to edit Master text styles</a:t>
+            </a:r>
+          </a:p>
+          <a:p>
+            <a:pPr lvl="1"/>
+            <a:r>
+              <a:rPr lang="en-US" smtClean="0"/>
+              <a:t>Second level</a:t>
+            </a:r>
+          </a:p>
+          <a:p>
+            <a:pPr lvl="2"/>
+            <a:r>
+              <a:rPr lang="en-US" smtClean="0"/>
+              <a:t>Third level</a:t>
+            </a:r>
+          </a:p>
+          <a:p>
+            <a:pPr lvl="3"/>
+            <a:r>
+              <a:rPr lang="en-US" smtClean="0"/>
+              <a:t>Fourth level</a:t>
+            </a:r>
+          </a:p>
+          <a:p>
+            <a:pPr lvl="4"/>
+            <a:r>
+              <a:rPr lang="en-US" smtClean="0"/>
+              <a:t>Fifth level</a:t>
+            </a:r>
+            <a:endParaRPr lang="en-US" dirty="0"/>
+          </a:p>
+        </p:txBody>
+      </p:sp>
+    </p:spTree>
+  </p:cSld>
+  <p:clrMapOvr>
+    <a:masterClrMapping/>
+  </p:clrMapOvr>
+  <p:transition>
+    <p:push dir="u"/>
+  </p:transition>
+  <p:timing>
+    <p:tnLst>
+      <p:par>
+        <p:cTn id="1" dur="indefinite" restart="never" nodeType="tmRoot"/>
+      </p:par>
+    </p:tnLst>
+  </p:timing>
+</p:sldLayout>
+</file>
+
+<file path=ppt/slideLayouts/slideLayout17.xml><?xml version="1.0" encoding="utf-8"?>
+<p:sldLayout xmlns:a="http://schemas.openxmlformats.org/drawingml/2006/main" xmlns:r="http://schemas.openxmlformats.org/officeDocument/2006/relationships" xmlns:p="http://schemas.openxmlformats.org/presentationml/2006/main" type="titleOnly" preserve="1">
+  <p:cSld name="Title Only">
+    <p:spTree>
+      <p:nvGrpSpPr>
+        <p:cNvPr id="1" name=""/>
+        <p:cNvGrpSpPr/>
+        <p:nvPr/>
+      </p:nvGrpSpPr>
+      <p:grpSpPr>
+        <a:xfrm>
+          <a:off x="0" y="0"/>
+          <a:ext cx="0" cy="0"/>
+          <a:chOff x="0" y="0"/>
+          <a:chExt cx="0" cy="0"/>
+        </a:xfrm>
+      </p:grpSpPr>
+      <p:sp>
+        <p:nvSpPr>
+          <p:cNvPr id="2" name="Title 1"/>
+          <p:cNvSpPr>
+            <a:spLocks noGrp="1"/>
+          </p:cNvSpPr>
+          <p:nvPr>
+            <p:ph type="title"/>
+          </p:nvPr>
+        </p:nvSpPr>
+        <p:spPr/>
+        <p:txBody>
+          <a:bodyPr/>
+          <a:lstStyle/>
+          <a:p>
+            <a:r>
+              <a:rPr lang="en-US" smtClean="0"/>
+              <a:t>Click to edit Master title style</a:t>
+            </a:r>
+            <a:endParaRPr lang="en-US" dirty="0"/>
+          </a:p>
+        </p:txBody>
+      </p:sp>
+      <p:sp>
+        <p:nvSpPr>
+          <p:cNvPr id="3" name="Date Placeholder 2"/>
+          <p:cNvSpPr>
+            <a:spLocks noGrp="1"/>
+          </p:cNvSpPr>
+          <p:nvPr>
+            <p:ph type="dt" sz="half" idx="10"/>
+          </p:nvPr>
+        </p:nvSpPr>
+        <p:spPr/>
+        <p:txBody>
+          <a:bodyPr/>
+          <a:lstStyle/>
+          <a:p>
+            <a:fld id="{1D8BD707-D9CF-40AE-B4C6-C98DA3205C09}" type="datetimeFigureOut">
+              <a:rPr lang="en-US" smtClean="0"/>
+              <a:pPr/>
+              <a:t>16-May-14</a:t>
+            </a:fld>
+            <a:endParaRPr lang="en-US"/>
+          </a:p>
+        </p:txBody>
+      </p:sp>
+      <p:sp>
+        <p:nvSpPr>
+          <p:cNvPr id="4" name="Footer Placeholder 3"/>
+          <p:cNvSpPr>
+            <a:spLocks noGrp="1"/>
+          </p:cNvSpPr>
+          <p:nvPr>
+            <p:ph type="ftr" sz="quarter" idx="11"/>
+          </p:nvPr>
+        </p:nvSpPr>
+        <p:spPr/>
+        <p:txBody>
+          <a:bodyPr/>
+          <a:lstStyle/>
+          <a:p>
+            <a:endParaRPr lang="en-US"/>
+          </a:p>
+        </p:txBody>
+      </p:sp>
+      <p:sp>
+        <p:nvSpPr>
+          <p:cNvPr id="5" name="Slide Number Placeholder 4"/>
+          <p:cNvSpPr>
+            <a:spLocks noGrp="1"/>
+          </p:cNvSpPr>
+          <p:nvPr>
+            <p:ph type="sldNum" sz="quarter" idx="12"/>
+          </p:nvPr>
+        </p:nvSpPr>
+        <p:spPr/>
+        <p:txBody>
+          <a:bodyPr/>
+          <a:lstStyle/>
+          <a:p>
+            <a:fld id="{B6F15528-21DE-4FAA-801E-634DDDAF4B2B}" type="slidenum">
+              <a:rPr lang="en-US" smtClean="0"/>
+              <a:pPr/>
+              <a:t>‹#›</a:t>
+            </a:fld>
+            <a:endParaRPr lang="en-US"/>
+          </a:p>
+        </p:txBody>
+      </p:sp>
+    </p:spTree>
+  </p:cSld>
+  <p:clrMapOvr>
+    <a:masterClrMapping/>
+  </p:clrMapOvr>
+  <p:transition>
+    <p:push dir="u"/>
+  </p:transition>
+  <p:timing>
+    <p:tnLst>
+      <p:par>
+        <p:cTn id="1" dur="indefinite" restart="never" nodeType="tmRoot"/>
+      </p:par>
+    </p:tnLst>
+  </p:timing>
+</p:sldLayout>
+</file>
+
+<file path=ppt/slideLayouts/slideLayout18.xml><?xml version="1.0" encoding="utf-8"?>
+<p:sldLayout xmlns:a="http://schemas.openxmlformats.org/drawingml/2006/main" xmlns:r="http://schemas.openxmlformats.org/officeDocument/2006/relationships" xmlns:p="http://schemas.openxmlformats.org/presentationml/2006/main" type="blank" preserve="1">
+  <p:cSld name="Blank">
+    <p:spTree>
+      <p:nvGrpSpPr>
+        <p:cNvPr id="1" name=""/>
+        <p:cNvGrpSpPr/>
+        <p:nvPr/>
+      </p:nvGrpSpPr>
+      <p:grpSpPr>
+        <a:xfrm>
+          <a:off x="0" y="0"/>
+          <a:ext cx="0" cy="0"/>
+          <a:chOff x="0" y="0"/>
+          <a:chExt cx="0" cy="0"/>
+        </a:xfrm>
+      </p:grpSpPr>
+      <p:sp>
+        <p:nvSpPr>
+          <p:cNvPr id="2" name="Date Placeholder 1"/>
+          <p:cNvSpPr>
+            <a:spLocks noGrp="1"/>
+          </p:cNvSpPr>
+          <p:nvPr>
+            <p:ph type="dt" sz="half" idx="10"/>
+          </p:nvPr>
+        </p:nvSpPr>
+        <p:spPr/>
+        <p:txBody>
+          <a:bodyPr/>
+          <a:lstStyle/>
+          <a:p>
+            <a:fld id="{1D8BD707-D9CF-40AE-B4C6-C98DA3205C09}" type="datetimeFigureOut">
+              <a:rPr lang="en-US" smtClean="0"/>
+              <a:pPr/>
+              <a:t>16-May-14</a:t>
+            </a:fld>
+            <a:endParaRPr lang="en-US"/>
+          </a:p>
+        </p:txBody>
+      </p:sp>
+      <p:sp>
+        <p:nvSpPr>
+          <p:cNvPr id="3" name="Footer Placeholder 2"/>
+          <p:cNvSpPr>
+            <a:spLocks noGrp="1"/>
+          </p:cNvSpPr>
+          <p:nvPr>
+            <p:ph type="ftr" sz="quarter" idx="11"/>
+          </p:nvPr>
+        </p:nvSpPr>
+        <p:spPr/>
+        <p:txBody>
+          <a:bodyPr/>
+          <a:lstStyle/>
+          <a:p>
+            <a:endParaRPr lang="en-US"/>
+          </a:p>
+        </p:txBody>
+      </p:sp>
+      <p:sp>
+        <p:nvSpPr>
+          <p:cNvPr id="4" name="Slide Number Placeholder 3"/>
+          <p:cNvSpPr>
+            <a:spLocks noGrp="1"/>
+          </p:cNvSpPr>
+          <p:nvPr>
+            <p:ph type="sldNum" sz="quarter" idx="12"/>
+          </p:nvPr>
+        </p:nvSpPr>
+        <p:spPr/>
+        <p:txBody>
+          <a:bodyPr/>
+          <a:lstStyle/>
+          <a:p>
+            <a:fld id="{B6F15528-21DE-4FAA-801E-634DDDAF4B2B}" type="slidenum">
+              <a:rPr lang="en-US" smtClean="0"/>
+              <a:pPr/>
+              <a:t>‹#›</a:t>
+            </a:fld>
+            <a:endParaRPr lang="en-US"/>
+          </a:p>
+        </p:txBody>
+      </p:sp>
+    </p:spTree>
+  </p:cSld>
+  <p:clrMapOvr>
+    <a:masterClrMapping/>
+  </p:clrMapOvr>
+  <p:transition>
+    <p:push dir="u"/>
+  </p:transition>
+  <p:timing>
+    <p:tnLst>
+      <p:par>
+        <p:cTn id="1" dur="indefinite" restart="never" nodeType="tmRoot"/>
+      </p:par>
+    </p:tnLst>
+  </p:timing>
+</p:sldLayout>
+</file>
+
+<file path=ppt/slideLayouts/slideLayout19.xml><?xml version="1.0" encoding="utf-8"?>
+<p:sldLayout xmlns:a="http://schemas.openxmlformats.org/drawingml/2006/main" xmlns:r="http://schemas.openxmlformats.org/officeDocument/2006/relationships" xmlns:p="http://schemas.openxmlformats.org/presentationml/2006/main" type="objTx" preserve="1">
+  <p:cSld name="Content with Caption">
+    <p:spTree>
+      <p:nvGrpSpPr>
+        <p:cNvPr id="1" name=""/>
+        <p:cNvGrpSpPr/>
+        <p:nvPr/>
+      </p:nvGrpSpPr>
+      <p:grpSpPr>
+        <a:xfrm>
+          <a:off x="0" y="0"/>
+          <a:ext cx="0" cy="0"/>
+          <a:chOff x="0" y="0"/>
+          <a:chExt cx="0" cy="0"/>
+        </a:xfrm>
+      </p:grpSpPr>
+      <p:sp>
+        <p:nvSpPr>
+          <p:cNvPr id="2" name="Title 1"/>
+          <p:cNvSpPr>
+            <a:spLocks noGrp="1"/>
+          </p:cNvSpPr>
+          <p:nvPr>
+            <p:ph type="title"/>
+          </p:nvPr>
+        </p:nvSpPr>
+        <p:spPr>
+          <a:xfrm>
+            <a:off x="5907087" y="266700"/>
+            <a:ext cx="3008313" cy="2095500"/>
+          </a:xfrm>
+        </p:spPr>
+        <p:txBody>
+          <a:bodyPr anchor="b"/>
+          <a:lstStyle>
+            <a:lvl1pPr algn="ctr">
+              <a:lnSpc>
+                <a:spcPct val="100000"/>
+              </a:lnSpc>
+              <a:defRPr sz="2800" b="0">
+                <a:effectLst>
+                  <a:outerShdw blurRad="50800" dist="25400" dir="5400000" algn="t" rotWithShape="0">
+                    <a:prstClr val="black">
+                      <a:alpha val="25000"/>
+                    </a:prstClr>
+                  </a:outerShdw>
+                </a:effectLst>
+              </a:defRPr>
+            </a:lvl1pPr>
+          </a:lstStyle>
+          <a:p>
+            <a:r>
+              <a:rPr lang="en-US" smtClean="0"/>
+              <a:t>Click to edit Master title style</a:t>
+            </a:r>
+            <a:endParaRPr lang="en-US" dirty="0"/>
+          </a:p>
+        </p:txBody>
+      </p:sp>
+      <p:sp>
+        <p:nvSpPr>
+          <p:cNvPr id="3" name="Content Placeholder 2"/>
+          <p:cNvSpPr>
+            <a:spLocks noGrp="1"/>
+          </p:cNvSpPr>
+          <p:nvPr>
+            <p:ph idx="1"/>
+          </p:nvPr>
+        </p:nvSpPr>
+        <p:spPr>
+          <a:xfrm>
+            <a:off x="719137" y="273050"/>
+            <a:ext cx="4995863" cy="5853113"/>
+          </a:xfrm>
+        </p:spPr>
+        <p:txBody>
+          <a:bodyPr/>
+          <a:lstStyle>
+            <a:lvl1pPr>
+              <a:defRPr sz="3200"/>
+            </a:lvl1pPr>
+            <a:lvl2pPr>
+              <a:defRPr sz="2800"/>
+            </a:lvl2pPr>
+            <a:lvl3pPr>
+              <a:defRPr sz="2400"/>
+            </a:lvl3pPr>
+            <a:lvl4pPr>
+              <a:defRPr sz="2000"/>
+            </a:lvl4pPr>
+            <a:lvl5pPr>
+              <a:defRPr sz="2000"/>
+            </a:lvl5pPr>
+            <a:lvl6pPr>
+              <a:defRPr sz="2000"/>
+            </a:lvl6pPr>
+            <a:lvl7pPr>
+              <a:defRPr sz="2000"/>
+            </a:lvl7pPr>
+            <a:lvl8pPr>
+              <a:defRPr sz="2000"/>
+            </a:lvl8pPr>
+            <a:lvl9pPr>
+              <a:defRPr sz="2000"/>
+            </a:lvl9pPr>
+          </a:lstStyle>
+          <a:p>
+            <a:pPr lvl="0"/>
+            <a:r>
+              <a:rPr lang="en-US" smtClean="0"/>
+              <a:t>Click to edit Master text styles</a:t>
+            </a:r>
+          </a:p>
+          <a:p>
+            <a:pPr lvl="1"/>
+            <a:r>
+              <a:rPr lang="en-US" smtClean="0"/>
+              <a:t>Second level</a:t>
+            </a:r>
+          </a:p>
+          <a:p>
+            <a:pPr lvl="2"/>
+            <a:r>
+              <a:rPr lang="en-US" smtClean="0"/>
+              <a:t>Third level</a:t>
+            </a:r>
+          </a:p>
+          <a:p>
+            <a:pPr lvl="3"/>
+            <a:r>
+              <a:rPr lang="en-US" smtClean="0"/>
+              <a:t>Fourth level</a:t>
+            </a:r>
+          </a:p>
+          <a:p>
+            <a:pPr lvl="4"/>
+            <a:r>
+              <a:rPr lang="en-US" smtClean="0"/>
+              <a:t>Fifth level</a:t>
+            </a:r>
+            <a:endParaRPr lang="en-US" dirty="0"/>
+          </a:p>
+        </p:txBody>
+      </p:sp>
+      <p:sp>
+        <p:nvSpPr>
+          <p:cNvPr id="4" name="Text Placeholder 3"/>
+          <p:cNvSpPr>
+            <a:spLocks noGrp="1"/>
+          </p:cNvSpPr>
+          <p:nvPr>
+            <p:ph type="body" sz="half" idx="2"/>
+          </p:nvPr>
+        </p:nvSpPr>
+        <p:spPr>
+          <a:xfrm>
+            <a:off x="5907087" y="2438400"/>
+            <a:ext cx="3008313" cy="3687763"/>
+          </a:xfrm>
+        </p:spPr>
+        <p:txBody>
+          <a:bodyPr>
+            <a:normAutofit/>
+          </a:bodyPr>
+          <a:lstStyle>
+            <a:lvl1pPr marL="0" indent="0" algn="ctr">
+              <a:lnSpc>
+                <a:spcPct val="125000"/>
+              </a:lnSpc>
+              <a:buNone/>
+              <a:defRPr sz="1600"/>
+            </a:lvl1pPr>
+            <a:lvl2pPr marL="457200" indent="0">
+              <a:buNone/>
+              <a:defRPr sz="1200"/>
+            </a:lvl2pPr>
+            <a:lvl3pPr marL="914400" indent="0">
+              <a:buNone/>
+              <a:defRPr sz="1000"/>
+            </a:lvl3pPr>
+            <a:lvl4pPr marL="1371600" indent="0">
+              <a:buNone/>
+              <a:defRPr sz="900"/>
+            </a:lvl4pPr>
+            <a:lvl5pPr marL="1828800" indent="0">
+              <a:buNone/>
+              <a:defRPr sz="900"/>
+            </a:lvl5pPr>
+            <a:lvl6pPr marL="2286000" indent="0">
+              <a:buNone/>
+              <a:defRPr sz="900"/>
+            </a:lvl6pPr>
+            <a:lvl7pPr marL="2743200" indent="0">
+              <a:buNone/>
+              <a:defRPr sz="900"/>
+            </a:lvl7pPr>
+            <a:lvl8pPr marL="3200400" indent="0">
+              <a:buNone/>
+              <a:defRPr sz="900"/>
+            </a:lvl8pPr>
+            <a:lvl9pPr marL="3657600" indent="0">
+              <a:buNone/>
+              <a:defRPr sz="900"/>
+            </a:lvl9pPr>
+          </a:lstStyle>
+          <a:p>
+            <a:pPr lvl="0"/>
+            <a:r>
+              <a:rPr lang="en-US" smtClean="0"/>
+              <a:t>Click to edit Master text styles</a:t>
+            </a:r>
+          </a:p>
+        </p:txBody>
+      </p:sp>
+      <p:sp>
+        <p:nvSpPr>
+          <p:cNvPr id="5" name="Date Placeholder 4"/>
+          <p:cNvSpPr>
+            <a:spLocks noGrp="1"/>
+          </p:cNvSpPr>
+          <p:nvPr>
+            <p:ph type="dt" sz="half" idx="10"/>
+          </p:nvPr>
+        </p:nvSpPr>
+        <p:spPr/>
+        <p:txBody>
+          <a:bodyPr/>
+          <a:lstStyle/>
+          <a:p>
+            <a:fld id="{1D8BD707-D9CF-40AE-B4C6-C98DA3205C09}" type="datetimeFigureOut">
+              <a:rPr lang="en-US" smtClean="0"/>
+              <a:pPr/>
+              <a:t>16-May-14</a:t>
+            </a:fld>
+            <a:endParaRPr lang="en-US"/>
+          </a:p>
+        </p:txBody>
+      </p:sp>
+      <p:sp>
+        <p:nvSpPr>
+          <p:cNvPr id="6" name="Footer Placeholder 5"/>
+          <p:cNvSpPr>
+            <a:spLocks noGrp="1"/>
+          </p:cNvSpPr>
+          <p:nvPr>
+            <p:ph type="ftr" sz="quarter" idx="11"/>
+          </p:nvPr>
+        </p:nvSpPr>
+        <p:spPr/>
+        <p:txBody>
+          <a:bodyPr/>
+          <a:lstStyle/>
+          <a:p>
+            <a:endParaRPr lang="en-US"/>
+          </a:p>
+        </p:txBody>
+      </p:sp>
+      <p:sp>
+        <p:nvSpPr>
+          <p:cNvPr id="7" name="Slide Number Placeholder 6"/>
+          <p:cNvSpPr>
+            <a:spLocks noGrp="1"/>
+          </p:cNvSpPr>
+          <p:nvPr>
+            <p:ph type="sldNum" sz="quarter" idx="12"/>
+          </p:nvPr>
+        </p:nvSpPr>
+        <p:spPr/>
+        <p:txBody>
+          <a:bodyPr/>
+          <a:lstStyle/>
+          <a:p>
+            <a:fld id="{B6F15528-21DE-4FAA-801E-634DDDAF4B2B}" type="slidenum">
+              <a:rPr lang="en-US" smtClean="0"/>
+              <a:pPr/>
+              <a:t>‹#›</a:t>
+            </a:fld>
+            <a:endParaRPr lang="en-US"/>
+          </a:p>
+        </p:txBody>
+      </p:sp>
+    </p:spTree>
+  </p:cSld>
+  <p:clrMapOvr>
+    <a:masterClrMapping/>
+  </p:clrMapOvr>
+  <p:transition>
+    <p:push dir="u"/>
+  </p:transition>
+  <p:timing>
+    <p:tnLst>
+      <p:par>
+        <p:cTn id="1" dur="indefinite" restart="never" nodeType="tmRoot"/>
+      </p:par>
+    </p:tnLst>
+  </p:timing>
 </p:sldLayout>
 </file>
 
@@ -3634,7 +6413,7 @@
             <a:fld id="{1D8BD707-D9CF-40AE-B4C6-C98DA3205C09}" type="datetimeFigureOut">
               <a:rPr lang="en-US" smtClean="0"/>
               <a:pPr/>
-              <a:t>13-May-14</a:t>
+              <a:t>16-May-14</a:t>
             </a:fld>
             <a:endParaRPr lang="en-US"/>
           </a:p>
@@ -3688,6 +6467,654 @@
   <p:clrMapOvr>
     <a:masterClrMapping/>
   </p:clrMapOvr>
+  <p:transition>
+    <p:push dir="u"/>
+  </p:transition>
+</p:sldLayout>
+</file>
+
+<file path=ppt/slideLayouts/slideLayout20.xml><?xml version="1.0" encoding="utf-8"?>
+<p:sldLayout xmlns:a="http://schemas.openxmlformats.org/drawingml/2006/main" xmlns:r="http://schemas.openxmlformats.org/officeDocument/2006/relationships" xmlns:p="http://schemas.openxmlformats.org/presentationml/2006/main" type="picTx" preserve="1">
+  <p:cSld name="Picture with Caption">
+    <p:spTree>
+      <p:nvGrpSpPr>
+        <p:cNvPr id="1" name=""/>
+        <p:cNvGrpSpPr/>
+        <p:nvPr/>
+      </p:nvGrpSpPr>
+      <p:grpSpPr>
+        <a:xfrm>
+          <a:off x="0" y="0"/>
+          <a:ext cx="0" cy="0"/>
+          <a:chOff x="0" y="0"/>
+          <a:chExt cx="0" cy="0"/>
+        </a:xfrm>
+      </p:grpSpPr>
+      <p:sp>
+        <p:nvSpPr>
+          <p:cNvPr id="2" name="Title 1"/>
+          <p:cNvSpPr>
+            <a:spLocks noGrp="1"/>
+          </p:cNvSpPr>
+          <p:nvPr>
+            <p:ph type="title"/>
+          </p:nvPr>
+        </p:nvSpPr>
+        <p:spPr>
+          <a:xfrm>
+            <a:off x="1679576" y="228600"/>
+            <a:ext cx="5711824" cy="895350"/>
+          </a:xfrm>
+        </p:spPr>
+        <p:txBody>
+          <a:bodyPr anchor="b"/>
+          <a:lstStyle>
+            <a:lvl1pPr algn="ctr">
+              <a:lnSpc>
+                <a:spcPct val="100000"/>
+              </a:lnSpc>
+              <a:defRPr sz="2800" b="0"/>
+            </a:lvl1pPr>
+          </a:lstStyle>
+          <a:p>
+            <a:r>
+              <a:rPr lang="en-US" smtClean="0"/>
+              <a:t>Click to edit Master title style</a:t>
+            </a:r>
+            <a:endParaRPr lang="en-US" dirty="0"/>
+          </a:p>
+        </p:txBody>
+      </p:sp>
+      <p:sp>
+        <p:nvSpPr>
+          <p:cNvPr id="3" name="Picture Placeholder 2"/>
+          <p:cNvSpPr>
+            <a:spLocks noGrp="1"/>
+          </p:cNvSpPr>
+          <p:nvPr>
+            <p:ph type="pic" idx="1"/>
+          </p:nvPr>
+        </p:nvSpPr>
+        <p:spPr>
+          <a:xfrm>
+            <a:off x="1508126" y="1143000"/>
+            <a:ext cx="6054724" cy="4541044"/>
+          </a:xfrm>
+          <a:ln w="76200">
+            <a:solidFill>
+              <a:schemeClr val="bg1"/>
+            </a:solidFill>
+          </a:ln>
+          <a:effectLst>
+            <a:outerShdw blurRad="88900" dist="50800" dir="5400000" algn="ctr" rotWithShape="0">
+              <a:srgbClr val="000000">
+                <a:alpha val="25000"/>
+              </a:srgbClr>
+            </a:outerShdw>
+          </a:effectLst>
+        </p:spPr>
+        <p:txBody>
+          <a:bodyPr anchor="t"/>
+          <a:lstStyle>
+            <a:lvl1pPr marL="0" indent="0" algn="ctr">
+              <a:buNone/>
+              <a:defRPr sz="3200"/>
+            </a:lvl1pPr>
+            <a:lvl2pPr marL="457200" indent="0">
+              <a:buNone/>
+              <a:defRPr sz="2800"/>
+            </a:lvl2pPr>
+            <a:lvl3pPr marL="914400" indent="0">
+              <a:buNone/>
+              <a:defRPr sz="2400"/>
+            </a:lvl3pPr>
+            <a:lvl4pPr marL="1371600" indent="0">
+              <a:buNone/>
+              <a:defRPr sz="2000"/>
+            </a:lvl4pPr>
+            <a:lvl5pPr marL="1828800" indent="0">
+              <a:buNone/>
+              <a:defRPr sz="2000"/>
+            </a:lvl5pPr>
+            <a:lvl6pPr marL="2286000" indent="0">
+              <a:buNone/>
+              <a:defRPr sz="2000"/>
+            </a:lvl6pPr>
+            <a:lvl7pPr marL="2743200" indent="0">
+              <a:buNone/>
+              <a:defRPr sz="2000"/>
+            </a:lvl7pPr>
+            <a:lvl8pPr marL="3200400" indent="0">
+              <a:buNone/>
+              <a:defRPr sz="2000"/>
+            </a:lvl8pPr>
+            <a:lvl9pPr marL="3657600" indent="0">
+              <a:buNone/>
+              <a:defRPr sz="2000"/>
+            </a:lvl9pPr>
+          </a:lstStyle>
+          <a:p>
+            <a:r>
+              <a:rPr lang="en-US" smtClean="0"/>
+              <a:t>Click icon to add picture</a:t>
+            </a:r>
+            <a:endParaRPr lang="en-US" dirty="0"/>
+          </a:p>
+        </p:txBody>
+      </p:sp>
+      <p:sp>
+        <p:nvSpPr>
+          <p:cNvPr id="4" name="Text Placeholder 3"/>
+          <p:cNvSpPr>
+            <a:spLocks noGrp="1"/>
+          </p:cNvSpPr>
+          <p:nvPr>
+            <p:ph type="body" sz="half" idx="2"/>
+          </p:nvPr>
+        </p:nvSpPr>
+        <p:spPr>
+          <a:xfrm>
+            <a:off x="1679576" y="5810250"/>
+            <a:ext cx="5711824" cy="533400"/>
+          </a:xfrm>
+        </p:spPr>
+        <p:txBody>
+          <a:bodyPr>
+            <a:normAutofit/>
+          </a:bodyPr>
+          <a:lstStyle>
+            <a:lvl1pPr marL="0" indent="0" algn="ctr">
+              <a:buNone/>
+              <a:defRPr sz="1600"/>
+            </a:lvl1pPr>
+            <a:lvl2pPr marL="457200" indent="0">
+              <a:buNone/>
+              <a:defRPr sz="1200"/>
+            </a:lvl2pPr>
+            <a:lvl3pPr marL="914400" indent="0">
+              <a:buNone/>
+              <a:defRPr sz="1000"/>
+            </a:lvl3pPr>
+            <a:lvl4pPr marL="1371600" indent="0">
+              <a:buNone/>
+              <a:defRPr sz="900"/>
+            </a:lvl4pPr>
+            <a:lvl5pPr marL="1828800" indent="0">
+              <a:buNone/>
+              <a:defRPr sz="900"/>
+            </a:lvl5pPr>
+            <a:lvl6pPr marL="2286000" indent="0">
+              <a:buNone/>
+              <a:defRPr sz="900"/>
+            </a:lvl6pPr>
+            <a:lvl7pPr marL="2743200" indent="0">
+              <a:buNone/>
+              <a:defRPr sz="900"/>
+            </a:lvl7pPr>
+            <a:lvl8pPr marL="3200400" indent="0">
+              <a:buNone/>
+              <a:defRPr sz="900"/>
+            </a:lvl8pPr>
+            <a:lvl9pPr marL="3657600" indent="0">
+              <a:buNone/>
+              <a:defRPr sz="900"/>
+            </a:lvl9pPr>
+          </a:lstStyle>
+          <a:p>
+            <a:pPr lvl="0"/>
+            <a:r>
+              <a:rPr lang="en-US" smtClean="0"/>
+              <a:t>Click to edit Master text styles</a:t>
+            </a:r>
+          </a:p>
+        </p:txBody>
+      </p:sp>
+      <p:sp>
+        <p:nvSpPr>
+          <p:cNvPr id="5" name="Date Placeholder 4"/>
+          <p:cNvSpPr>
+            <a:spLocks noGrp="1"/>
+          </p:cNvSpPr>
+          <p:nvPr>
+            <p:ph type="dt" sz="half" idx="10"/>
+          </p:nvPr>
+        </p:nvSpPr>
+        <p:spPr/>
+        <p:txBody>
+          <a:bodyPr/>
+          <a:lstStyle/>
+          <a:p>
+            <a:fld id="{1D8BD707-D9CF-40AE-B4C6-C98DA3205C09}" type="datetimeFigureOut">
+              <a:rPr lang="en-US" smtClean="0"/>
+              <a:pPr/>
+              <a:t>16-May-14</a:t>
+            </a:fld>
+            <a:endParaRPr lang="en-US"/>
+          </a:p>
+        </p:txBody>
+      </p:sp>
+      <p:sp>
+        <p:nvSpPr>
+          <p:cNvPr id="6" name="Footer Placeholder 5"/>
+          <p:cNvSpPr>
+            <a:spLocks noGrp="1"/>
+          </p:cNvSpPr>
+          <p:nvPr>
+            <p:ph type="ftr" sz="quarter" idx="11"/>
+          </p:nvPr>
+        </p:nvSpPr>
+        <p:spPr/>
+        <p:txBody>
+          <a:bodyPr/>
+          <a:lstStyle/>
+          <a:p>
+            <a:endParaRPr lang="en-US"/>
+          </a:p>
+        </p:txBody>
+      </p:sp>
+      <p:sp>
+        <p:nvSpPr>
+          <p:cNvPr id="7" name="Slide Number Placeholder 6"/>
+          <p:cNvSpPr>
+            <a:spLocks noGrp="1"/>
+          </p:cNvSpPr>
+          <p:nvPr>
+            <p:ph type="sldNum" sz="quarter" idx="12"/>
+          </p:nvPr>
+        </p:nvSpPr>
+        <p:spPr/>
+        <p:txBody>
+          <a:bodyPr/>
+          <a:lstStyle/>
+          <a:p>
+            <a:fld id="{B6F15528-21DE-4FAA-801E-634DDDAF4B2B}" type="slidenum">
+              <a:rPr lang="en-US" smtClean="0"/>
+              <a:pPr/>
+              <a:t>‹#›</a:t>
+            </a:fld>
+            <a:endParaRPr lang="en-US"/>
+          </a:p>
+        </p:txBody>
+      </p:sp>
+    </p:spTree>
+  </p:cSld>
+  <p:clrMapOvr>
+    <a:masterClrMapping/>
+  </p:clrMapOvr>
+  <p:transition>
+    <p:push dir="u"/>
+  </p:transition>
+  <p:timing>
+    <p:tnLst>
+      <p:par>
+        <p:cTn id="1" dur="indefinite" restart="never" nodeType="tmRoot"/>
+      </p:par>
+    </p:tnLst>
+  </p:timing>
+</p:sldLayout>
+</file>
+
+<file path=ppt/slideLayouts/slideLayout21.xml><?xml version="1.0" encoding="utf-8"?>
+<p:sldLayout xmlns:a="http://schemas.openxmlformats.org/drawingml/2006/main" xmlns:r="http://schemas.openxmlformats.org/officeDocument/2006/relationships" xmlns:p="http://schemas.openxmlformats.org/presentationml/2006/main" type="vertTx" preserve="1">
+  <p:cSld name="Title and Vertical Text">
+    <p:spTree>
+      <p:nvGrpSpPr>
+        <p:cNvPr id="1" name=""/>
+        <p:cNvGrpSpPr/>
+        <p:nvPr/>
+      </p:nvGrpSpPr>
+      <p:grpSpPr>
+        <a:xfrm>
+          <a:off x="0" y="0"/>
+          <a:ext cx="0" cy="0"/>
+          <a:chOff x="0" y="0"/>
+          <a:chExt cx="0" cy="0"/>
+        </a:xfrm>
+      </p:grpSpPr>
+      <p:sp>
+        <p:nvSpPr>
+          <p:cNvPr id="2" name="Title 1"/>
+          <p:cNvSpPr>
+            <a:spLocks noGrp="1"/>
+          </p:cNvSpPr>
+          <p:nvPr>
+            <p:ph type="title"/>
+          </p:nvPr>
+        </p:nvSpPr>
+        <p:spPr/>
+        <p:txBody>
+          <a:bodyPr/>
+          <a:lstStyle/>
+          <a:p>
+            <a:r>
+              <a:rPr lang="en-US" smtClean="0"/>
+              <a:t>Click to edit Master title style</a:t>
+            </a:r>
+            <a:endParaRPr lang="en-US" dirty="0"/>
+          </a:p>
+        </p:txBody>
+      </p:sp>
+      <p:sp>
+        <p:nvSpPr>
+          <p:cNvPr id="3" name="Vertical Text Placeholder 2"/>
+          <p:cNvSpPr>
+            <a:spLocks noGrp="1"/>
+          </p:cNvSpPr>
+          <p:nvPr>
+            <p:ph type="body" orient="vert" idx="1"/>
+          </p:nvPr>
+        </p:nvSpPr>
+        <p:spPr/>
+        <p:txBody>
+          <a:bodyPr vert="eaVert"/>
+          <a:lstStyle/>
+          <a:p>
+            <a:pPr lvl="0"/>
+            <a:r>
+              <a:rPr lang="en-US" smtClean="0"/>
+              <a:t>Click to edit Master text styles</a:t>
+            </a:r>
+          </a:p>
+          <a:p>
+            <a:pPr lvl="1"/>
+            <a:r>
+              <a:rPr lang="en-US" smtClean="0"/>
+              <a:t>Second level</a:t>
+            </a:r>
+          </a:p>
+          <a:p>
+            <a:pPr lvl="2"/>
+            <a:r>
+              <a:rPr lang="en-US" smtClean="0"/>
+              <a:t>Third level</a:t>
+            </a:r>
+          </a:p>
+          <a:p>
+            <a:pPr lvl="3"/>
+            <a:r>
+              <a:rPr lang="en-US" smtClean="0"/>
+              <a:t>Fourth level</a:t>
+            </a:r>
+          </a:p>
+          <a:p>
+            <a:pPr lvl="4"/>
+            <a:r>
+              <a:rPr lang="en-US" smtClean="0"/>
+              <a:t>Fifth level</a:t>
+            </a:r>
+            <a:endParaRPr lang="en-US"/>
+          </a:p>
+        </p:txBody>
+      </p:sp>
+      <p:sp>
+        <p:nvSpPr>
+          <p:cNvPr id="4" name="Date Placeholder 3"/>
+          <p:cNvSpPr>
+            <a:spLocks noGrp="1"/>
+          </p:cNvSpPr>
+          <p:nvPr>
+            <p:ph type="dt" sz="half" idx="10"/>
+          </p:nvPr>
+        </p:nvSpPr>
+        <p:spPr/>
+        <p:txBody>
+          <a:bodyPr/>
+          <a:lstStyle/>
+          <a:p>
+            <a:fld id="{1D8BD707-D9CF-40AE-B4C6-C98DA3205C09}" type="datetimeFigureOut">
+              <a:rPr lang="en-US" smtClean="0"/>
+              <a:pPr/>
+              <a:t>16-May-14</a:t>
+            </a:fld>
+            <a:endParaRPr lang="en-US"/>
+          </a:p>
+        </p:txBody>
+      </p:sp>
+      <p:sp>
+        <p:nvSpPr>
+          <p:cNvPr id="5" name="Footer Placeholder 4"/>
+          <p:cNvSpPr>
+            <a:spLocks noGrp="1"/>
+          </p:cNvSpPr>
+          <p:nvPr>
+            <p:ph type="ftr" sz="quarter" idx="11"/>
+          </p:nvPr>
+        </p:nvSpPr>
+        <p:spPr/>
+        <p:txBody>
+          <a:bodyPr/>
+          <a:lstStyle/>
+          <a:p>
+            <a:endParaRPr lang="en-US"/>
+          </a:p>
+        </p:txBody>
+      </p:sp>
+      <p:sp>
+        <p:nvSpPr>
+          <p:cNvPr id="6" name="Slide Number Placeholder 5"/>
+          <p:cNvSpPr>
+            <a:spLocks noGrp="1"/>
+          </p:cNvSpPr>
+          <p:nvPr>
+            <p:ph type="sldNum" sz="quarter" idx="12"/>
+          </p:nvPr>
+        </p:nvSpPr>
+        <p:spPr/>
+        <p:txBody>
+          <a:bodyPr/>
+          <a:lstStyle/>
+          <a:p>
+            <a:fld id="{B6F15528-21DE-4FAA-801E-634DDDAF4B2B}" type="slidenum">
+              <a:rPr lang="en-US" smtClean="0"/>
+              <a:pPr/>
+              <a:t>‹#›</a:t>
+            </a:fld>
+            <a:endParaRPr lang="en-US"/>
+          </a:p>
+        </p:txBody>
+      </p:sp>
+    </p:spTree>
+  </p:cSld>
+  <p:clrMapOvr>
+    <a:masterClrMapping/>
+  </p:clrMapOvr>
+  <p:transition>
+    <p:push dir="u"/>
+  </p:transition>
+  <p:timing>
+    <p:tnLst>
+      <p:par>
+        <p:cTn id="1" dur="indefinite" restart="never" nodeType="tmRoot"/>
+      </p:par>
+    </p:tnLst>
+  </p:timing>
+</p:sldLayout>
+</file>
+
+<file path=ppt/slideLayouts/slideLayout22.xml><?xml version="1.0" encoding="utf-8"?>
+<p:sldLayout xmlns:a="http://schemas.openxmlformats.org/drawingml/2006/main" xmlns:r="http://schemas.openxmlformats.org/officeDocument/2006/relationships" xmlns:p="http://schemas.openxmlformats.org/presentationml/2006/main" type="vertTitleAndTx" preserve="1">
+  <p:cSld name="Vertical Title and Text">
+    <p:spTree>
+      <p:nvGrpSpPr>
+        <p:cNvPr id="1" name=""/>
+        <p:cNvGrpSpPr/>
+        <p:nvPr/>
+      </p:nvGrpSpPr>
+      <p:grpSpPr>
+        <a:xfrm>
+          <a:off x="0" y="0"/>
+          <a:ext cx="0" cy="0"/>
+          <a:chOff x="0" y="0"/>
+          <a:chExt cx="0" cy="0"/>
+        </a:xfrm>
+      </p:grpSpPr>
+      <p:sp>
+        <p:nvSpPr>
+          <p:cNvPr id="2" name="Vertical Title 1"/>
+          <p:cNvSpPr>
+            <a:spLocks noGrp="1"/>
+          </p:cNvSpPr>
+          <p:nvPr>
+            <p:ph type="title" orient="vert"/>
+          </p:nvPr>
+        </p:nvSpPr>
+        <p:spPr>
+          <a:xfrm>
+            <a:off x="6629400" y="274638"/>
+            <a:ext cx="2057400" cy="5851525"/>
+          </a:xfrm>
+        </p:spPr>
+        <p:txBody>
+          <a:bodyPr vert="eaVert"/>
+          <a:lstStyle/>
+          <a:p>
+            <a:r>
+              <a:rPr lang="en-US" smtClean="0"/>
+              <a:t>Click to edit Master title style</a:t>
+            </a:r>
+            <a:endParaRPr lang="en-US" dirty="0"/>
+          </a:p>
+        </p:txBody>
+      </p:sp>
+      <p:sp>
+        <p:nvSpPr>
+          <p:cNvPr id="3" name="Vertical Text Placeholder 2"/>
+          <p:cNvSpPr>
+            <a:spLocks noGrp="1"/>
+          </p:cNvSpPr>
+          <p:nvPr>
+            <p:ph type="body" orient="vert" idx="1"/>
+          </p:nvPr>
+        </p:nvSpPr>
+        <p:spPr>
+          <a:xfrm>
+            <a:off x="457200" y="274638"/>
+            <a:ext cx="6019800" cy="5851525"/>
+          </a:xfrm>
+        </p:spPr>
+        <p:txBody>
+          <a:bodyPr vert="eaVert"/>
+          <a:lstStyle/>
+          <a:p>
+            <a:pPr lvl="0"/>
+            <a:r>
+              <a:rPr lang="en-US" smtClean="0"/>
+              <a:t>Click to edit Master text styles</a:t>
+            </a:r>
+          </a:p>
+          <a:p>
+            <a:pPr lvl="1"/>
+            <a:r>
+              <a:rPr lang="en-US" smtClean="0"/>
+              <a:t>Second level</a:t>
+            </a:r>
+          </a:p>
+          <a:p>
+            <a:pPr lvl="2"/>
+            <a:r>
+              <a:rPr lang="en-US" smtClean="0"/>
+              <a:t>Third level</a:t>
+            </a:r>
+          </a:p>
+          <a:p>
+            <a:pPr lvl="3"/>
+            <a:r>
+              <a:rPr lang="en-US" smtClean="0"/>
+              <a:t>Fourth level</a:t>
+            </a:r>
+          </a:p>
+          <a:p>
+            <a:pPr lvl="4"/>
+            <a:r>
+              <a:rPr lang="en-US" smtClean="0"/>
+              <a:t>Fifth level</a:t>
+            </a:r>
+            <a:endParaRPr lang="en-US"/>
+          </a:p>
+        </p:txBody>
+      </p:sp>
+      <p:sp>
+        <p:nvSpPr>
+          <p:cNvPr id="4" name="Date Placeholder 3"/>
+          <p:cNvSpPr>
+            <a:spLocks noGrp="1"/>
+          </p:cNvSpPr>
+          <p:nvPr>
+            <p:ph type="dt" sz="half" idx="10"/>
+          </p:nvPr>
+        </p:nvSpPr>
+        <p:spPr/>
+        <p:txBody>
+          <a:bodyPr/>
+          <a:lstStyle/>
+          <a:p>
+            <a:fld id="{1D8BD707-D9CF-40AE-B4C6-C98DA3205C09}" type="datetimeFigureOut">
+              <a:rPr lang="en-US" smtClean="0"/>
+              <a:pPr/>
+              <a:t>16-May-14</a:t>
+            </a:fld>
+            <a:endParaRPr lang="en-US"/>
+          </a:p>
+        </p:txBody>
+      </p:sp>
+      <p:sp>
+        <p:nvSpPr>
+          <p:cNvPr id="5" name="Footer Placeholder 4"/>
+          <p:cNvSpPr>
+            <a:spLocks noGrp="1"/>
+          </p:cNvSpPr>
+          <p:nvPr>
+            <p:ph type="ftr" sz="quarter" idx="11"/>
+          </p:nvPr>
+        </p:nvSpPr>
+        <p:spPr/>
+        <p:txBody>
+          <a:bodyPr/>
+          <a:lstStyle/>
+          <a:p>
+            <a:endParaRPr lang="en-US"/>
+          </a:p>
+        </p:txBody>
+      </p:sp>
+      <p:sp>
+        <p:nvSpPr>
+          <p:cNvPr id="6" name="Slide Number Placeholder 5"/>
+          <p:cNvSpPr>
+            <a:spLocks noGrp="1"/>
+          </p:cNvSpPr>
+          <p:nvPr>
+            <p:ph type="sldNum" sz="quarter" idx="12"/>
+          </p:nvPr>
+        </p:nvSpPr>
+        <p:spPr/>
+        <p:txBody>
+          <a:bodyPr/>
+          <a:lstStyle/>
+          <a:p>
+            <a:fld id="{B6F15528-21DE-4FAA-801E-634DDDAF4B2B}" type="slidenum">
+              <a:rPr lang="en-US" smtClean="0"/>
+              <a:pPr/>
+              <a:t>‹#›</a:t>
+            </a:fld>
+            <a:endParaRPr lang="en-US"/>
+          </a:p>
+        </p:txBody>
+      </p:sp>
+    </p:spTree>
+  </p:cSld>
+  <p:clrMapOvr>
+    <a:masterClrMapping/>
+  </p:clrMapOvr>
+  <p:transition>
+    <p:push dir="u"/>
+  </p:transition>
+  <p:timing>
+    <p:tnLst>
+      <p:par>
+        <p:cTn id="1" dur="indefinite" restart="never" nodeType="tmRoot"/>
+      </p:par>
+    </p:tnLst>
+  </p:timing>
 </p:sldLayout>
 </file>
 
@@ -3877,7 +7304,7 @@
             <a:fld id="{1D8BD707-D9CF-40AE-B4C6-C98DA3205C09}" type="datetimeFigureOut">
               <a:rPr lang="en-US" smtClean="0"/>
               <a:pPr/>
-              <a:t>13-May-14</a:t>
+              <a:t>16-May-14</a:t>
             </a:fld>
             <a:endParaRPr lang="en-US"/>
           </a:p>
@@ -3931,6 +7358,9 @@
   <p:clrMapOvr>
     <a:masterClrMapping/>
   </p:clrMapOvr>
+  <p:transition>
+    <p:push dir="u"/>
+  </p:transition>
 </p:sldLayout>
 </file>
 
@@ -4162,7 +7592,7 @@
             <a:fld id="{1D8BD707-D9CF-40AE-B4C6-C98DA3205C09}" type="datetimeFigureOut">
               <a:rPr lang="en-US" smtClean="0"/>
               <a:pPr/>
-              <a:t>13-May-14</a:t>
+              <a:t>16-May-14</a:t>
             </a:fld>
             <a:endParaRPr lang="en-US"/>
           </a:p>
@@ -4216,6 +7646,9 @@
   <p:clrMapOvr>
     <a:masterClrMapping/>
   </p:clrMapOvr>
+  <p:transition>
+    <p:push dir="u"/>
+  </p:transition>
 </p:sldLayout>
 </file>
 
@@ -4581,7 +8014,7 @@
             <a:fld id="{1D8BD707-D9CF-40AE-B4C6-C98DA3205C09}" type="datetimeFigureOut">
               <a:rPr lang="en-US" smtClean="0"/>
               <a:pPr/>
-              <a:t>13-May-14</a:t>
+              <a:t>16-May-14</a:t>
             </a:fld>
             <a:endParaRPr lang="en-US"/>
           </a:p>
@@ -4635,6 +8068,9 @@
   <p:clrMapOvr>
     <a:masterClrMapping/>
   </p:clrMapOvr>
+  <p:transition>
+    <p:push dir="u"/>
+  </p:transition>
 </p:sldLayout>
 </file>
 
@@ -4696,7 +8132,7 @@
             <a:fld id="{1D8BD707-D9CF-40AE-B4C6-C98DA3205C09}" type="datetimeFigureOut">
               <a:rPr lang="en-US" smtClean="0"/>
               <a:pPr/>
-              <a:t>13-May-14</a:t>
+              <a:t>16-May-14</a:t>
             </a:fld>
             <a:endParaRPr lang="en-US"/>
           </a:p>
@@ -4750,6 +8186,9 @@
   <p:clrMapOvr>
     <a:masterClrMapping/>
   </p:clrMapOvr>
+  <p:transition>
+    <p:push dir="u"/>
+  </p:transition>
 </p:sldLayout>
 </file>
 
@@ -4788,7 +8227,7 @@
             <a:fld id="{1D8BD707-D9CF-40AE-B4C6-C98DA3205C09}" type="datetimeFigureOut">
               <a:rPr lang="en-US" smtClean="0"/>
               <a:pPr/>
-              <a:t>13-May-14</a:t>
+              <a:t>16-May-14</a:t>
             </a:fld>
             <a:endParaRPr lang="en-US"/>
           </a:p>
@@ -4842,6 +8281,9 @@
   <p:clrMapOvr>
     <a:masterClrMapping/>
   </p:clrMapOvr>
+  <p:transition>
+    <p:push dir="u"/>
+  </p:transition>
 </p:sldLayout>
 </file>
 
@@ -5062,7 +8504,7 @@
             <a:fld id="{1D8BD707-D9CF-40AE-B4C6-C98DA3205C09}" type="datetimeFigureOut">
               <a:rPr lang="en-US" smtClean="0"/>
               <a:pPr/>
-              <a:t>13-May-14</a:t>
+              <a:t>16-May-14</a:t>
             </a:fld>
             <a:endParaRPr lang="en-US"/>
           </a:p>
@@ -5116,6 +8558,9 @@
   <p:clrMapOvr>
     <a:masterClrMapping/>
   </p:clrMapOvr>
+  <p:transition>
+    <p:push dir="u"/>
+  </p:transition>
 </p:sldLayout>
 </file>
 
@@ -5312,7 +8757,7 @@
             <a:fld id="{1D8BD707-D9CF-40AE-B4C6-C98DA3205C09}" type="datetimeFigureOut">
               <a:rPr lang="en-US" smtClean="0"/>
               <a:pPr/>
-              <a:t>13-May-14</a:t>
+              <a:t>16-May-14</a:t>
             </a:fld>
             <a:endParaRPr lang="en-US"/>
           </a:p>
@@ -5366,6 +8811,9 @@
   <p:clrMapOvr>
     <a:masterClrMapping/>
   </p:clrMapOvr>
+  <p:transition>
+    <p:push dir="u"/>
+  </p:transition>
 </p:sldLayout>
 </file>
 
@@ -5522,7 +8970,7 @@
             <a:fld id="{1D8BD707-D9CF-40AE-B4C6-C98DA3205C09}" type="datetimeFigureOut">
               <a:rPr lang="en-US" smtClean="0"/>
               <a:pPr/>
-              <a:t>13-May-14</a:t>
+              <a:t>16-May-14</a:t>
             </a:fld>
             <a:endParaRPr lang="en-US"/>
           </a:p>
@@ -5623,6 +9071,9 @@
     <p:sldLayoutId id="2147483658" r:id="rId10"/>
     <p:sldLayoutId id="2147483659" r:id="rId11"/>
   </p:sldLayoutIdLst>
+  <p:transition>
+    <p:push dir="u"/>
+  </p:transition>
   <p:txStyles>
     <p:titleStyle>
       <a:lvl1pPr algn="ctr" defTabSz="914400" rtl="0" eaLnBrk="1" latinLnBrk="0" hangingPunct="1">
@@ -5876,6 +9327,673 @@
 </p:sldMaster>
 </file>
 
+<file path=ppt/slideMasters/slideMaster2.xml><?xml version="1.0" encoding="utf-8"?>
+<p:sldMaster xmlns:a="http://schemas.openxmlformats.org/drawingml/2006/main" xmlns:r="http://schemas.openxmlformats.org/officeDocument/2006/relationships" xmlns:p="http://schemas.openxmlformats.org/presentationml/2006/main">
+  <p:cSld>
+    <p:bg>
+      <p:bgRef idx="1002">
+        <a:schemeClr val="bg1"/>
+      </p:bgRef>
+    </p:bg>
+    <p:spTree>
+      <p:nvGrpSpPr>
+        <p:cNvPr id="1" name=""/>
+        <p:cNvGrpSpPr/>
+        <p:nvPr/>
+      </p:nvGrpSpPr>
+      <p:grpSpPr>
+        <a:xfrm>
+          <a:off x="0" y="0"/>
+          <a:ext cx="0" cy="0"/>
+          <a:chOff x="0" y="0"/>
+          <a:chExt cx="0" cy="0"/>
+        </a:xfrm>
+      </p:grpSpPr>
+      <p:sp>
+        <p:nvSpPr>
+          <p:cNvPr id="2" name="Title Placeholder 1"/>
+          <p:cNvSpPr>
+            <a:spLocks noGrp="1"/>
+          </p:cNvSpPr>
+          <p:nvPr>
+            <p:ph type="title"/>
+          </p:nvPr>
+        </p:nvSpPr>
+        <p:spPr>
+          <a:xfrm>
+            <a:off x="457200" y="0"/>
+            <a:ext cx="8229600" cy="1600200"/>
+          </a:xfrm>
+          <a:prstGeom prst="rect">
+            <a:avLst/>
+          </a:prstGeom>
+        </p:spPr>
+        <p:txBody>
+          <a:bodyPr vert="horz" lIns="91440" tIns="45720" rIns="91440" bIns="45720" rtlCol="0" anchor="b">
+            <a:noAutofit/>
+          </a:bodyPr>
+          <a:lstStyle/>
+          <a:p>
+            <a:r>
+              <a:rPr lang="en-US" smtClean="0"/>
+              <a:t>Click to edit Master title style</a:t>
+            </a:r>
+            <a:endParaRPr lang="en-US" dirty="0"/>
+          </a:p>
+        </p:txBody>
+      </p:sp>
+      <p:sp>
+        <p:nvSpPr>
+          <p:cNvPr id="3" name="Text Placeholder 2"/>
+          <p:cNvSpPr>
+            <a:spLocks noGrp="1"/>
+          </p:cNvSpPr>
+          <p:nvPr>
+            <p:ph type="body" idx="1"/>
+          </p:nvPr>
+        </p:nvSpPr>
+        <p:spPr>
+          <a:xfrm>
+            <a:off x="457200" y="1600200"/>
+            <a:ext cx="8229600" cy="4525963"/>
+          </a:xfrm>
+          <a:prstGeom prst="rect">
+            <a:avLst/>
+          </a:prstGeom>
+        </p:spPr>
+        <p:txBody>
+          <a:bodyPr vert="horz" lIns="91440" tIns="45720" rIns="91440" bIns="45720" rtlCol="0">
+            <a:normAutofit/>
+          </a:bodyPr>
+          <a:lstStyle/>
+          <a:p>
+            <a:pPr lvl="0"/>
+            <a:r>
+              <a:rPr lang="en-US" smtClean="0"/>
+              <a:t>Click to edit Master text styles</a:t>
+            </a:r>
+          </a:p>
+          <a:p>
+            <a:pPr lvl="1"/>
+            <a:r>
+              <a:rPr lang="en-US" smtClean="0"/>
+              <a:t>Second level</a:t>
+            </a:r>
+          </a:p>
+          <a:p>
+            <a:pPr lvl="2"/>
+            <a:r>
+              <a:rPr lang="en-US" smtClean="0"/>
+              <a:t>Third level</a:t>
+            </a:r>
+          </a:p>
+          <a:p>
+            <a:pPr lvl="3"/>
+            <a:r>
+              <a:rPr lang="en-US" smtClean="0"/>
+              <a:t>Fourth level</a:t>
+            </a:r>
+          </a:p>
+          <a:p>
+            <a:pPr lvl="4"/>
+            <a:r>
+              <a:rPr lang="en-US" smtClean="0"/>
+              <a:t>Fifth level</a:t>
+            </a:r>
+            <a:endParaRPr lang="en-US" dirty="0" smtClean="0"/>
+          </a:p>
+        </p:txBody>
+      </p:sp>
+      <p:sp>
+        <p:nvSpPr>
+          <p:cNvPr id="4" name="Date Placeholder 3"/>
+          <p:cNvSpPr>
+            <a:spLocks noGrp="1"/>
+          </p:cNvSpPr>
+          <p:nvPr>
+            <p:ph type="dt" sz="half" idx="2"/>
+          </p:nvPr>
+        </p:nvSpPr>
+        <p:spPr>
+          <a:xfrm>
+            <a:off x="6363347" y="6356350"/>
+            <a:ext cx="2085975" cy="365125"/>
+          </a:xfrm>
+          <a:prstGeom prst="rect">
+            <a:avLst/>
+          </a:prstGeom>
+        </p:spPr>
+        <p:txBody>
+          <a:bodyPr vert="horz" lIns="91440" tIns="45720" rIns="45720" bIns="45720" rtlCol="0" anchor="ctr"/>
+          <a:lstStyle>
+            <a:lvl1pPr algn="r">
+              <a:defRPr sz="1200">
+                <a:solidFill>
+                  <a:schemeClr val="tx1">
+                    <a:lumMod val="65000"/>
+                    <a:lumOff val="35000"/>
+                  </a:schemeClr>
+                </a:solidFill>
+                <a:latin typeface="Century Gothic" pitchFamily="34" charset="0"/>
+              </a:defRPr>
+            </a:lvl1pPr>
+          </a:lstStyle>
+          <a:p>
+            <a:fld id="{1D8BD707-D9CF-40AE-B4C6-C98DA3205C09}" type="datetimeFigureOut">
+              <a:rPr lang="en-US" smtClean="0"/>
+              <a:pPr/>
+              <a:t>16-May-14</a:t>
+            </a:fld>
+            <a:endParaRPr lang="en-US"/>
+          </a:p>
+        </p:txBody>
+      </p:sp>
+      <p:sp>
+        <p:nvSpPr>
+          <p:cNvPr id="5" name="Footer Placeholder 4"/>
+          <p:cNvSpPr>
+            <a:spLocks noGrp="1"/>
+          </p:cNvSpPr>
+          <p:nvPr>
+            <p:ph type="ftr" sz="quarter" idx="3"/>
+          </p:nvPr>
+        </p:nvSpPr>
+        <p:spPr>
+          <a:xfrm>
+            <a:off x="659165" y="6356350"/>
+            <a:ext cx="2847975" cy="365125"/>
+          </a:xfrm>
+          <a:prstGeom prst="rect">
+            <a:avLst/>
+          </a:prstGeom>
+        </p:spPr>
+        <p:txBody>
+          <a:bodyPr vert="horz" lIns="45720" tIns="45720" rIns="91440" bIns="45720" rtlCol="0" anchor="ctr"/>
+          <a:lstStyle>
+            <a:lvl1pPr algn="l">
+              <a:defRPr sz="1200">
+                <a:solidFill>
+                  <a:schemeClr val="tx1">
+                    <a:lumMod val="65000"/>
+                    <a:lumOff val="35000"/>
+                  </a:schemeClr>
+                </a:solidFill>
+                <a:latin typeface="Century Gothic" pitchFamily="34" charset="0"/>
+              </a:defRPr>
+            </a:lvl1pPr>
+          </a:lstStyle>
+          <a:p>
+            <a:endParaRPr lang="en-US"/>
+          </a:p>
+        </p:txBody>
+      </p:sp>
+      <p:sp>
+        <p:nvSpPr>
+          <p:cNvPr id="6" name="Slide Number Placeholder 5"/>
+          <p:cNvSpPr>
+            <a:spLocks noGrp="1"/>
+          </p:cNvSpPr>
+          <p:nvPr>
+            <p:ph type="sldNum" sz="quarter" idx="4"/>
+          </p:nvPr>
+        </p:nvSpPr>
+        <p:spPr>
+          <a:xfrm>
+            <a:off x="8543278" y="6356350"/>
+            <a:ext cx="561975" cy="365125"/>
+          </a:xfrm>
+          <a:prstGeom prst="rect">
+            <a:avLst/>
+          </a:prstGeom>
+        </p:spPr>
+        <p:txBody>
+          <a:bodyPr vert="horz" lIns="27432" tIns="45720" rIns="45720" bIns="45720" rtlCol="0" anchor="ctr"/>
+          <a:lstStyle>
+            <a:lvl1pPr algn="l">
+              <a:defRPr sz="1200">
+                <a:solidFill>
+                  <a:schemeClr val="tx1">
+                    <a:lumMod val="65000"/>
+                    <a:lumOff val="35000"/>
+                  </a:schemeClr>
+                </a:solidFill>
+                <a:latin typeface="Century Gothic" pitchFamily="34" charset="0"/>
+              </a:defRPr>
+            </a:lvl1pPr>
+          </a:lstStyle>
+          <a:p>
+            <a:fld id="{B6F15528-21DE-4FAA-801E-634DDDAF4B2B}" type="slidenum">
+              <a:rPr lang="en-US" smtClean="0"/>
+              <a:pPr/>
+              <a:t>‹#›</a:t>
+            </a:fld>
+            <a:endParaRPr lang="en-US"/>
+          </a:p>
+        </p:txBody>
+      </p:sp>
+      <p:sp>
+        <p:nvSpPr>
+          <p:cNvPr id="7" name="Oval 6"/>
+          <p:cNvSpPr/>
+          <p:nvPr/>
+        </p:nvSpPr>
+        <p:spPr>
+          <a:xfrm>
+            <a:off x="8457760" y="6499384"/>
+            <a:ext cx="84772" cy="84772"/>
+          </a:xfrm>
+          <a:prstGeom prst="ellipse">
+            <a:avLst/>
+          </a:prstGeom>
+          <a:solidFill>
+            <a:schemeClr val="tx1">
+              <a:lumMod val="50000"/>
+              <a:lumOff val="50000"/>
+            </a:schemeClr>
+          </a:solidFill>
+          <a:ln w="12700">
+            <a:noFill/>
+          </a:ln>
+          <a:effectLst/>
+        </p:spPr>
+        <p:style>
+          <a:lnRef idx="2">
+            <a:schemeClr val="accent1">
+              <a:shade val="50000"/>
+            </a:schemeClr>
+          </a:lnRef>
+          <a:fillRef idx="1">
+            <a:schemeClr val="accent1"/>
+          </a:fillRef>
+          <a:effectRef idx="0">
+            <a:schemeClr val="accent1"/>
+          </a:effectRef>
+          <a:fontRef idx="minor">
+            <a:schemeClr val="lt1"/>
+          </a:fontRef>
+        </p:style>
+        <p:txBody>
+          <a:bodyPr rtlCol="0" anchor="ctr"/>
+          <a:lstStyle/>
+          <a:p>
+            <a:pPr marL="0" algn="ctr" defTabSz="914400" rtl="0" eaLnBrk="1" latinLnBrk="0" hangingPunct="1"/>
+            <a:endParaRPr lang="en-US" sz="1800" kern="1200">
+              <a:solidFill>
+                <a:schemeClr val="lt1"/>
+              </a:solidFill>
+              <a:latin typeface="+mn-lt"/>
+              <a:ea typeface="+mn-ea"/>
+              <a:cs typeface="+mn-cs"/>
+            </a:endParaRPr>
+          </a:p>
+        </p:txBody>
+      </p:sp>
+      <p:sp>
+        <p:nvSpPr>
+          <p:cNvPr id="8" name="Oval 7"/>
+          <p:cNvSpPr/>
+          <p:nvPr/>
+        </p:nvSpPr>
+        <p:spPr>
+          <a:xfrm>
+            <a:off x="569119" y="6499384"/>
+            <a:ext cx="84772" cy="84772"/>
+          </a:xfrm>
+          <a:prstGeom prst="ellipse">
+            <a:avLst/>
+          </a:prstGeom>
+          <a:solidFill>
+            <a:schemeClr val="tx1">
+              <a:lumMod val="50000"/>
+              <a:lumOff val="50000"/>
+            </a:schemeClr>
+          </a:solidFill>
+          <a:ln w="12700">
+            <a:noFill/>
+          </a:ln>
+          <a:effectLst/>
+        </p:spPr>
+        <p:style>
+          <a:lnRef idx="2">
+            <a:schemeClr val="accent1">
+              <a:shade val="50000"/>
+            </a:schemeClr>
+          </a:lnRef>
+          <a:fillRef idx="1">
+            <a:schemeClr val="accent1"/>
+          </a:fillRef>
+          <a:effectRef idx="0">
+            <a:schemeClr val="accent1"/>
+          </a:effectRef>
+          <a:fontRef idx="minor">
+            <a:schemeClr val="lt1"/>
+          </a:fontRef>
+        </p:style>
+        <p:txBody>
+          <a:bodyPr rtlCol="0" anchor="ctr"/>
+          <a:lstStyle/>
+          <a:p>
+            <a:pPr algn="ctr"/>
+            <a:endParaRPr lang="en-US"/>
+          </a:p>
+        </p:txBody>
+      </p:sp>
+    </p:spTree>
+  </p:cSld>
+  <p:clrMap bg1="lt1" tx1="dk1" bg2="lt2" tx2="dk2" accent1="accent1" accent2="accent2" accent3="accent3" accent4="accent4" accent5="accent5" accent6="accent6" hlink="hlink" folHlink="folHlink"/>
+  <p:sldLayoutIdLst>
+    <p:sldLayoutId id="2147483661" r:id="rId1"/>
+    <p:sldLayoutId id="2147483662" r:id="rId2"/>
+    <p:sldLayoutId id="2147483663" r:id="rId3"/>
+    <p:sldLayoutId id="2147483664" r:id="rId4"/>
+    <p:sldLayoutId id="2147483665" r:id="rId5"/>
+    <p:sldLayoutId id="2147483666" r:id="rId6"/>
+    <p:sldLayoutId id="2147483667" r:id="rId7"/>
+    <p:sldLayoutId id="2147483668" r:id="rId8"/>
+    <p:sldLayoutId id="2147483669" r:id="rId9"/>
+    <p:sldLayoutId id="2147483670" r:id="rId10"/>
+    <p:sldLayoutId id="2147483671" r:id="rId11"/>
+  </p:sldLayoutIdLst>
+  <p:transition>
+    <p:push dir="u"/>
+  </p:transition>
+  <p:timing>
+    <p:tnLst>
+      <p:par>
+        <p:cTn id="1" dur="indefinite" restart="never" nodeType="tmRoot"/>
+      </p:par>
+    </p:tnLst>
+  </p:timing>
+  <p:txStyles>
+    <p:titleStyle>
+      <a:lvl1pPr algn="ctr" defTabSz="914400" rtl="0" eaLnBrk="1" latinLnBrk="0" hangingPunct="1">
+        <a:lnSpc>
+          <a:spcPts val="5800"/>
+        </a:lnSpc>
+        <a:spcBef>
+          <a:spcPct val="0"/>
+        </a:spcBef>
+        <a:buNone/>
+        <a:defRPr sz="5400" kern="1200">
+          <a:solidFill>
+            <a:schemeClr val="tx2"/>
+          </a:solidFill>
+          <a:effectLst>
+            <a:outerShdw blurRad="63500" dist="38100" dir="5400000" algn="t" rotWithShape="0">
+              <a:prstClr val="black">
+                <a:alpha val="25000"/>
+              </a:prstClr>
+            </a:outerShdw>
+          </a:effectLst>
+          <a:latin typeface="+mn-lt"/>
+          <a:ea typeface="+mj-ea"/>
+          <a:cs typeface="+mj-cs"/>
+        </a:defRPr>
+      </a:lvl1pPr>
+    </p:titleStyle>
+    <p:bodyStyle>
+      <a:lvl1pPr marL="342900" indent="-342900" algn="l" defTabSz="914400" rtl="0" eaLnBrk="1" latinLnBrk="0" hangingPunct="1">
+        <a:spcBef>
+          <a:spcPct val="20000"/>
+        </a:spcBef>
+        <a:buFont typeface="Arial" pitchFamily="34" charset="0"/>
+        <a:buChar char="•"/>
+        <a:defRPr sz="2400" kern="1200">
+          <a:solidFill>
+            <a:schemeClr val="tx1">
+              <a:lumMod val="50000"/>
+              <a:lumOff val="50000"/>
+            </a:schemeClr>
+          </a:solidFill>
+          <a:latin typeface="+mj-lt"/>
+          <a:ea typeface="+mn-ea"/>
+          <a:cs typeface="+mn-cs"/>
+        </a:defRPr>
+      </a:lvl1pPr>
+      <a:lvl2pPr marL="742950" indent="-285750" algn="l" defTabSz="914400" rtl="0" eaLnBrk="1" latinLnBrk="0" hangingPunct="1">
+        <a:spcBef>
+          <a:spcPct val="20000"/>
+        </a:spcBef>
+        <a:buFont typeface="Courier New" pitchFamily="49" charset="0"/>
+        <a:buChar char="o"/>
+        <a:defRPr sz="1600" kern="1200">
+          <a:solidFill>
+            <a:schemeClr val="tx1">
+              <a:lumMod val="50000"/>
+              <a:lumOff val="50000"/>
+            </a:schemeClr>
+          </a:solidFill>
+          <a:latin typeface="+mj-lt"/>
+          <a:ea typeface="+mn-ea"/>
+          <a:cs typeface="+mn-cs"/>
+        </a:defRPr>
+      </a:lvl2pPr>
+      <a:lvl3pPr marL="1143000" indent="-228600" algn="l" defTabSz="914400" rtl="0" eaLnBrk="1" latinLnBrk="0" hangingPunct="1">
+        <a:spcBef>
+          <a:spcPct val="20000"/>
+        </a:spcBef>
+        <a:buFont typeface="Arial" pitchFamily="34" charset="0"/>
+        <a:buChar char="•"/>
+        <a:defRPr sz="1600" kern="1200">
+          <a:solidFill>
+            <a:schemeClr val="tx1">
+              <a:lumMod val="50000"/>
+              <a:lumOff val="50000"/>
+            </a:schemeClr>
+          </a:solidFill>
+          <a:latin typeface="+mj-lt"/>
+          <a:ea typeface="+mn-ea"/>
+          <a:cs typeface="+mn-cs"/>
+        </a:defRPr>
+      </a:lvl3pPr>
+      <a:lvl4pPr marL="1600200" indent="-228600" algn="l" defTabSz="914400" rtl="0" eaLnBrk="1" latinLnBrk="0" hangingPunct="1">
+        <a:spcBef>
+          <a:spcPct val="20000"/>
+        </a:spcBef>
+        <a:buFont typeface="Courier New" pitchFamily="49" charset="0"/>
+        <a:buChar char="o"/>
+        <a:defRPr sz="1600" kern="1200">
+          <a:solidFill>
+            <a:schemeClr val="tx1">
+              <a:lumMod val="50000"/>
+              <a:lumOff val="50000"/>
+            </a:schemeClr>
+          </a:solidFill>
+          <a:latin typeface="+mj-lt"/>
+          <a:ea typeface="+mn-ea"/>
+          <a:cs typeface="+mn-cs"/>
+        </a:defRPr>
+      </a:lvl4pPr>
+      <a:lvl5pPr marL="2057400" indent="-228600" algn="l" defTabSz="914400" rtl="0" eaLnBrk="1" latinLnBrk="0" hangingPunct="1">
+        <a:spcBef>
+          <a:spcPct val="20000"/>
+        </a:spcBef>
+        <a:buFont typeface="Arial" pitchFamily="34" charset="0"/>
+        <a:buChar char="•"/>
+        <a:defRPr sz="1600" kern="1200">
+          <a:solidFill>
+            <a:schemeClr val="tx1">
+              <a:lumMod val="50000"/>
+              <a:lumOff val="50000"/>
+            </a:schemeClr>
+          </a:solidFill>
+          <a:latin typeface="+mj-lt"/>
+          <a:ea typeface="+mn-ea"/>
+          <a:cs typeface="+mn-cs"/>
+        </a:defRPr>
+      </a:lvl5pPr>
+      <a:lvl6pPr marL="2514600" indent="-228600" algn="l" defTabSz="914400" rtl="0" eaLnBrk="1" latinLnBrk="0" hangingPunct="1">
+        <a:spcBef>
+          <a:spcPct val="20000"/>
+        </a:spcBef>
+        <a:buFont typeface="Courier New" pitchFamily="49" charset="0"/>
+        <a:buChar char="o"/>
+        <a:defRPr sz="1600" kern="1200">
+          <a:solidFill>
+            <a:schemeClr val="tx1">
+              <a:lumMod val="50000"/>
+              <a:lumOff val="50000"/>
+            </a:schemeClr>
+          </a:solidFill>
+          <a:latin typeface="+mj-lt"/>
+          <a:ea typeface="+mn-ea"/>
+          <a:cs typeface="+mn-cs"/>
+        </a:defRPr>
+      </a:lvl6pPr>
+      <a:lvl7pPr marL="2971800" indent="-228600" algn="l" defTabSz="914400" rtl="0" eaLnBrk="1" latinLnBrk="0" hangingPunct="1">
+        <a:spcBef>
+          <a:spcPct val="20000"/>
+        </a:spcBef>
+        <a:buFont typeface="Arial" pitchFamily="34" charset="0"/>
+        <a:buChar char="•"/>
+        <a:defRPr sz="1600" kern="1200">
+          <a:solidFill>
+            <a:schemeClr val="tx1">
+              <a:lumMod val="50000"/>
+              <a:lumOff val="50000"/>
+            </a:schemeClr>
+          </a:solidFill>
+          <a:latin typeface="+mj-lt"/>
+          <a:ea typeface="+mn-ea"/>
+          <a:cs typeface="+mn-cs"/>
+        </a:defRPr>
+      </a:lvl7pPr>
+      <a:lvl8pPr marL="3429000" indent="-228600" algn="l" defTabSz="914400" rtl="0" eaLnBrk="1" latinLnBrk="0" hangingPunct="1">
+        <a:spcBef>
+          <a:spcPct val="20000"/>
+        </a:spcBef>
+        <a:buFont typeface="Courier New" pitchFamily="49" charset="0"/>
+        <a:buChar char="o"/>
+        <a:defRPr sz="1600" kern="1200">
+          <a:solidFill>
+            <a:schemeClr val="tx1">
+              <a:lumMod val="50000"/>
+              <a:lumOff val="50000"/>
+            </a:schemeClr>
+          </a:solidFill>
+          <a:latin typeface="+mj-lt"/>
+          <a:ea typeface="+mn-ea"/>
+          <a:cs typeface="+mn-cs"/>
+        </a:defRPr>
+      </a:lvl8pPr>
+      <a:lvl9pPr marL="3886200" indent="-228600" algn="l" defTabSz="914400" rtl="0" eaLnBrk="1" latinLnBrk="0" hangingPunct="1">
+        <a:spcBef>
+          <a:spcPct val="20000"/>
+        </a:spcBef>
+        <a:buFont typeface="Arial" pitchFamily="34" charset="0"/>
+        <a:buChar char="•"/>
+        <a:defRPr sz="1600" kern="1200">
+          <a:solidFill>
+            <a:schemeClr val="tx1">
+              <a:lumMod val="50000"/>
+              <a:lumOff val="50000"/>
+            </a:schemeClr>
+          </a:solidFill>
+          <a:latin typeface="+mj-lt"/>
+          <a:ea typeface="+mn-ea"/>
+          <a:cs typeface="+mn-cs"/>
+        </a:defRPr>
+      </a:lvl9pPr>
+    </p:bodyStyle>
+    <p:otherStyle>
+      <a:defPPr>
+        <a:defRPr lang="en-US"/>
+      </a:defPPr>
+      <a:lvl1pPr marL="0" algn="l" defTabSz="914400" rtl="0" eaLnBrk="1" latinLnBrk="0" hangingPunct="1">
+        <a:defRPr sz="1800" kern="1200">
+          <a:solidFill>
+            <a:schemeClr val="tx1"/>
+          </a:solidFill>
+          <a:latin typeface="+mn-lt"/>
+          <a:ea typeface="+mn-ea"/>
+          <a:cs typeface="+mn-cs"/>
+        </a:defRPr>
+      </a:lvl1pPr>
+      <a:lvl2pPr marL="457200" algn="l" defTabSz="914400" rtl="0" eaLnBrk="1" latinLnBrk="0" hangingPunct="1">
+        <a:defRPr sz="1800" kern="1200">
+          <a:solidFill>
+            <a:schemeClr val="tx1"/>
+          </a:solidFill>
+          <a:latin typeface="+mn-lt"/>
+          <a:ea typeface="+mn-ea"/>
+          <a:cs typeface="+mn-cs"/>
+        </a:defRPr>
+      </a:lvl2pPr>
+      <a:lvl3pPr marL="914400" algn="l" defTabSz="914400" rtl="0" eaLnBrk="1" latinLnBrk="0" hangingPunct="1">
+        <a:defRPr sz="1800" kern="1200">
+          <a:solidFill>
+            <a:schemeClr val="tx1"/>
+          </a:solidFill>
+          <a:latin typeface="+mn-lt"/>
+          <a:ea typeface="+mn-ea"/>
+          <a:cs typeface="+mn-cs"/>
+        </a:defRPr>
+      </a:lvl3pPr>
+      <a:lvl4pPr marL="1371600" algn="l" defTabSz="914400" rtl="0" eaLnBrk="1" latinLnBrk="0" hangingPunct="1">
+        <a:defRPr sz="1800" kern="1200">
+          <a:solidFill>
+            <a:schemeClr val="tx1"/>
+          </a:solidFill>
+          <a:latin typeface="+mn-lt"/>
+          <a:ea typeface="+mn-ea"/>
+          <a:cs typeface="+mn-cs"/>
+        </a:defRPr>
+      </a:lvl4pPr>
+      <a:lvl5pPr marL="1828800" algn="l" defTabSz="914400" rtl="0" eaLnBrk="1" latinLnBrk="0" hangingPunct="1">
+        <a:defRPr sz="1800" kern="1200">
+          <a:solidFill>
+            <a:schemeClr val="tx1"/>
+          </a:solidFill>
+          <a:latin typeface="+mn-lt"/>
+          <a:ea typeface="+mn-ea"/>
+          <a:cs typeface="+mn-cs"/>
+        </a:defRPr>
+      </a:lvl5pPr>
+      <a:lvl6pPr marL="2286000" algn="l" defTabSz="914400" rtl="0" eaLnBrk="1" latinLnBrk="0" hangingPunct="1">
+        <a:defRPr sz="1800" kern="1200">
+          <a:solidFill>
+            <a:schemeClr val="tx1"/>
+          </a:solidFill>
+          <a:latin typeface="+mn-lt"/>
+          <a:ea typeface="+mn-ea"/>
+          <a:cs typeface="+mn-cs"/>
+        </a:defRPr>
+      </a:lvl6pPr>
+      <a:lvl7pPr marL="2743200" algn="l" defTabSz="914400" rtl="0" eaLnBrk="1" latinLnBrk="0" hangingPunct="1">
+        <a:defRPr sz="1800" kern="1200">
+          <a:solidFill>
+            <a:schemeClr val="tx1"/>
+          </a:solidFill>
+          <a:latin typeface="+mn-lt"/>
+          <a:ea typeface="+mn-ea"/>
+          <a:cs typeface="+mn-cs"/>
+        </a:defRPr>
+      </a:lvl7pPr>
+      <a:lvl8pPr marL="3200400" algn="l" defTabSz="914400" rtl="0" eaLnBrk="1" latinLnBrk="0" hangingPunct="1">
+        <a:defRPr sz="1800" kern="1200">
+          <a:solidFill>
+            <a:schemeClr val="tx1"/>
+          </a:solidFill>
+          <a:latin typeface="+mn-lt"/>
+          <a:ea typeface="+mn-ea"/>
+          <a:cs typeface="+mn-cs"/>
+        </a:defRPr>
+      </a:lvl8pPr>
+      <a:lvl9pPr marL="3657600" algn="l" defTabSz="914400" rtl="0" eaLnBrk="1" latinLnBrk="0" hangingPunct="1">
+        <a:defRPr sz="1800" kern="1200">
+          <a:solidFill>
+            <a:schemeClr val="tx1"/>
+          </a:solidFill>
+          <a:latin typeface="+mn-lt"/>
+          <a:ea typeface="+mn-ea"/>
+          <a:cs typeface="+mn-cs"/>
+        </a:defRPr>
+      </a:lvl9pPr>
+    </p:otherStyle>
+  </p:txStyles>
+</p:sldMaster>
+</file>
+
 <file path=ppt/slides/slide1.xml><?xml version="1.0" encoding="utf-8"?>
 <p:sld xmlns:a="http://schemas.openxmlformats.org/drawingml/2006/main" xmlns:r="http://schemas.openxmlformats.org/officeDocument/2006/relationships" xmlns:p="http://schemas.openxmlformats.org/presentationml/2006/main">
   <p:cSld>
@@ -5903,16 +10021,21 @@
             <p:ph type="ctrTitle"/>
           </p:nvPr>
         </p:nvSpPr>
-        <p:spPr/>
-        <p:txBody>
-          <a:bodyPr/>
-          <a:lstStyle/>
-          <a:p>
-            <a:r>
-              <a:rPr lang="el-GR" dirty="0" smtClean="0"/>
+        <p:spPr>
+          <a:xfrm>
+            <a:off x="685800" y="2590800"/>
+            <a:ext cx="7772400" cy="1143000"/>
+          </a:xfrm>
+        </p:spPr>
+        <p:txBody>
+          <a:bodyPr/>
+          <a:lstStyle/>
+          <a:p>
+            <a:r>
+              <a:rPr lang="el-GR" sz="6600" dirty="0" smtClean="0"/>
               <a:t>Πτυχιακή Εργασία</a:t>
             </a:r>
-            <a:endParaRPr lang="en-US" dirty="0"/>
+            <a:endParaRPr lang="en-US" sz="6600" dirty="0"/>
           </a:p>
         </p:txBody>
       </p:sp>
@@ -5926,15 +10049,230 @@
             <p:ph type="subTitle" idx="1"/>
           </p:nvPr>
         </p:nvSpPr>
-        <p:spPr/>
+        <p:spPr>
+          <a:xfrm>
+            <a:off x="457200" y="609600"/>
+            <a:ext cx="6400800" cy="1295400"/>
+          </a:xfrm>
+        </p:spPr>
         <p:txBody>
           <a:bodyPr>
-            <a:normAutofit fontScale="92500"/>
+            <a:normAutofit/>
           </a:bodyPr>
           <a:lstStyle/>
           <a:p>
-            <a:r>
-              <a:rPr lang="el-GR" dirty="0" smtClean="0"/>
+            <a:pPr algn="l"/>
+            <a:r>
+              <a:rPr lang="el-GR" sz="1600" cap="small" dirty="0" smtClean="0"/>
+              <a:t>Τ.Ε.Ι. Θεσσαλιασ</a:t>
+            </a:r>
+          </a:p>
+          <a:p>
+            <a:pPr algn="l"/>
+            <a:r>
+              <a:rPr lang="el-GR" sz="1600" cap="small" dirty="0" smtClean="0"/>
+              <a:t>Τμημα Μηχανικων Πληροφορικησ ΤΕ</a:t>
+            </a:r>
+          </a:p>
+          <a:p>
+            <a:pPr algn="l"/>
+            <a:r>
+              <a:rPr lang="el-GR" sz="1600" cap="small" dirty="0" smtClean="0"/>
+              <a:t>Σπουδαστησ: Χαντζησ Γιαννησ</a:t>
+            </a:r>
+          </a:p>
+          <a:p>
+            <a:pPr algn="l"/>
+            <a:r>
+              <a:rPr lang="el-GR" sz="1600" cap="small" dirty="0" smtClean="0"/>
+              <a:t>Επιβλεπων Καθηγητησ: Ιατρελλησ Ομηροσ</a:t>
+            </a:r>
+          </a:p>
+          <a:p>
+            <a:pPr algn="l"/>
+            <a:endParaRPr lang="en-US" sz="1800" dirty="0"/>
+          </a:p>
+        </p:txBody>
+      </p:sp>
+      <p:sp>
+        <p:nvSpPr>
+          <p:cNvPr id="6" name="Subtitle 4"/>
+          <p:cNvSpPr txBox="1">
+            <a:spLocks/>
+          </p:cNvSpPr>
+          <p:nvPr/>
+        </p:nvSpPr>
+        <p:spPr>
+          <a:xfrm>
+            <a:off x="1524000" y="4038600"/>
+            <a:ext cx="6400800" cy="1219200"/>
+          </a:xfrm>
+          <a:prstGeom prst="rect">
+            <a:avLst/>
+          </a:prstGeom>
+        </p:spPr>
+        <p:txBody>
+          <a:bodyPr vert="horz" lIns="91440" tIns="45720" rIns="91440" bIns="45720" rtlCol="0">
+            <a:normAutofit/>
+          </a:bodyPr>
+          <a:lstStyle>
+            <a:lvl1pPr marL="0" indent="0" algn="ctr" defTabSz="914400" rtl="0" eaLnBrk="1" latinLnBrk="0" hangingPunct="1">
+              <a:spcBef>
+                <a:spcPct val="20000"/>
+              </a:spcBef>
+              <a:buFont typeface="Arial" pitchFamily="34" charset="0"/>
+              <a:buNone/>
+              <a:defRPr sz="2400" kern="1200">
+                <a:solidFill>
+                  <a:schemeClr val="tx1">
+                    <a:tint val="75000"/>
+                  </a:schemeClr>
+                </a:solidFill>
+                <a:latin typeface="+mj-lt"/>
+                <a:ea typeface="+mn-ea"/>
+                <a:cs typeface="+mn-cs"/>
+              </a:defRPr>
+            </a:lvl1pPr>
+            <a:lvl2pPr marL="457200" indent="0" algn="ctr" defTabSz="914400" rtl="0" eaLnBrk="1" latinLnBrk="0" hangingPunct="1">
+              <a:spcBef>
+                <a:spcPct val="20000"/>
+              </a:spcBef>
+              <a:buFont typeface="Courier New" pitchFamily="49" charset="0"/>
+              <a:buNone/>
+              <a:defRPr sz="1600" kern="1200">
+                <a:solidFill>
+                  <a:schemeClr val="tx1">
+                    <a:tint val="75000"/>
+                  </a:schemeClr>
+                </a:solidFill>
+                <a:latin typeface="+mj-lt"/>
+                <a:ea typeface="+mn-ea"/>
+                <a:cs typeface="+mn-cs"/>
+              </a:defRPr>
+            </a:lvl2pPr>
+            <a:lvl3pPr marL="914400" indent="0" algn="ctr" defTabSz="914400" rtl="0" eaLnBrk="1" latinLnBrk="0" hangingPunct="1">
+              <a:spcBef>
+                <a:spcPct val="20000"/>
+              </a:spcBef>
+              <a:buFont typeface="Arial" pitchFamily="34" charset="0"/>
+              <a:buNone/>
+              <a:defRPr sz="1600" kern="1200">
+                <a:solidFill>
+                  <a:schemeClr val="tx1">
+                    <a:tint val="75000"/>
+                  </a:schemeClr>
+                </a:solidFill>
+                <a:latin typeface="+mj-lt"/>
+                <a:ea typeface="+mn-ea"/>
+                <a:cs typeface="+mn-cs"/>
+              </a:defRPr>
+            </a:lvl3pPr>
+            <a:lvl4pPr marL="1371600" indent="0" algn="ctr" defTabSz="914400" rtl="0" eaLnBrk="1" latinLnBrk="0" hangingPunct="1">
+              <a:spcBef>
+                <a:spcPct val="20000"/>
+              </a:spcBef>
+              <a:buFont typeface="Courier New" pitchFamily="49" charset="0"/>
+              <a:buNone/>
+              <a:defRPr sz="1600" kern="1200">
+                <a:solidFill>
+                  <a:schemeClr val="tx1">
+                    <a:tint val="75000"/>
+                  </a:schemeClr>
+                </a:solidFill>
+                <a:latin typeface="+mj-lt"/>
+                <a:ea typeface="+mn-ea"/>
+                <a:cs typeface="+mn-cs"/>
+              </a:defRPr>
+            </a:lvl4pPr>
+            <a:lvl5pPr marL="1828800" indent="0" algn="ctr" defTabSz="914400" rtl="0" eaLnBrk="1" latinLnBrk="0" hangingPunct="1">
+              <a:spcBef>
+                <a:spcPct val="20000"/>
+              </a:spcBef>
+              <a:buFont typeface="Arial" pitchFamily="34" charset="0"/>
+              <a:buNone/>
+              <a:defRPr sz="1600" kern="1200">
+                <a:solidFill>
+                  <a:schemeClr val="tx1">
+                    <a:tint val="75000"/>
+                  </a:schemeClr>
+                </a:solidFill>
+                <a:latin typeface="+mj-lt"/>
+                <a:ea typeface="+mn-ea"/>
+                <a:cs typeface="+mn-cs"/>
+              </a:defRPr>
+            </a:lvl5pPr>
+            <a:lvl6pPr marL="2286000" indent="0" algn="ctr" defTabSz="914400" rtl="0" eaLnBrk="1" latinLnBrk="0" hangingPunct="1">
+              <a:spcBef>
+                <a:spcPct val="20000"/>
+              </a:spcBef>
+              <a:buFont typeface="Courier New" pitchFamily="49" charset="0"/>
+              <a:buNone/>
+              <a:defRPr sz="1600" kern="1200">
+                <a:solidFill>
+                  <a:schemeClr val="tx1">
+                    <a:tint val="75000"/>
+                  </a:schemeClr>
+                </a:solidFill>
+                <a:latin typeface="+mj-lt"/>
+                <a:ea typeface="+mn-ea"/>
+                <a:cs typeface="+mn-cs"/>
+              </a:defRPr>
+            </a:lvl6pPr>
+            <a:lvl7pPr marL="2743200" indent="0" algn="ctr" defTabSz="914400" rtl="0" eaLnBrk="1" latinLnBrk="0" hangingPunct="1">
+              <a:spcBef>
+                <a:spcPct val="20000"/>
+              </a:spcBef>
+              <a:buFont typeface="Arial" pitchFamily="34" charset="0"/>
+              <a:buNone/>
+              <a:defRPr sz="1600" kern="1200">
+                <a:solidFill>
+                  <a:schemeClr val="tx1">
+                    <a:tint val="75000"/>
+                  </a:schemeClr>
+                </a:solidFill>
+                <a:latin typeface="+mj-lt"/>
+                <a:ea typeface="+mn-ea"/>
+                <a:cs typeface="+mn-cs"/>
+              </a:defRPr>
+            </a:lvl7pPr>
+            <a:lvl8pPr marL="3200400" indent="0" algn="ctr" defTabSz="914400" rtl="0" eaLnBrk="1" latinLnBrk="0" hangingPunct="1">
+              <a:spcBef>
+                <a:spcPct val="20000"/>
+              </a:spcBef>
+              <a:buFont typeface="Courier New" pitchFamily="49" charset="0"/>
+              <a:buNone/>
+              <a:defRPr sz="1600" kern="1200">
+                <a:solidFill>
+                  <a:schemeClr val="tx1">
+                    <a:tint val="75000"/>
+                  </a:schemeClr>
+                </a:solidFill>
+                <a:latin typeface="+mj-lt"/>
+                <a:ea typeface="+mn-ea"/>
+                <a:cs typeface="+mn-cs"/>
+              </a:defRPr>
+            </a:lvl8pPr>
+            <a:lvl9pPr marL="3657600" indent="0" algn="ctr" defTabSz="914400" rtl="0" eaLnBrk="1" latinLnBrk="0" hangingPunct="1">
+              <a:spcBef>
+                <a:spcPct val="20000"/>
+              </a:spcBef>
+              <a:buFont typeface="Arial" pitchFamily="34" charset="0"/>
+              <a:buNone/>
+              <a:defRPr sz="1600" kern="1200">
+                <a:solidFill>
+                  <a:schemeClr val="tx1">
+                    <a:tint val="75000"/>
+                  </a:schemeClr>
+                </a:solidFill>
+                <a:latin typeface="+mj-lt"/>
+                <a:ea typeface="+mn-ea"/>
+                <a:cs typeface="+mn-cs"/>
+              </a:defRPr>
+            </a:lvl9pPr>
+          </a:lstStyle>
+          <a:p>
+            <a:r>
+              <a:rPr lang="el-GR" smtClean="0"/>
               <a:t>Ανάπτυξη Γραφικού Περιβάλλοντος για Λογισμικό Προσομοίωσης Φαινομένων Μετάδοσης Θερμότητας</a:t>
             </a:r>
             <a:endParaRPr lang="en-US" dirty="0"/>
@@ -5951,6 +10289,16 @@
   <p:clrMapOvr>
     <a:masterClrMapping/>
   </p:clrMapOvr>
+  <p:transition>
+    <p:push dir="u"/>
+  </p:transition>
+  <p:timing>
+    <p:tnLst>
+      <p:par>
+        <p:cTn id="1" dur="indefinite" restart="never" nodeType="tmRoot"/>
+      </p:par>
+    </p:tnLst>
+  </p:timing>
 </p:sld>
 </file>
 
@@ -6044,6 +10392,16 @@
   <p:clrMapOvr>
     <a:masterClrMapping/>
   </p:clrMapOvr>
+  <p:transition>
+    <p:push dir="u"/>
+  </p:transition>
+  <p:timing>
+    <p:tnLst>
+      <p:par>
+        <p:cTn id="1" dur="indefinite" restart="never" nodeType="tmRoot"/>
+      </p:par>
+    </p:tnLst>
+  </p:timing>
 </p:sld>
 </file>
 
@@ -6131,6 +10489,16 @@
   <p:clrMapOvr>
     <a:masterClrMapping/>
   </p:clrMapOvr>
+  <p:transition>
+    <p:push dir="u"/>
+  </p:transition>
+  <p:timing>
+    <p:tnLst>
+      <p:par>
+        <p:cTn id="1" dur="indefinite" restart="never" nodeType="tmRoot"/>
+      </p:par>
+    </p:tnLst>
+  </p:timing>
 </p:sld>
 </file>
 
@@ -6214,6 +10582,16 @@
   <p:clrMapOvr>
     <a:masterClrMapping/>
   </p:clrMapOvr>
+  <p:transition>
+    <p:push dir="u"/>
+  </p:transition>
+  <p:timing>
+    <p:tnLst>
+      <p:par>
+        <p:cTn id="1" dur="indefinite" restart="never" nodeType="tmRoot"/>
+      </p:par>
+    </p:tnLst>
+  </p:timing>
 </p:sld>
 </file>
 
@@ -6318,6 +10696,16 @@
   <p:clrMapOvr>
     <a:masterClrMapping/>
   </p:clrMapOvr>
+  <p:transition>
+    <p:push dir="u"/>
+  </p:transition>
+  <p:timing>
+    <p:tnLst>
+      <p:par>
+        <p:cTn id="1" dur="indefinite" restart="never" nodeType="tmRoot"/>
+      </p:par>
+    </p:tnLst>
+  </p:timing>
 </p:sld>
 </file>
 
@@ -6529,6 +10917,16 @@
   <p:clrMapOvr>
     <a:masterClrMapping/>
   </p:clrMapOvr>
+  <p:transition>
+    <p:push dir="u"/>
+  </p:transition>
+  <p:timing>
+    <p:tnLst>
+      <p:par>
+        <p:cTn id="1" dur="indefinite" restart="never" nodeType="tmRoot"/>
+      </p:par>
+    </p:tnLst>
+  </p:timing>
 </p:sld>
 </file>
 
@@ -6621,6 +11019,16 @@
   <p:clrMapOvr>
     <a:masterClrMapping/>
   </p:clrMapOvr>
+  <p:transition>
+    <p:push dir="u"/>
+  </p:transition>
+  <p:timing>
+    <p:tnLst>
+      <p:par>
+        <p:cTn id="1" dur="indefinite" restart="never" nodeType="tmRoot"/>
+      </p:par>
+    </p:tnLst>
+  </p:timing>
 </p:sld>
 </file>
 
@@ -6712,6 +11120,16 @@
   <p:clrMapOvr>
     <a:masterClrMapping/>
   </p:clrMapOvr>
+  <p:transition>
+    <p:push dir="u"/>
+  </p:transition>
+  <p:timing>
+    <p:tnLst>
+      <p:par>
+        <p:cTn id="1" dur="indefinite" restart="never" nodeType="tmRoot"/>
+      </p:par>
+    </p:tnLst>
+  </p:timing>
 </p:sld>
 </file>
 
@@ -6803,6 +11221,16 @@
   <p:clrMapOvr>
     <a:masterClrMapping/>
   </p:clrMapOvr>
+  <p:transition>
+    <p:push dir="u"/>
+  </p:transition>
+  <p:timing>
+    <p:tnLst>
+      <p:par>
+        <p:cTn id="1" dur="indefinite" restart="never" nodeType="tmRoot"/>
+      </p:par>
+    </p:tnLst>
+  </p:timing>
 </p:sld>
 </file>
 
@@ -6894,10 +11322,121 @@
   <p:clrMapOvr>
     <a:masterClrMapping/>
   </p:clrMapOvr>
+  <p:transition>
+    <p:push dir="u"/>
+  </p:transition>
+  <p:timing>
+    <p:tnLst>
+      <p:par>
+        <p:cTn id="1" dur="indefinite" restart="never" nodeType="tmRoot"/>
+      </p:par>
+    </p:tnLst>
+  </p:timing>
 </p:sld>
 </file>
 
 <file path=ppt/slides/slide8.xml><?xml version="1.0" encoding="utf-8"?>
+<p:sld xmlns:a="http://schemas.openxmlformats.org/drawingml/2006/main" xmlns:r="http://schemas.openxmlformats.org/officeDocument/2006/relationships" xmlns:p="http://schemas.openxmlformats.org/presentationml/2006/main">
+  <p:cSld>
+    <p:spTree>
+      <p:nvGrpSpPr>
+        <p:cNvPr id="1" name=""/>
+        <p:cNvGrpSpPr/>
+        <p:nvPr/>
+      </p:nvGrpSpPr>
+      <p:grpSpPr>
+        <a:xfrm>
+          <a:off x="0" y="0"/>
+          <a:ext cx="0" cy="0"/>
+          <a:chOff x="0" y="0"/>
+          <a:chExt cx="0" cy="0"/>
+        </a:xfrm>
+      </p:grpSpPr>
+      <p:sp>
+        <p:nvSpPr>
+          <p:cNvPr id="4" name="Title 3"/>
+          <p:cNvSpPr>
+            <a:spLocks noGrp="1"/>
+          </p:cNvSpPr>
+          <p:nvPr>
+            <p:ph type="title"/>
+          </p:nvPr>
+        </p:nvSpPr>
+        <p:spPr>
+          <a:xfrm>
+            <a:off x="1828800" y="5791200"/>
+            <a:ext cx="5486400" cy="566738"/>
+          </a:xfrm>
+        </p:spPr>
+        <p:txBody>
+          <a:bodyPr/>
+          <a:lstStyle/>
+          <a:p>
+            <a:r>
+              <a:rPr lang="el-GR" dirty="0" smtClean="0"/>
+              <a:t>Στοιχείο μεταβλητής τιμής (</a:t>
+            </a:r>
+            <a:r>
+              <a:rPr lang="en-US" dirty="0" smtClean="0"/>
+              <a:t>Variable Element)</a:t>
+            </a:r>
+            <a:endParaRPr lang="en-US" dirty="0"/>
+          </a:p>
+        </p:txBody>
+      </p:sp>
+      <p:pic>
+        <p:nvPicPr>
+          <p:cNvPr id="7" name="Picture Placeholder 6"/>
+          <p:cNvPicPr>
+            <a:picLocks noGrp="1" noChangeAspect="1"/>
+          </p:cNvPicPr>
+          <p:nvPr>
+            <p:ph type="pic" idx="1"/>
+          </p:nvPr>
+        </p:nvPicPr>
+        <p:blipFill>
+          <a:blip r:embed="rId3">
+            <a:extLst>
+              <a:ext uri="{28A0092B-C50C-407E-A947-70E740481C1C}">
+                <a14:useLocalDpi xmlns:a14="http://schemas.microsoft.com/office/drawing/2010/main" val="0"/>
+              </a:ext>
+            </a:extLst>
+          </a:blip>
+          <a:stretch>
+            <a:fillRect/>
+          </a:stretch>
+        </p:blipFill>
+        <p:spPr>
+          <a:xfrm>
+            <a:off x="1390429" y="444131"/>
+            <a:ext cx="6439342" cy="5302988"/>
+          </a:xfrm>
+        </p:spPr>
+      </p:pic>
+    </p:spTree>
+    <p:extLst>
+      <p:ext uri="{BB962C8B-B14F-4D97-AF65-F5344CB8AC3E}">
+        <p14:creationId xmlns:p14="http://schemas.microsoft.com/office/powerpoint/2010/main" val="354422560"/>
+      </p:ext>
+    </p:extLst>
+  </p:cSld>
+  <p:clrMapOvr>
+    <a:masterClrMapping/>
+  </p:clrMapOvr>
+  <p:transition>
+    <p:push dir="u"/>
+  </p:transition>
+  <p:timing>
+    <p:tnLst>
+      <p:par>
+        <p:cTn id="1" dur="indefinite" restart="never" nodeType="tmRoot"/>
+      </p:par>
+    </p:tnLst>
+  </p:timing>
+</p:sld>
+</file>
+
+<file path=ppt/slides/slide9.xml><?xml version="1.0" encoding="utf-8"?>
 <p:sld xmlns:a="http://schemas.openxmlformats.org/drawingml/2006/main" xmlns:r="http://schemas.openxmlformats.org/officeDocument/2006/relationships" xmlns:p="http://schemas.openxmlformats.org/presentationml/2006/main">
   <p:cSld>
     <p:spTree>
@@ -6985,97 +11524,16 @@
   <p:clrMapOvr>
     <a:masterClrMapping/>
   </p:clrMapOvr>
-</p:sld>
-</file>
-
-<file path=ppt/slides/slide9.xml><?xml version="1.0" encoding="utf-8"?>
-<p:sld xmlns:a="http://schemas.openxmlformats.org/drawingml/2006/main" xmlns:r="http://schemas.openxmlformats.org/officeDocument/2006/relationships" xmlns:p="http://schemas.openxmlformats.org/presentationml/2006/main">
-  <p:cSld>
-    <p:spTree>
-      <p:nvGrpSpPr>
-        <p:cNvPr id="1" name=""/>
-        <p:cNvGrpSpPr/>
-        <p:nvPr/>
-      </p:nvGrpSpPr>
-      <p:grpSpPr>
-        <a:xfrm>
-          <a:off x="0" y="0"/>
-          <a:ext cx="0" cy="0"/>
-          <a:chOff x="0" y="0"/>
-          <a:chExt cx="0" cy="0"/>
-        </a:xfrm>
-      </p:grpSpPr>
-      <p:sp>
-        <p:nvSpPr>
-          <p:cNvPr id="4" name="Title 3"/>
-          <p:cNvSpPr>
-            <a:spLocks noGrp="1"/>
-          </p:cNvSpPr>
-          <p:nvPr>
-            <p:ph type="title"/>
-          </p:nvPr>
-        </p:nvSpPr>
-        <p:spPr>
-          <a:xfrm>
-            <a:off x="1828800" y="5791200"/>
-            <a:ext cx="5486400" cy="566738"/>
-          </a:xfrm>
-        </p:spPr>
-        <p:txBody>
-          <a:bodyPr/>
-          <a:lstStyle/>
-          <a:p>
-            <a:r>
-              <a:rPr lang="el-GR" dirty="0" smtClean="0"/>
-              <a:t>Στοιχείο μεταβλητής τιμής (</a:t>
-            </a:r>
-            <a:r>
-              <a:rPr lang="en-US" dirty="0" smtClean="0"/>
-              <a:t>Variable Element)</a:t>
-            </a:r>
-            <a:endParaRPr lang="en-US" dirty="0"/>
-          </a:p>
-        </p:txBody>
-      </p:sp>
-      <p:pic>
-        <p:nvPicPr>
-          <p:cNvPr id="7" name="Picture Placeholder 6"/>
-          <p:cNvPicPr>
-            <a:picLocks noGrp="1" noChangeAspect="1"/>
-          </p:cNvPicPr>
-          <p:nvPr>
-            <p:ph type="pic" idx="1"/>
-          </p:nvPr>
-        </p:nvPicPr>
-        <p:blipFill>
-          <a:blip r:embed="rId3">
-            <a:extLst>
-              <a:ext uri="{28A0092B-C50C-407E-A947-70E740481C1C}">
-                <a14:useLocalDpi xmlns:a14="http://schemas.microsoft.com/office/drawing/2010/main" val="0"/>
-              </a:ext>
-            </a:extLst>
-          </a:blip>
-          <a:stretch>
-            <a:fillRect/>
-          </a:stretch>
-        </p:blipFill>
-        <p:spPr>
-          <a:xfrm>
-            <a:off x="1390429" y="444131"/>
-            <a:ext cx="6439342" cy="5302988"/>
-          </a:xfrm>
-        </p:spPr>
-      </p:pic>
-    </p:spTree>
-    <p:extLst>
-      <p:ext uri="{BB962C8B-B14F-4D97-AF65-F5344CB8AC3E}">
-        <p14:creationId xmlns:p14="http://schemas.microsoft.com/office/powerpoint/2010/main" val="354422560"/>
-      </p:ext>
-    </p:extLst>
-  </p:cSld>
-  <p:clrMapOvr>
-    <a:masterClrMapping/>
-  </p:clrMapOvr>
+  <p:transition>
+    <p:push dir="u"/>
+  </p:transition>
+  <p:timing>
+    <p:tnLst>
+      <p:par>
+        <p:cTn id="1" dur="indefinite" restart="never" nodeType="tmRoot"/>
+      </p:par>
+    </p:tnLst>
+  </p:timing>
 </p:sld>
 </file>
 
@@ -7363,6 +11821,286 @@
 </file>
 
 <file path=ppt/theme/theme2.xml><?xml version="1.0" encoding="utf-8"?>
+<a:theme xmlns:a="http://schemas.openxmlformats.org/drawingml/2006/main" name="Executive">
+  <a:themeElements>
+    <a:clrScheme name="Executive">
+      <a:dk1>
+        <a:sysClr val="windowText" lastClr="000000"/>
+      </a:dk1>
+      <a:lt1>
+        <a:sysClr val="window" lastClr="FFFFFF"/>
+      </a:lt1>
+      <a:dk2>
+        <a:srgbClr val="2F5897"/>
+      </a:dk2>
+      <a:lt2>
+        <a:srgbClr val="E4E9EF"/>
+      </a:lt2>
+      <a:accent1>
+        <a:srgbClr val="6076B4"/>
+      </a:accent1>
+      <a:accent2>
+        <a:srgbClr val="9C5252"/>
+      </a:accent2>
+      <a:accent3>
+        <a:srgbClr val="E68422"/>
+      </a:accent3>
+      <a:accent4>
+        <a:srgbClr val="846648"/>
+      </a:accent4>
+      <a:accent5>
+        <a:srgbClr val="63891F"/>
+      </a:accent5>
+      <a:accent6>
+        <a:srgbClr val="758085"/>
+      </a:accent6>
+      <a:hlink>
+        <a:srgbClr val="3399FF"/>
+      </a:hlink>
+      <a:folHlink>
+        <a:srgbClr val="B2B2B2"/>
+      </a:folHlink>
+    </a:clrScheme>
+    <a:fontScheme name="Executive">
+      <a:majorFont>
+        <a:latin typeface="Century Gothic"/>
+        <a:ea typeface=""/>
+        <a:cs typeface=""/>
+        <a:font script="Jpan" typeface="HGｺﾞｼｯｸM"/>
+        <a:font script="Hang" typeface="HY중고딕"/>
+        <a:font script="Hans" typeface="幼圆"/>
+        <a:font script="Hant" typeface="微軟正黑體"/>
+        <a:font script="Arab" typeface="Tahoma"/>
+        <a:font script="Hebr" typeface="Gisha"/>
+        <a:font script="Thai" typeface="DilleniaUPC"/>
+        <a:font script="Ethi" typeface="Nyala"/>
+        <a:font script="Beng" typeface="Vrinda"/>
+        <a:font script="Gujr" typeface="Shruti"/>
+        <a:font script="Khmr" typeface="DaunPenh"/>
+        <a:font script="Knda" typeface="Tunga"/>
+        <a:font script="Guru" typeface="Raavi"/>
+        <a:font script="Cans" typeface="Euphemia"/>
+        <a:font script="Cher" typeface="Plantagenet Cherokee"/>
+        <a:font script="Yiii" typeface="Microsoft Yi Baiti"/>
+        <a:font script="Tibt" typeface="Microsoft Himalaya"/>
+        <a:font script="Thaa" typeface="MV Boli"/>
+        <a:font script="Deva" typeface="Mangal"/>
+        <a:font script="Telu" typeface="Gautami"/>
+        <a:font script="Taml" typeface="Latha"/>
+        <a:font script="Syrc" typeface="Estrangelo Edessa"/>
+        <a:font script="Orya" typeface="Kalinga"/>
+        <a:font script="Mlym" typeface="Kartika"/>
+        <a:font script="Laoo" typeface="DokChampa"/>
+        <a:font script="Sinh" typeface="Iskoola Pota"/>
+        <a:font script="Mong" typeface="Mongolian Baiti"/>
+        <a:font script="Viet" typeface="Tahoma"/>
+        <a:font script="Uigh" typeface="Microsoft Uighur"/>
+        <a:font script="Geor" typeface="Sylfaen"/>
+      </a:majorFont>
+      <a:minorFont>
+        <a:latin typeface="Palatino Linotype"/>
+        <a:ea typeface=""/>
+        <a:cs typeface=""/>
+        <a:font script="Jpan" typeface="HGS明朝E"/>
+        <a:font script="Hang" typeface="맑은 고딕"/>
+        <a:font script="Hans" typeface="宋体"/>
+        <a:font script="Hant" typeface="新細明體"/>
+        <a:font script="Arab" typeface="Times New Roman"/>
+        <a:font script="Hebr" typeface="Times New Roman"/>
+        <a:font script="Thai" typeface="Browallia New"/>
+        <a:font script="Ethi" typeface="Nyala"/>
+        <a:font script="Beng" typeface="Vrinda"/>
+        <a:font script="Gujr" typeface="Shruti"/>
+        <a:font script="Khmr" typeface="MoolBoran"/>
+        <a:font script="Knda" typeface="Tunga"/>
+        <a:font script="Guru" typeface="Raavi"/>
+        <a:font script="Cans" typeface="Euphemia"/>
+        <a:font script="Cher" typeface="Plantagenet Cherokee"/>
+        <a:font script="Yiii" typeface="Microsoft Yi Baiti"/>
+        <a:font script="Tibt" typeface="Microsoft Himalaya"/>
+        <a:font script="Thaa" typeface="MV Boli"/>
+        <a:font script="Deva" typeface="Mangal"/>
+        <a:font script="Telu" typeface="Gautami"/>
+        <a:font script="Taml" typeface="Latha"/>
+        <a:font script="Syrc" typeface="Estrangelo Edessa"/>
+        <a:font script="Orya" typeface="Kalinga"/>
+        <a:font script="Mlym" typeface="Kartika"/>
+        <a:font script="Laoo" typeface="DokChampa"/>
+        <a:font script="Sinh" typeface="Iskoola Pota"/>
+        <a:font script="Mong" typeface="Mongolian Baiti"/>
+        <a:font script="Viet" typeface="Times New Roman"/>
+        <a:font script="Uigh" typeface="Microsoft Uighur"/>
+        <a:font script="Geor" typeface="Sylfaen"/>
+      </a:minorFont>
+    </a:fontScheme>
+    <a:fmtScheme name="Executive">
+      <a:fillStyleLst>
+        <a:solidFill>
+          <a:schemeClr val="phClr"/>
+        </a:solidFill>
+        <a:gradFill rotWithShape="1">
+          <a:gsLst>
+            <a:gs pos="0">
+              <a:schemeClr val="phClr">
+                <a:tint val="50000"/>
+                <a:satMod val="300000"/>
+              </a:schemeClr>
+            </a:gs>
+            <a:gs pos="35000">
+              <a:schemeClr val="phClr">
+                <a:tint val="37000"/>
+                <a:satMod val="300000"/>
+              </a:schemeClr>
+            </a:gs>
+            <a:gs pos="100000">
+              <a:schemeClr val="phClr">
+                <a:tint val="15000"/>
+                <a:satMod val="350000"/>
+              </a:schemeClr>
+            </a:gs>
+          </a:gsLst>
+          <a:lin ang="16200000" scaled="1"/>
+        </a:gradFill>
+        <a:gradFill rotWithShape="1">
+          <a:gsLst>
+            <a:gs pos="0">
+              <a:schemeClr val="phClr">
+                <a:shade val="51000"/>
+                <a:satMod val="130000"/>
+              </a:schemeClr>
+            </a:gs>
+            <a:gs pos="80000">
+              <a:schemeClr val="phClr">
+                <a:shade val="93000"/>
+                <a:satMod val="130000"/>
+              </a:schemeClr>
+            </a:gs>
+            <a:gs pos="100000">
+              <a:schemeClr val="phClr">
+                <a:shade val="94000"/>
+                <a:satMod val="135000"/>
+              </a:schemeClr>
+            </a:gs>
+          </a:gsLst>
+          <a:lin ang="16200000" scaled="0"/>
+        </a:gradFill>
+      </a:fillStyleLst>
+      <a:lnStyleLst>
+        <a:ln w="9525" cap="flat" cmpd="sng" algn="ctr">
+          <a:solidFill>
+            <a:schemeClr val="phClr">
+              <a:shade val="95000"/>
+              <a:satMod val="105000"/>
+            </a:schemeClr>
+          </a:solidFill>
+          <a:prstDash val="solid"/>
+        </a:ln>
+        <a:ln w="28575" cap="flat" cmpd="sng" algn="ctr">
+          <a:solidFill>
+            <a:schemeClr val="phClr"/>
+          </a:solidFill>
+          <a:prstDash val="solid"/>
+        </a:ln>
+        <a:ln w="50800" cap="flat" cmpd="sng" algn="ctr">
+          <a:solidFill>
+            <a:schemeClr val="phClr"/>
+          </a:solidFill>
+          <a:prstDash val="solid"/>
+        </a:ln>
+      </a:lnStyleLst>
+      <a:effectStyleLst>
+        <a:effectStyle>
+          <a:effectLst>
+            <a:outerShdw blurRad="40000" dist="20000" dir="5400000" rotWithShape="0">
+              <a:srgbClr val="000000">
+                <a:alpha val="38000"/>
+              </a:srgbClr>
+            </a:outerShdw>
+          </a:effectLst>
+        </a:effectStyle>
+        <a:effectStyle>
+          <a:effectLst>
+            <a:outerShdw blurRad="40000" dist="23000" dir="5400000" rotWithShape="0">
+              <a:srgbClr val="000000">
+                <a:alpha val="35000"/>
+              </a:srgbClr>
+            </a:outerShdw>
+          </a:effectLst>
+        </a:effectStyle>
+        <a:effectStyle>
+          <a:effectLst>
+            <a:outerShdw blurRad="40000" dist="23000" dir="5400000" rotWithShape="0">
+              <a:srgbClr val="000000">
+                <a:alpha val="35000"/>
+              </a:srgbClr>
+            </a:outerShdw>
+          </a:effectLst>
+          <a:scene3d>
+            <a:camera prst="orthographicFront">
+              <a:rot lat="0" lon="0" rev="0"/>
+            </a:camera>
+            <a:lightRig rig="threePt" dir="t">
+              <a:rot lat="0" lon="0" rev="1200000"/>
+            </a:lightRig>
+          </a:scene3d>
+          <a:sp3d>
+            <a:bevelT w="63500" h="25400"/>
+          </a:sp3d>
+        </a:effectStyle>
+      </a:effectStyleLst>
+      <a:bgFillStyleLst>
+        <a:solidFill>
+          <a:schemeClr val="phClr"/>
+        </a:solidFill>
+        <a:gradFill rotWithShape="1">
+          <a:gsLst>
+            <a:gs pos="50000">
+              <a:schemeClr val="phClr">
+                <a:tint val="80000"/>
+                <a:satMod val="250000"/>
+              </a:schemeClr>
+            </a:gs>
+            <a:gs pos="76000">
+              <a:schemeClr val="phClr">
+                <a:tint val="90000"/>
+                <a:shade val="90000"/>
+                <a:satMod val="200000"/>
+              </a:schemeClr>
+            </a:gs>
+            <a:gs pos="92000">
+              <a:schemeClr val="phClr">
+                <a:tint val="90000"/>
+                <a:shade val="70000"/>
+                <a:satMod val="250000"/>
+              </a:schemeClr>
+            </a:gs>
+          </a:gsLst>
+          <a:path path="circle">
+            <a:fillToRect l="50000" t="50000" r="50000" b="50000"/>
+          </a:path>
+        </a:gradFill>
+        <a:blipFill>
+          <a:blip xmlns:r="http://schemas.openxmlformats.org/officeDocument/2006/relationships" r:embed="rId1">
+            <a:duotone>
+              <a:schemeClr val="phClr">
+                <a:tint val="95000"/>
+              </a:schemeClr>
+              <a:schemeClr val="phClr">
+                <a:shade val="90000"/>
+              </a:schemeClr>
+            </a:duotone>
+          </a:blip>
+          <a:tile tx="0" ty="0" sx="100000" sy="100000" flip="none" algn="tl"/>
+        </a:blipFill>
+      </a:bgFillStyleLst>
+    </a:fmtScheme>
+  </a:themeElements>
+  <a:objectDefaults/>
+  <a:extraClrSchemeLst/>
+</a:theme>
+</file>
+
+<file path=ppt/theme/theme3.xml><?xml version="1.0" encoding="utf-8"?>
 <a:theme xmlns:a="http://schemas.openxmlformats.org/drawingml/2006/main" name="Office Theme">
   <a:themeElements>
     <a:clrScheme name="Office">
